--- a/Abschlusspräsentation.pptx
+++ b/Abschlusspräsentation.pptx
@@ -5,10 +5,10 @@
     <p:sldMasterId id="2147483671" r:id="rId1"/>
   </p:sldMasterIdLst>
   <p:notesMasterIdLst>
-    <p:notesMasterId r:id="rId34"/>
+    <p:notesMasterId r:id="rId40"/>
   </p:notesMasterIdLst>
   <p:handoutMasterIdLst>
-    <p:handoutMasterId r:id="rId35"/>
+    <p:handoutMasterId r:id="rId41"/>
   </p:handoutMasterIdLst>
   <p:sldIdLst>
     <p:sldId id="305" r:id="rId2"/>
@@ -43,6 +43,12 @@
     <p:sldId id="333" r:id="rId31"/>
     <p:sldId id="334" r:id="rId32"/>
     <p:sldId id="339" r:id="rId33"/>
+    <p:sldId id="344" r:id="rId34"/>
+    <p:sldId id="343" r:id="rId35"/>
+    <p:sldId id="345" r:id="rId36"/>
+    <p:sldId id="340" r:id="rId37"/>
+    <p:sldId id="341" r:id="rId38"/>
+    <p:sldId id="342" r:id="rId39"/>
   </p:sldIdLst>
   <p:sldSz cx="9144000" cy="6858000" type="screen4x3"/>
   <p:notesSz cx="6731000" cy="9867900"/>
@@ -340,7 +346,7 @@
               <a:pPr>
                 <a:defRPr/>
               </a:pPr>
-              <a:t>15.02.2015</a:t>
+              <a:t>16.02.2015</a:t>
             </a:fld>
             <a:endParaRPr lang="de-DE"/>
           </a:p>
@@ -547,7 +553,7 @@
               <a:pPr>
                 <a:defRPr/>
               </a:pPr>
-              <a:t>15.02.2015</a:t>
+              <a:t>16.02.2015</a:t>
             </a:fld>
             <a:endParaRPr lang="de-DE" dirty="0"/>
           </a:p>
@@ -1234,7 +1240,7 @@
           <a:p>
             <a:fld id="{06779667-B4A8-4B7E-9ECB-6AC6BAAAF423}" type="datetime1">
               <a:rPr lang="de-DE" smtClean="0"/>
-              <a:t>15.02.2015</a:t>
+              <a:t>16.02.2015</a:t>
             </a:fld>
             <a:endParaRPr lang="de-DE" dirty="0"/>
           </a:p>
@@ -1857,7 +1863,7 @@
           <a:p>
             <a:fld id="{06779667-B4A8-4B7E-9ECB-6AC6BAAAF423}" type="datetime1">
               <a:rPr lang="de-DE" smtClean="0"/>
-              <a:t>15.02.2015</a:t>
+              <a:t>16.02.2015</a:t>
             </a:fld>
             <a:endParaRPr lang="de-DE" dirty="0"/>
           </a:p>
@@ -2036,7 +2042,7 @@
           <a:p>
             <a:fld id="{06779667-B4A8-4B7E-9ECB-6AC6BAAAF423}" type="datetime1">
               <a:rPr lang="de-DE" smtClean="0"/>
-              <a:t>15.02.2015</a:t>
+              <a:t>16.02.2015</a:t>
             </a:fld>
             <a:endParaRPr lang="de-DE" dirty="0"/>
           </a:p>
@@ -2394,7 +2400,7 @@
             <a:fld id="{06779667-B4A8-4B7E-9ECB-6AC6BAAAF423}" type="datetime1">
               <a:rPr lang="de-DE" smtClean="0"/>
               <a:pPr/>
-              <a:t>15.02.2015</a:t>
+              <a:t>16.02.2015</a:t>
             </a:fld>
             <a:endParaRPr lang="de-DE" dirty="0"/>
           </a:p>
@@ -2913,19 +2919,13 @@
               <a:rPr lang="de-DE" sz="3200" b="1" dirty="0" err="1" smtClean="0">
                 <a:latin typeface="Frutiger LT Com 45 Light" panose="020B0303030504020204" pitchFamily="34" charset="0"/>
               </a:rPr>
-              <a:t>Quadrocopterd</a:t>
-            </a:r>
-            <a:r>
-              <a:rPr lang="de-DE" sz="3200" b="1" dirty="0" err="1" smtClean="0">
-                <a:latin typeface="Frutiger LT Com 45 Light" panose="020B0303030504020204" pitchFamily="34" charset="0"/>
-              </a:rPr>
-              <a:t>s</a:t>
+              <a:t>Quadrocopterds</a:t>
             </a:r>
             <a:r>
               <a:rPr lang="de-DE" sz="3200" b="1" dirty="0" smtClean="0">
                 <a:latin typeface="Frutiger LT Com 45 Light" panose="020B0303030504020204" pitchFamily="34" charset="0"/>
               </a:rPr>
-              <a:t> </a:t>
+              <a:t>, </a:t>
             </a:r>
             <a:r>
               <a:rPr lang="de-DE" sz="3200" b="1" dirty="0" smtClean="0">
@@ -3113,7 +3113,7 @@
           <a:p>
             <a:fld id="{06779667-B4A8-4B7E-9ECB-6AC6BAAAF423}" type="datetime1">
               <a:rPr lang="de-DE" smtClean="0"/>
-              <a:t>15.02.2015</a:t>
+              <a:t>16.02.2015</a:t>
             </a:fld>
             <a:endParaRPr lang="de-DE" dirty="0"/>
           </a:p>
@@ -3815,7 +3815,7 @@
           <a:p>
             <a:fld id="{06779667-B4A8-4B7E-9ECB-6AC6BAAAF423}" type="datetime1">
               <a:rPr lang="de-DE" smtClean="0"/>
-              <a:t>15.02.2015</a:t>
+              <a:t>16.02.2015</a:t>
             </a:fld>
             <a:endParaRPr lang="de-DE" dirty="0"/>
           </a:p>
@@ -5059,7 +5059,7 @@
           <a:p>
             <a:fld id="{06779667-B4A8-4B7E-9ECB-6AC6BAAAF423}" type="datetime1">
               <a:rPr lang="de-DE" smtClean="0"/>
-              <a:t>15.02.2015</a:t>
+              <a:t>16.02.2015</a:t>
             </a:fld>
             <a:endParaRPr lang="de-DE" dirty="0"/>
           </a:p>
@@ -5252,7 +5252,7 @@
           <a:p>
             <a:fld id="{06779667-B4A8-4B7E-9ECB-6AC6BAAAF423}" type="datetime1">
               <a:rPr lang="de-DE" smtClean="0"/>
-              <a:t>15.02.2015</a:t>
+              <a:t>16.02.2015</a:t>
             </a:fld>
             <a:endParaRPr lang="de-DE" dirty="0"/>
           </a:p>
@@ -5307,8 +5307,8 @@
         </p:blipFill>
         <p:spPr bwMode="auto">
           <a:xfrm>
-            <a:off x="251520" y="1988840"/>
-            <a:ext cx="5754104" cy="3167930"/>
+            <a:off x="232768" y="2636912"/>
+            <a:ext cx="5231700" cy="2880320"/>
           </a:xfrm>
           <a:prstGeom prst="rect">
             <a:avLst/>
@@ -5338,33 +5338,1327 @@
           </a:extLst>
         </p:spPr>
       </p:pic>
+      <mc:AlternateContent xmlns:mc="http://schemas.openxmlformats.org/markup-compatibility/2006">
+        <mc:Choice xmlns:a14="http://schemas.microsoft.com/office/drawing/2010/main" Requires="a14">
+          <p:sp>
+            <p:nvSpPr>
+              <p:cNvPr id="3" name="Textfeld 2"/>
+              <p:cNvSpPr txBox="1"/>
+              <p:nvPr/>
+            </p:nvSpPr>
+            <p:spPr>
+              <a:xfrm>
+                <a:off x="5724128" y="2276872"/>
+                <a:ext cx="3419872" cy="3869521"/>
+              </a:xfrm>
+              <a:prstGeom prst="rect">
+                <a:avLst/>
+              </a:prstGeom>
+              <a:noFill/>
+            </p:spPr>
+            <p:txBody>
+              <a:bodyPr wrap="square" rtlCol="0">
+                <a:spAutoFit/>
+              </a:bodyPr>
+              <a:lstStyle/>
+              <a:p>
+                <a:pPr/>
+                <a:endParaRPr lang="de-DE" i="1" dirty="0">
+                  <a:latin typeface="Cambria Math" panose="02040503050406030204" pitchFamily="18" charset="0"/>
+                </a:endParaRPr>
+              </a:p>
+              <a:p>
+                <a:pPr/>
+                <a14:m>
+                  <m:oMathPara xmlns:m="http://schemas.openxmlformats.org/officeDocument/2006/math">
+                    <m:oMathParaPr>
+                      <m:jc m:val="left"/>
+                    </m:oMathParaPr>
+                    <m:oMath xmlns:m="http://schemas.openxmlformats.org/officeDocument/2006/math">
+                      <m:sSub>
+                        <m:sSubPr>
+                          <m:ctrlPr>
+                            <a:rPr lang="de-DE" b="0" i="1" smtClean="0">
+                              <a:latin typeface="Cambria Math" panose="02040503050406030204" pitchFamily="18" charset="0"/>
+                            </a:rPr>
+                          </m:ctrlPr>
+                        </m:sSubPr>
+                        <m:e>
+                          <m:acc>
+                            <m:accPr>
+                              <m:chr m:val="̇"/>
+                              <m:ctrlPr>
+                                <a:rPr lang="de-DE" i="1" smtClean="0">
+                                  <a:latin typeface="Cambria Math" panose="02040503050406030204" pitchFamily="18" charset="0"/>
+                                </a:rPr>
+                              </m:ctrlPr>
+                            </m:accPr>
+                            <m:e>
+                              <m:r>
+                                <a:rPr lang="de-DE" b="0" i="1" smtClean="0">
+                                  <a:latin typeface="Cambria Math" panose="02040503050406030204" pitchFamily="18" charset="0"/>
+                                </a:rPr>
+                                <m:t>𝑥</m:t>
+                              </m:r>
+                            </m:e>
+                          </m:acc>
+                        </m:e>
+                        <m:sub>
+                          <m:r>
+                            <a:rPr lang="de-DE" b="0" i="1" smtClean="0">
+                              <a:latin typeface="Cambria Math" panose="02040503050406030204" pitchFamily="18" charset="0"/>
+                            </a:rPr>
+                            <m:t>1</m:t>
+                          </m:r>
+                        </m:sub>
+                      </m:sSub>
+                      <m:r>
+                        <a:rPr lang="de-DE" b="0" i="1" smtClean="0">
+                          <a:latin typeface="Cambria Math" panose="02040503050406030204" pitchFamily="18" charset="0"/>
+                        </a:rPr>
+                        <m:t>= </m:t>
+                      </m:r>
+                      <m:f>
+                        <m:fPr>
+                          <m:ctrlPr>
+                            <a:rPr lang="de-DE" b="0" i="1" smtClean="0">
+                              <a:latin typeface="Cambria Math" panose="02040503050406030204" pitchFamily="18" charset="0"/>
+                            </a:rPr>
+                          </m:ctrlPr>
+                        </m:fPr>
+                        <m:num>
+                          <m:r>
+                            <a:rPr lang="de-DE" b="0" i="1" smtClean="0">
+                              <a:latin typeface="Cambria Math" panose="02040503050406030204" pitchFamily="18" charset="0"/>
+                            </a:rPr>
+                            <m:t>1</m:t>
+                          </m:r>
+                        </m:num>
+                        <m:den>
+                          <m:r>
+                            <a:rPr lang="de-DE" b="0" i="1" smtClean="0">
+                              <a:latin typeface="Cambria Math" panose="02040503050406030204" pitchFamily="18" charset="0"/>
+                            </a:rPr>
+                            <m:t>𝑚</m:t>
+                          </m:r>
+                        </m:den>
+                      </m:f>
+                      <m:r>
+                        <a:rPr lang="de-DE" b="0" i="1" smtClean="0">
+                          <a:latin typeface="Cambria Math" panose="02040503050406030204" pitchFamily="18" charset="0"/>
+                        </a:rPr>
+                        <m:t>(</m:t>
+                      </m:r>
+                      <m:r>
+                        <a:rPr lang="de-DE" b="0" i="1" smtClean="0">
+                          <a:latin typeface="Cambria Math" panose="02040503050406030204" pitchFamily="18" charset="0"/>
+                        </a:rPr>
+                        <m:t>𝑐</m:t>
+                      </m:r>
+                      <m:r>
+                        <a:rPr lang="de-DE" b="0" i="1" smtClean="0">
+                          <a:latin typeface="Cambria Math" panose="02040503050406030204" pitchFamily="18" charset="0"/>
+                          <a:ea typeface="Cambria Math" panose="02040503050406030204" pitchFamily="18" charset="0"/>
+                        </a:rPr>
+                        <m:t>𝜑</m:t>
+                      </m:r>
+                      <m:r>
+                        <a:rPr lang="de-DE" b="0" i="1" smtClean="0">
+                          <a:latin typeface="Cambria Math" panose="02040503050406030204" pitchFamily="18" charset="0"/>
+                          <a:ea typeface="Cambria Math" panose="02040503050406030204" pitchFamily="18" charset="0"/>
+                        </a:rPr>
+                        <m:t> </m:t>
+                      </m:r>
+                      <m:r>
+                        <a:rPr lang="de-DE" b="0" i="1" smtClean="0">
+                          <a:latin typeface="Cambria Math" panose="02040503050406030204" pitchFamily="18" charset="0"/>
+                          <a:ea typeface="Cambria Math" panose="02040503050406030204" pitchFamily="18" charset="0"/>
+                        </a:rPr>
+                        <m:t>𝑠</m:t>
+                      </m:r>
+                      <m:r>
+                        <a:rPr lang="de-DE" b="0" i="1" smtClean="0">
+                          <a:latin typeface="Cambria Math" panose="02040503050406030204" pitchFamily="18" charset="0"/>
+                          <a:ea typeface="Cambria Math" panose="02040503050406030204" pitchFamily="18" charset="0"/>
+                        </a:rPr>
+                        <m:t>𝜃</m:t>
+                      </m:r>
+                      <m:r>
+                        <a:rPr lang="de-DE" b="0" i="1" smtClean="0">
+                          <a:latin typeface="Cambria Math" panose="02040503050406030204" pitchFamily="18" charset="0"/>
+                          <a:ea typeface="Cambria Math" panose="02040503050406030204" pitchFamily="18" charset="0"/>
+                        </a:rPr>
+                        <m:t> </m:t>
+                      </m:r>
+                      <m:r>
+                        <a:rPr lang="de-DE" b="0" i="1" smtClean="0">
+                          <a:latin typeface="Cambria Math" panose="02040503050406030204" pitchFamily="18" charset="0"/>
+                          <a:ea typeface="Cambria Math" panose="02040503050406030204" pitchFamily="18" charset="0"/>
+                        </a:rPr>
+                        <m:t>𝑐</m:t>
+                      </m:r>
+                      <m:r>
+                        <a:rPr lang="de-DE" i="1">
+                          <a:latin typeface="Cambria Math" panose="02040503050406030204" pitchFamily="18" charset="0"/>
+                          <a:ea typeface="Cambria Math" panose="02040503050406030204" pitchFamily="18" charset="0"/>
+                          <a:sym typeface="Symbol" panose="05050102010706020507" pitchFamily="18" charset="2"/>
+                        </a:rPr>
+                        <m:t>+</m:t>
+                      </m:r>
+                      <m:r>
+                        <a:rPr lang="de-DE" i="1">
+                          <a:latin typeface="Cambria Math" panose="02040503050406030204" pitchFamily="18" charset="0"/>
+                          <a:ea typeface="Cambria Math" panose="02040503050406030204" pitchFamily="18" charset="0"/>
+                          <a:sym typeface="Symbol" panose="05050102010706020507" pitchFamily="18" charset="2"/>
+                        </a:rPr>
+                        <m:t>𝑠</m:t>
+                      </m:r>
+                      <m:r>
+                        <a:rPr lang="de-DE" i="1">
+                          <a:latin typeface="Cambria Math" panose="02040503050406030204" pitchFamily="18" charset="0"/>
+                          <a:ea typeface="Cambria Math" panose="02040503050406030204" pitchFamily="18" charset="0"/>
+                          <a:sym typeface="Symbol" panose="05050102010706020507" pitchFamily="18" charset="2"/>
+                        </a:rPr>
+                        <m:t>𝜑</m:t>
+                      </m:r>
+                      <m:r>
+                        <a:rPr lang="de-DE" i="1">
+                          <a:latin typeface="Cambria Math" panose="02040503050406030204" pitchFamily="18" charset="0"/>
+                          <a:ea typeface="Cambria Math" panose="02040503050406030204" pitchFamily="18" charset="0"/>
+                          <a:sym typeface="Symbol" panose="05050102010706020507" pitchFamily="18" charset="2"/>
+                        </a:rPr>
+                        <m:t> </m:t>
+                      </m:r>
+                      <m:r>
+                        <a:rPr lang="de-DE" i="1">
+                          <a:latin typeface="Cambria Math" panose="02040503050406030204" pitchFamily="18" charset="0"/>
+                          <a:ea typeface="Cambria Math" panose="02040503050406030204" pitchFamily="18" charset="0"/>
+                          <a:sym typeface="Symbol" panose="05050102010706020507" pitchFamily="18" charset="2"/>
+                        </a:rPr>
+                        <m:t>𝑠</m:t>
+                      </m:r>
+                      <m:r>
+                        <a:rPr lang="de-DE" i="1">
+                          <a:latin typeface="Cambria Math" panose="02040503050406030204" pitchFamily="18" charset="0"/>
+                          <a:ea typeface="Cambria Math" panose="02040503050406030204" pitchFamily="18" charset="0"/>
+                          <a:sym typeface="Symbol" panose="05050102010706020507" pitchFamily="18" charset="2"/>
+                        </a:rPr>
+                        <m:t>)∙</m:t>
+                      </m:r>
+                      <m:r>
+                        <a:rPr lang="de-DE" b="0" i="1" smtClean="0">
+                          <a:latin typeface="Cambria Math" panose="02040503050406030204" pitchFamily="18" charset="0"/>
+                          <a:ea typeface="Cambria Math" panose="02040503050406030204" pitchFamily="18" charset="0"/>
+                          <a:sym typeface="Symbol" panose="05050102010706020507" pitchFamily="18" charset="2"/>
+                        </a:rPr>
+                        <m:t>𝑇</m:t>
+                      </m:r>
+                    </m:oMath>
+                  </m:oMathPara>
+                </a14:m>
+                <a:endParaRPr lang="de-DE" dirty="0" smtClean="0"/>
+              </a:p>
+              <a:p>
+                <a:pPr/>
+                <a14:m>
+                  <m:oMathPara xmlns:m="http://schemas.openxmlformats.org/officeDocument/2006/math">
+                    <m:oMathParaPr>
+                      <m:jc m:val="left"/>
+                    </m:oMathParaPr>
+                    <m:oMath xmlns:m="http://schemas.openxmlformats.org/officeDocument/2006/math">
+                      <m:sSub>
+                        <m:sSubPr>
+                          <m:ctrlPr>
+                            <a:rPr lang="de-DE" i="1">
+                              <a:latin typeface="Cambria Math" panose="02040503050406030204" pitchFamily="18" charset="0"/>
+                            </a:rPr>
+                          </m:ctrlPr>
+                        </m:sSubPr>
+                        <m:e>
+                          <m:acc>
+                            <m:accPr>
+                              <m:chr m:val="̇"/>
+                              <m:ctrlPr>
+                                <a:rPr lang="de-DE" i="1">
+                                  <a:latin typeface="Cambria Math" panose="02040503050406030204" pitchFamily="18" charset="0"/>
+                                </a:rPr>
+                              </m:ctrlPr>
+                            </m:accPr>
+                            <m:e>
+                              <m:r>
+                                <a:rPr lang="de-DE" i="1">
+                                  <a:latin typeface="Cambria Math" panose="02040503050406030204" pitchFamily="18" charset="0"/>
+                                </a:rPr>
+                                <m:t>𝑥</m:t>
+                              </m:r>
+                            </m:e>
+                          </m:acc>
+                        </m:e>
+                        <m:sub>
+                          <m:r>
+                            <a:rPr lang="de-DE" b="0" i="1" smtClean="0">
+                              <a:latin typeface="Cambria Math" panose="02040503050406030204" pitchFamily="18" charset="0"/>
+                            </a:rPr>
+                            <m:t>2</m:t>
+                          </m:r>
+                        </m:sub>
+                      </m:sSub>
+                      <m:r>
+                        <a:rPr lang="de-DE" i="1">
+                          <a:latin typeface="Cambria Math" panose="02040503050406030204" pitchFamily="18" charset="0"/>
+                        </a:rPr>
+                        <m:t>= </m:t>
+                      </m:r>
+                      <m:f>
+                        <m:fPr>
+                          <m:ctrlPr>
+                            <a:rPr lang="de-DE" i="1">
+                              <a:latin typeface="Cambria Math" panose="02040503050406030204" pitchFamily="18" charset="0"/>
+                            </a:rPr>
+                          </m:ctrlPr>
+                        </m:fPr>
+                        <m:num>
+                          <m:r>
+                            <a:rPr lang="de-DE" i="1">
+                              <a:latin typeface="Cambria Math" panose="02040503050406030204" pitchFamily="18" charset="0"/>
+                            </a:rPr>
+                            <m:t>1</m:t>
+                          </m:r>
+                        </m:num>
+                        <m:den>
+                          <m:r>
+                            <a:rPr lang="de-DE" i="1">
+                              <a:latin typeface="Cambria Math" panose="02040503050406030204" pitchFamily="18" charset="0"/>
+                            </a:rPr>
+                            <m:t>𝑚</m:t>
+                          </m:r>
+                        </m:den>
+                      </m:f>
+                      <m:d>
+                        <m:dPr>
+                          <m:ctrlPr>
+                            <a:rPr lang="de-DE" i="1">
+                              <a:latin typeface="Cambria Math" panose="02040503050406030204" pitchFamily="18" charset="0"/>
+                            </a:rPr>
+                          </m:ctrlPr>
+                        </m:dPr>
+                        <m:e>
+                          <m:r>
+                            <a:rPr lang="de-DE" i="1">
+                              <a:latin typeface="Cambria Math" panose="02040503050406030204" pitchFamily="18" charset="0"/>
+                            </a:rPr>
+                            <m:t>𝑐</m:t>
+                          </m:r>
+                          <m:r>
+                            <a:rPr lang="de-DE" i="1">
+                              <a:latin typeface="Cambria Math" panose="02040503050406030204" pitchFamily="18" charset="0"/>
+                              <a:ea typeface="Cambria Math" panose="02040503050406030204" pitchFamily="18" charset="0"/>
+                            </a:rPr>
+                            <m:t>𝜑</m:t>
+                          </m:r>
+                          <m:r>
+                            <a:rPr lang="de-DE" i="1">
+                              <a:latin typeface="Cambria Math" panose="02040503050406030204" pitchFamily="18" charset="0"/>
+                              <a:ea typeface="Cambria Math" panose="02040503050406030204" pitchFamily="18" charset="0"/>
+                            </a:rPr>
+                            <m:t> </m:t>
+                          </m:r>
+                          <m:r>
+                            <a:rPr lang="de-DE" i="1">
+                              <a:latin typeface="Cambria Math" panose="02040503050406030204" pitchFamily="18" charset="0"/>
+                              <a:ea typeface="Cambria Math" panose="02040503050406030204" pitchFamily="18" charset="0"/>
+                            </a:rPr>
+                            <m:t>𝑠</m:t>
+                          </m:r>
+                          <m:r>
+                            <a:rPr lang="de-DE" i="1">
+                              <a:latin typeface="Cambria Math" panose="02040503050406030204" pitchFamily="18" charset="0"/>
+                              <a:ea typeface="Cambria Math" panose="02040503050406030204" pitchFamily="18" charset="0"/>
+                            </a:rPr>
+                            <m:t>𝜃</m:t>
+                          </m:r>
+                          <m:r>
+                            <a:rPr lang="de-DE" i="1">
+                              <a:latin typeface="Cambria Math" panose="02040503050406030204" pitchFamily="18" charset="0"/>
+                              <a:ea typeface="Cambria Math" panose="02040503050406030204" pitchFamily="18" charset="0"/>
+                            </a:rPr>
+                            <m:t> </m:t>
+                          </m:r>
+                          <m:r>
+                            <a:rPr lang="de-DE" b="0" i="1" smtClean="0">
+                              <a:latin typeface="Cambria Math" panose="02040503050406030204" pitchFamily="18" charset="0"/>
+                              <a:ea typeface="Cambria Math" panose="02040503050406030204" pitchFamily="18" charset="0"/>
+                            </a:rPr>
+                            <m:t>𝑠</m:t>
+                          </m:r>
+                          <m:r>
+                            <a:rPr lang="de-DE" i="1">
+                              <a:latin typeface="Cambria Math" panose="02040503050406030204" pitchFamily="18" charset="0"/>
+                              <a:ea typeface="Cambria Math" panose="02040503050406030204" pitchFamily="18" charset="0"/>
+                              <a:sym typeface="Symbol" panose="05050102010706020507" pitchFamily="18" charset="2"/>
+                            </a:rPr>
+                            <m:t></m:t>
+                          </m:r>
+                          <m:r>
+                            <a:rPr lang="de-DE" b="0" i="1" smtClean="0">
+                              <a:latin typeface="Cambria Math" panose="02040503050406030204" pitchFamily="18" charset="0"/>
+                              <a:ea typeface="Cambria Math" panose="02040503050406030204" pitchFamily="18" charset="0"/>
+                              <a:sym typeface="Symbol" panose="05050102010706020507" pitchFamily="18" charset="2"/>
+                            </a:rPr>
+                            <m:t>−</m:t>
+                          </m:r>
+                          <m:r>
+                            <a:rPr lang="de-DE" i="1">
+                              <a:latin typeface="Cambria Math" panose="02040503050406030204" pitchFamily="18" charset="0"/>
+                              <a:ea typeface="Cambria Math" panose="02040503050406030204" pitchFamily="18" charset="0"/>
+                              <a:sym typeface="Symbol" panose="05050102010706020507" pitchFamily="18" charset="2"/>
+                            </a:rPr>
+                            <m:t>𝑠</m:t>
+                          </m:r>
+                          <m:r>
+                            <a:rPr lang="de-DE" i="1">
+                              <a:latin typeface="Cambria Math" panose="02040503050406030204" pitchFamily="18" charset="0"/>
+                              <a:ea typeface="Cambria Math" panose="02040503050406030204" pitchFamily="18" charset="0"/>
+                              <a:sym typeface="Symbol" panose="05050102010706020507" pitchFamily="18" charset="2"/>
+                            </a:rPr>
+                            <m:t>𝜑</m:t>
+                          </m:r>
+                          <m:r>
+                            <a:rPr lang="de-DE" i="1">
+                              <a:latin typeface="Cambria Math" panose="02040503050406030204" pitchFamily="18" charset="0"/>
+                              <a:ea typeface="Cambria Math" panose="02040503050406030204" pitchFamily="18" charset="0"/>
+                              <a:sym typeface="Symbol" panose="05050102010706020507" pitchFamily="18" charset="2"/>
+                            </a:rPr>
+                            <m:t> </m:t>
+                          </m:r>
+                          <m:r>
+                            <a:rPr lang="de-DE" b="0" i="1" smtClean="0">
+                              <a:latin typeface="Cambria Math" panose="02040503050406030204" pitchFamily="18" charset="0"/>
+                              <a:ea typeface="Cambria Math" panose="02040503050406030204" pitchFamily="18" charset="0"/>
+                              <a:sym typeface="Symbol" panose="05050102010706020507" pitchFamily="18" charset="2"/>
+                            </a:rPr>
+                            <m:t>𝑐</m:t>
+                          </m:r>
+                          <m:r>
+                            <a:rPr lang="de-DE" i="1">
+                              <a:latin typeface="Cambria Math" panose="02040503050406030204" pitchFamily="18" charset="0"/>
+                              <a:ea typeface="Cambria Math" panose="02040503050406030204" pitchFamily="18" charset="0"/>
+                              <a:sym typeface="Symbol" panose="05050102010706020507" pitchFamily="18" charset="2"/>
+                            </a:rPr>
+                            <m:t></m:t>
+                          </m:r>
+                        </m:e>
+                      </m:d>
+                      <m:r>
+                        <a:rPr lang="de-DE" i="1">
+                          <a:latin typeface="Cambria Math" panose="02040503050406030204" pitchFamily="18" charset="0"/>
+                          <a:ea typeface="Cambria Math" panose="02040503050406030204" pitchFamily="18" charset="0"/>
+                          <a:sym typeface="Symbol" panose="05050102010706020507" pitchFamily="18" charset="2"/>
+                        </a:rPr>
+                        <m:t>∙</m:t>
+                      </m:r>
+                      <m:r>
+                        <a:rPr lang="de-DE" i="1">
+                          <a:latin typeface="Cambria Math" panose="02040503050406030204" pitchFamily="18" charset="0"/>
+                          <a:ea typeface="Cambria Math" panose="02040503050406030204" pitchFamily="18" charset="0"/>
+                          <a:sym typeface="Symbol" panose="05050102010706020507" pitchFamily="18" charset="2"/>
+                        </a:rPr>
+                        <m:t>𝑇</m:t>
+                      </m:r>
+                    </m:oMath>
+                  </m:oMathPara>
+                </a14:m>
+                <a:endParaRPr lang="de-DE" dirty="0" smtClean="0">
+                  <a:ea typeface="Cambria Math" panose="02040503050406030204" pitchFamily="18" charset="0"/>
+                  <a:sym typeface="Symbol" panose="05050102010706020507" pitchFamily="18" charset="2"/>
+                </a:endParaRPr>
+              </a:p>
+              <a:p>
+                <a:pPr/>
+                <a14:m>
+                  <m:oMathPara xmlns:m="http://schemas.openxmlformats.org/officeDocument/2006/math">
+                    <m:oMathParaPr>
+                      <m:jc m:val="left"/>
+                    </m:oMathParaPr>
+                    <m:oMath xmlns:m="http://schemas.openxmlformats.org/officeDocument/2006/math">
+                      <m:sSub>
+                        <m:sSubPr>
+                          <m:ctrlPr>
+                            <a:rPr lang="de-DE" i="1">
+                              <a:latin typeface="Cambria Math" panose="02040503050406030204" pitchFamily="18" charset="0"/>
+                            </a:rPr>
+                          </m:ctrlPr>
+                        </m:sSubPr>
+                        <m:e>
+                          <m:acc>
+                            <m:accPr>
+                              <m:chr m:val="̇"/>
+                              <m:ctrlPr>
+                                <a:rPr lang="de-DE" i="1">
+                                  <a:latin typeface="Cambria Math" panose="02040503050406030204" pitchFamily="18" charset="0"/>
+                                </a:rPr>
+                              </m:ctrlPr>
+                            </m:accPr>
+                            <m:e>
+                              <m:r>
+                                <a:rPr lang="de-DE" i="1">
+                                  <a:latin typeface="Cambria Math" panose="02040503050406030204" pitchFamily="18" charset="0"/>
+                                </a:rPr>
+                                <m:t>𝑥</m:t>
+                              </m:r>
+                            </m:e>
+                          </m:acc>
+                        </m:e>
+                        <m:sub>
+                          <m:r>
+                            <a:rPr lang="de-DE" b="0" i="1" smtClean="0">
+                              <a:latin typeface="Cambria Math" panose="02040503050406030204" pitchFamily="18" charset="0"/>
+                            </a:rPr>
+                            <m:t>3</m:t>
+                          </m:r>
+                        </m:sub>
+                      </m:sSub>
+                      <m:r>
+                        <a:rPr lang="de-DE" i="1">
+                          <a:latin typeface="Cambria Math" panose="02040503050406030204" pitchFamily="18" charset="0"/>
+                        </a:rPr>
+                        <m:t>= </m:t>
+                      </m:r>
+                      <m:f>
+                        <m:fPr>
+                          <m:ctrlPr>
+                            <a:rPr lang="de-DE" i="1">
+                              <a:latin typeface="Cambria Math" panose="02040503050406030204" pitchFamily="18" charset="0"/>
+                            </a:rPr>
+                          </m:ctrlPr>
+                        </m:fPr>
+                        <m:num>
+                          <m:r>
+                            <a:rPr lang="de-DE" i="1">
+                              <a:latin typeface="Cambria Math" panose="02040503050406030204" pitchFamily="18" charset="0"/>
+                            </a:rPr>
+                            <m:t>1</m:t>
+                          </m:r>
+                        </m:num>
+                        <m:den>
+                          <m:r>
+                            <a:rPr lang="de-DE" i="1">
+                              <a:latin typeface="Cambria Math" panose="02040503050406030204" pitchFamily="18" charset="0"/>
+                            </a:rPr>
+                            <m:t>𝑚</m:t>
+                          </m:r>
+                        </m:den>
+                      </m:f>
+                      <m:d>
+                        <m:dPr>
+                          <m:ctrlPr>
+                            <a:rPr lang="de-DE" i="1">
+                              <a:latin typeface="Cambria Math" panose="02040503050406030204" pitchFamily="18" charset="0"/>
+                            </a:rPr>
+                          </m:ctrlPr>
+                        </m:dPr>
+                        <m:e>
+                          <m:r>
+                            <a:rPr lang="de-DE" i="1">
+                              <a:latin typeface="Cambria Math" panose="02040503050406030204" pitchFamily="18" charset="0"/>
+                            </a:rPr>
+                            <m:t>𝑐</m:t>
+                          </m:r>
+                          <m:r>
+                            <a:rPr lang="de-DE" i="1">
+                              <a:latin typeface="Cambria Math" panose="02040503050406030204" pitchFamily="18" charset="0"/>
+                              <a:ea typeface="Cambria Math" panose="02040503050406030204" pitchFamily="18" charset="0"/>
+                            </a:rPr>
+                            <m:t>𝜑</m:t>
+                          </m:r>
+                          <m:r>
+                            <a:rPr lang="de-DE" i="1">
+                              <a:latin typeface="Cambria Math" panose="02040503050406030204" pitchFamily="18" charset="0"/>
+                              <a:ea typeface="Cambria Math" panose="02040503050406030204" pitchFamily="18" charset="0"/>
+                            </a:rPr>
+                            <m:t> </m:t>
+                          </m:r>
+                          <m:r>
+                            <a:rPr lang="de-DE" b="0" i="1" smtClean="0">
+                              <a:latin typeface="Cambria Math" panose="02040503050406030204" pitchFamily="18" charset="0"/>
+                              <a:ea typeface="Cambria Math" panose="02040503050406030204" pitchFamily="18" charset="0"/>
+                            </a:rPr>
+                            <m:t>𝑐</m:t>
+                          </m:r>
+                          <m:r>
+                            <a:rPr lang="de-DE" i="1">
+                              <a:latin typeface="Cambria Math" panose="02040503050406030204" pitchFamily="18" charset="0"/>
+                              <a:ea typeface="Cambria Math" panose="02040503050406030204" pitchFamily="18" charset="0"/>
+                            </a:rPr>
+                            <m:t>𝜃</m:t>
+                          </m:r>
+                        </m:e>
+                      </m:d>
+                      <m:r>
+                        <a:rPr lang="de-DE" i="1">
+                          <a:latin typeface="Cambria Math" panose="02040503050406030204" pitchFamily="18" charset="0"/>
+                          <a:ea typeface="Cambria Math" panose="02040503050406030204" pitchFamily="18" charset="0"/>
+                          <a:sym typeface="Symbol" panose="05050102010706020507" pitchFamily="18" charset="2"/>
+                        </a:rPr>
+                        <m:t>∙</m:t>
+                      </m:r>
+                      <m:r>
+                        <a:rPr lang="de-DE" i="1">
+                          <a:latin typeface="Cambria Math" panose="02040503050406030204" pitchFamily="18" charset="0"/>
+                          <a:ea typeface="Cambria Math" panose="02040503050406030204" pitchFamily="18" charset="0"/>
+                          <a:sym typeface="Symbol" panose="05050102010706020507" pitchFamily="18" charset="2"/>
+                        </a:rPr>
+                        <m:t>𝑇</m:t>
+                      </m:r>
+                      <m:r>
+                        <a:rPr lang="de-DE" b="0" i="1" smtClean="0">
+                          <a:latin typeface="Cambria Math" panose="02040503050406030204" pitchFamily="18" charset="0"/>
+                          <a:ea typeface="Cambria Math" panose="02040503050406030204" pitchFamily="18" charset="0"/>
+                          <a:sym typeface="Symbol" panose="05050102010706020507" pitchFamily="18" charset="2"/>
+                        </a:rPr>
+                        <m:t>−</m:t>
+                      </m:r>
+                      <m:r>
+                        <a:rPr lang="de-DE" b="0" i="1" smtClean="0">
+                          <a:latin typeface="Cambria Math" panose="02040503050406030204" pitchFamily="18" charset="0"/>
+                          <a:ea typeface="Cambria Math" panose="02040503050406030204" pitchFamily="18" charset="0"/>
+                          <a:sym typeface="Symbol" panose="05050102010706020507" pitchFamily="18" charset="2"/>
+                        </a:rPr>
+                        <m:t>𝑔</m:t>
+                      </m:r>
+                    </m:oMath>
+                  </m:oMathPara>
+                </a14:m>
+                <a:endParaRPr lang="de-DE" dirty="0" smtClean="0"/>
+              </a:p>
+              <a:p>
+                <a:pPr/>
+                <a:endParaRPr lang="de-DE" dirty="0"/>
+              </a:p>
+              <a:p>
+                <a:pPr/>
+                <a14:m>
+                  <m:oMathPara xmlns:m="http://schemas.openxmlformats.org/officeDocument/2006/math">
+                    <m:oMathParaPr>
+                      <m:jc m:val="left"/>
+                    </m:oMathParaPr>
+                    <m:oMath xmlns:m="http://schemas.openxmlformats.org/officeDocument/2006/math">
+                      <m:sSub>
+                        <m:sSubPr>
+                          <m:ctrlPr>
+                            <a:rPr lang="de-DE" i="1">
+                              <a:latin typeface="Cambria Math" panose="02040503050406030204" pitchFamily="18" charset="0"/>
+                            </a:rPr>
+                          </m:ctrlPr>
+                        </m:sSubPr>
+                        <m:e>
+                          <m:acc>
+                            <m:accPr>
+                              <m:chr m:val="̇"/>
+                              <m:ctrlPr>
+                                <a:rPr lang="de-DE" i="1">
+                                  <a:latin typeface="Cambria Math" panose="02040503050406030204" pitchFamily="18" charset="0"/>
+                                </a:rPr>
+                              </m:ctrlPr>
+                            </m:accPr>
+                            <m:e>
+                              <m:r>
+                                <a:rPr lang="de-DE" i="1">
+                                  <a:latin typeface="Cambria Math" panose="02040503050406030204" pitchFamily="18" charset="0"/>
+                                </a:rPr>
+                                <m:t>𝑥</m:t>
+                              </m:r>
+                            </m:e>
+                          </m:acc>
+                        </m:e>
+                        <m:sub>
+                          <m:r>
+                            <a:rPr lang="de-DE" b="0" i="1" smtClean="0">
+                              <a:latin typeface="Cambria Math" panose="02040503050406030204" pitchFamily="18" charset="0"/>
+                            </a:rPr>
+                            <m:t>4</m:t>
+                          </m:r>
+                        </m:sub>
+                      </m:sSub>
+                      <m:r>
+                        <a:rPr lang="de-DE" b="0" i="1" smtClean="0">
+                          <a:latin typeface="Cambria Math" panose="02040503050406030204" pitchFamily="18" charset="0"/>
+                        </a:rPr>
+                        <m:t>=</m:t>
+                      </m:r>
+                      <m:sSub>
+                        <m:sSubPr>
+                          <m:ctrlPr>
+                            <a:rPr lang="de-DE" b="0" i="1" smtClean="0">
+                              <a:latin typeface="Cambria Math" panose="02040503050406030204" pitchFamily="18" charset="0"/>
+                            </a:rPr>
+                          </m:ctrlPr>
+                        </m:sSubPr>
+                        <m:e>
+                          <m:r>
+                            <a:rPr lang="de-DE" b="0" i="1" smtClean="0">
+                              <a:latin typeface="Cambria Math" panose="02040503050406030204" pitchFamily="18" charset="0"/>
+                            </a:rPr>
+                            <m:t>𝑥</m:t>
+                          </m:r>
+                        </m:e>
+                        <m:sub>
+                          <m:r>
+                            <a:rPr lang="de-DE" b="0" i="1" smtClean="0">
+                              <a:latin typeface="Cambria Math" panose="02040503050406030204" pitchFamily="18" charset="0"/>
+                            </a:rPr>
+                            <m:t>1</m:t>
+                          </m:r>
+                        </m:sub>
+                      </m:sSub>
+                    </m:oMath>
+                  </m:oMathPara>
+                </a14:m>
+                <a:endParaRPr lang="de-DE" b="0" dirty="0" smtClean="0"/>
+              </a:p>
+              <a:p>
+                <a:pPr/>
+                <a14:m>
+                  <m:oMathPara xmlns:m="http://schemas.openxmlformats.org/officeDocument/2006/math">
+                    <m:oMathParaPr>
+                      <m:jc m:val="left"/>
+                    </m:oMathParaPr>
+                    <m:oMath xmlns:m="http://schemas.openxmlformats.org/officeDocument/2006/math">
+                      <m:sSub>
+                        <m:sSubPr>
+                          <m:ctrlPr>
+                            <a:rPr lang="de-DE" i="1">
+                              <a:latin typeface="Cambria Math" panose="02040503050406030204" pitchFamily="18" charset="0"/>
+                            </a:rPr>
+                          </m:ctrlPr>
+                        </m:sSubPr>
+                        <m:e>
+                          <m:acc>
+                            <m:accPr>
+                              <m:chr m:val="̇"/>
+                              <m:ctrlPr>
+                                <a:rPr lang="de-DE" i="1">
+                                  <a:latin typeface="Cambria Math" panose="02040503050406030204" pitchFamily="18" charset="0"/>
+                                </a:rPr>
+                              </m:ctrlPr>
+                            </m:accPr>
+                            <m:e>
+                              <m:r>
+                                <a:rPr lang="de-DE" i="1">
+                                  <a:latin typeface="Cambria Math" panose="02040503050406030204" pitchFamily="18" charset="0"/>
+                                </a:rPr>
+                                <m:t>𝑥</m:t>
+                              </m:r>
+                            </m:e>
+                          </m:acc>
+                        </m:e>
+                        <m:sub>
+                          <m:r>
+                            <a:rPr lang="de-DE" b="0" i="1" smtClean="0">
+                              <a:latin typeface="Cambria Math" panose="02040503050406030204" pitchFamily="18" charset="0"/>
+                            </a:rPr>
+                            <m:t>5</m:t>
+                          </m:r>
+                        </m:sub>
+                      </m:sSub>
+                      <m:r>
+                        <a:rPr lang="de-DE" i="1">
+                          <a:latin typeface="Cambria Math" panose="02040503050406030204" pitchFamily="18" charset="0"/>
+                        </a:rPr>
+                        <m:t>=</m:t>
+                      </m:r>
+                      <m:sSub>
+                        <m:sSubPr>
+                          <m:ctrlPr>
+                            <a:rPr lang="de-DE" i="1">
+                              <a:latin typeface="Cambria Math" panose="02040503050406030204" pitchFamily="18" charset="0"/>
+                            </a:rPr>
+                          </m:ctrlPr>
+                        </m:sSubPr>
+                        <m:e>
+                          <m:r>
+                            <a:rPr lang="de-DE" i="1">
+                              <a:latin typeface="Cambria Math" panose="02040503050406030204" pitchFamily="18" charset="0"/>
+                            </a:rPr>
+                            <m:t>𝑥</m:t>
+                          </m:r>
+                        </m:e>
+                        <m:sub>
+                          <m:r>
+                            <a:rPr lang="de-DE" b="0" i="1" smtClean="0">
+                              <a:latin typeface="Cambria Math" panose="02040503050406030204" pitchFamily="18" charset="0"/>
+                            </a:rPr>
+                            <m:t>2</m:t>
+                          </m:r>
+                        </m:sub>
+                      </m:sSub>
+                    </m:oMath>
+                  </m:oMathPara>
+                </a14:m>
+                <a:endParaRPr lang="de-DE" dirty="0" smtClean="0"/>
+              </a:p>
+              <a:p>
+                <a:pPr/>
+                <a14:m>
+                  <m:oMathPara xmlns:m="http://schemas.openxmlformats.org/officeDocument/2006/math">
+                    <m:oMathParaPr>
+                      <m:jc m:val="left"/>
+                    </m:oMathParaPr>
+                    <m:oMath xmlns:m="http://schemas.openxmlformats.org/officeDocument/2006/math">
+                      <m:sSub>
+                        <m:sSubPr>
+                          <m:ctrlPr>
+                            <a:rPr lang="de-DE" i="1">
+                              <a:latin typeface="Cambria Math" panose="02040503050406030204" pitchFamily="18" charset="0"/>
+                            </a:rPr>
+                          </m:ctrlPr>
+                        </m:sSubPr>
+                        <m:e>
+                          <m:acc>
+                            <m:accPr>
+                              <m:chr m:val="̇"/>
+                              <m:ctrlPr>
+                                <a:rPr lang="de-DE" i="1">
+                                  <a:latin typeface="Cambria Math" panose="02040503050406030204" pitchFamily="18" charset="0"/>
+                                </a:rPr>
+                              </m:ctrlPr>
+                            </m:accPr>
+                            <m:e>
+                              <m:r>
+                                <a:rPr lang="de-DE" i="1">
+                                  <a:latin typeface="Cambria Math" panose="02040503050406030204" pitchFamily="18" charset="0"/>
+                                </a:rPr>
+                                <m:t>𝑥</m:t>
+                              </m:r>
+                            </m:e>
+                          </m:acc>
+                        </m:e>
+                        <m:sub>
+                          <m:r>
+                            <a:rPr lang="de-DE" b="0" i="1" smtClean="0">
+                              <a:latin typeface="Cambria Math" panose="02040503050406030204" pitchFamily="18" charset="0"/>
+                            </a:rPr>
+                            <m:t>6</m:t>
+                          </m:r>
+                        </m:sub>
+                      </m:sSub>
+                      <m:r>
+                        <a:rPr lang="de-DE" i="1">
+                          <a:latin typeface="Cambria Math" panose="02040503050406030204" pitchFamily="18" charset="0"/>
+                        </a:rPr>
+                        <m:t>=</m:t>
+                      </m:r>
+                      <m:sSub>
+                        <m:sSubPr>
+                          <m:ctrlPr>
+                            <a:rPr lang="de-DE" i="1">
+                              <a:latin typeface="Cambria Math" panose="02040503050406030204" pitchFamily="18" charset="0"/>
+                            </a:rPr>
+                          </m:ctrlPr>
+                        </m:sSubPr>
+                        <m:e>
+                          <m:r>
+                            <a:rPr lang="de-DE" i="1">
+                              <a:latin typeface="Cambria Math" panose="02040503050406030204" pitchFamily="18" charset="0"/>
+                            </a:rPr>
+                            <m:t>𝑥</m:t>
+                          </m:r>
+                        </m:e>
+                        <m:sub>
+                          <m:r>
+                            <a:rPr lang="de-DE" b="0" i="1" smtClean="0">
+                              <a:latin typeface="Cambria Math" panose="02040503050406030204" pitchFamily="18" charset="0"/>
+                            </a:rPr>
+                            <m:t>3</m:t>
+                          </m:r>
+                        </m:sub>
+                      </m:sSub>
+                    </m:oMath>
+                  </m:oMathPara>
+                </a14:m>
+                <a:endParaRPr lang="de-DE" dirty="0"/>
+              </a:p>
+              <a:p>
+                <a:pPr/>
+                <a:endParaRPr lang="de-DE" dirty="0"/>
+              </a:p>
+              <a:p>
+                <a:endParaRPr lang="de-DE" dirty="0"/>
+              </a:p>
+              <a:p>
+                <a:endParaRPr lang="de-DE" dirty="0"/>
+              </a:p>
+            </p:txBody>
+          </p:sp>
+        </mc:Choice>
+        <mc:Fallback>
+          <p:sp>
+            <p:nvSpPr>
+              <p:cNvPr id="3" name="Textfeld 2"/>
+              <p:cNvSpPr txBox="1">
+                <a:spLocks noRot="1" noChangeAspect="1" noMove="1" noResize="1" noEditPoints="1" noAdjustHandles="1" noChangeArrowheads="1" noChangeShapeType="1" noTextEdit="1"/>
+              </p:cNvSpPr>
+              <p:nvPr/>
+            </p:nvSpPr>
+            <p:spPr>
+              <a:xfrm>
+                <a:off x="5724128" y="2276872"/>
+                <a:ext cx="3419872" cy="3869521"/>
+              </a:xfrm>
+              <a:prstGeom prst="rect">
+                <a:avLst/>
+              </a:prstGeom>
+              <a:blipFill rotWithShape="0">
+                <a:blip r:embed="rId4"/>
+                <a:stretch>
+                  <a:fillRect/>
+                </a:stretch>
+              </a:blipFill>
+            </p:spPr>
+            <p:txBody>
+              <a:bodyPr/>
+              <a:lstStyle/>
+              <a:p>
+                <a:r>
+                  <a:rPr lang="de-DE">
+                    <a:noFill/>
+                  </a:rPr>
+                  <a:t> </a:t>
+                </a:r>
+              </a:p>
+            </p:txBody>
+          </p:sp>
+        </mc:Fallback>
+      </mc:AlternateContent>
       <p:sp>
         <p:nvSpPr>
-          <p:cNvPr id="3" name="Textfeld 2"/>
-          <p:cNvSpPr txBox="1"/>
+          <p:cNvPr id="7" name="Inhaltsplatzhalter 2"/>
+          <p:cNvSpPr txBox="1">
+            <a:spLocks/>
+          </p:cNvSpPr>
           <p:nvPr/>
         </p:nvSpPr>
-        <p:spPr>
+        <p:spPr bwMode="auto">
           <a:xfrm>
-            <a:off x="6047656" y="1916832"/>
-            <a:ext cx="3096344" cy="646331"/>
+            <a:off x="5724128" y="1860272"/>
+            <a:ext cx="3096344" cy="333935"/>
           </a:xfrm>
           <a:prstGeom prst="rect">
             <a:avLst/>
           </a:prstGeom>
           <a:noFill/>
+          <a:ln w="9525">
+            <a:noFill/>
+            <a:miter lim="800000"/>
+            <a:headEnd/>
+            <a:tailEnd/>
+          </a:ln>
         </p:spPr>
         <p:txBody>
-          <a:bodyPr wrap="square" rtlCol="0">
-            <a:spAutoFit/>
+          <a:bodyPr vert="horz" wrap="square" lIns="0" tIns="0" rIns="0" bIns="0" numCol="1" anchor="t" anchorCtr="0" compatLnSpc="1">
+            <a:prstTxWarp prst="textNoShape">
+              <a:avLst/>
+            </a:prstTxWarp>
           </a:bodyPr>
-          <a:lstStyle/>
+          <a:lstStyle>
+            <a:lvl1pPr marL="0" indent="0" algn="l" defTabSz="358775" rtl="0" fontAlgn="base">
+              <a:spcBef>
+                <a:spcPct val="0"/>
+              </a:spcBef>
+              <a:spcAft>
+                <a:spcPts val="900"/>
+              </a:spcAft>
+              <a:buClr>
+                <a:schemeClr val="tx2"/>
+              </a:buClr>
+              <a:buFont typeface="Wingdings" pitchFamily="2" charset="2"/>
+              <a:buNone/>
+              <a:defRPr>
+                <a:solidFill>
+                  <a:schemeClr val="tx1"/>
+                </a:solidFill>
+                <a:latin typeface="+mn-lt"/>
+                <a:ea typeface="+mn-ea"/>
+                <a:cs typeface="+mn-cs"/>
+              </a:defRPr>
+            </a:lvl1pPr>
+            <a:lvl2pPr marL="719138" indent="-358775" algn="l" defTabSz="358775" rtl="0" fontAlgn="base">
+              <a:spcBef>
+                <a:spcPct val="0"/>
+              </a:spcBef>
+              <a:spcAft>
+                <a:spcPts val="900"/>
+              </a:spcAft>
+              <a:buClr>
+                <a:schemeClr val="bg2"/>
+              </a:buClr>
+              <a:buFont typeface="Wingdings" pitchFamily="2" charset="2"/>
+              <a:buChar char="n"/>
+              <a:defRPr>
+                <a:solidFill>
+                  <a:schemeClr val="tx1"/>
+                </a:solidFill>
+                <a:latin typeface="+mn-lt"/>
+              </a:defRPr>
+            </a:lvl2pPr>
+            <a:lvl3pPr marL="1079500" indent="-358775" algn="l" defTabSz="358775" rtl="0" fontAlgn="base">
+              <a:spcBef>
+                <a:spcPct val="0"/>
+              </a:spcBef>
+              <a:spcAft>
+                <a:spcPts val="900"/>
+              </a:spcAft>
+              <a:buClr>
+                <a:schemeClr val="bg2"/>
+              </a:buClr>
+              <a:buFont typeface="Wingdings" pitchFamily="2" charset="2"/>
+              <a:buChar char="n"/>
+              <a:defRPr>
+                <a:solidFill>
+                  <a:schemeClr val="tx1"/>
+                </a:solidFill>
+                <a:latin typeface="+mn-lt"/>
+              </a:defRPr>
+            </a:lvl3pPr>
+            <a:lvl4pPr marL="1439863" indent="-358775" algn="l" defTabSz="358775" rtl="0" fontAlgn="base">
+              <a:spcBef>
+                <a:spcPct val="0"/>
+              </a:spcBef>
+              <a:spcAft>
+                <a:spcPts val="900"/>
+              </a:spcAft>
+              <a:buClr>
+                <a:schemeClr val="bg2"/>
+              </a:buClr>
+              <a:buFont typeface="Wingdings" pitchFamily="2" charset="2"/>
+              <a:buChar char="n"/>
+              <a:defRPr>
+                <a:solidFill>
+                  <a:schemeClr val="tx1"/>
+                </a:solidFill>
+                <a:latin typeface="+mn-lt"/>
+              </a:defRPr>
+            </a:lvl4pPr>
+            <a:lvl5pPr marL="1798638" indent="-358775" algn="l" defTabSz="358775" rtl="0" fontAlgn="base">
+              <a:spcBef>
+                <a:spcPct val="0"/>
+              </a:spcBef>
+              <a:spcAft>
+                <a:spcPts val="900"/>
+              </a:spcAft>
+              <a:buClr>
+                <a:schemeClr val="bg2"/>
+              </a:buClr>
+              <a:buFont typeface="Wingdings" pitchFamily="2" charset="2"/>
+              <a:buChar char="n"/>
+              <a:defRPr>
+                <a:solidFill>
+                  <a:schemeClr val="tx1"/>
+                </a:solidFill>
+                <a:latin typeface="+mn-lt"/>
+              </a:defRPr>
+            </a:lvl5pPr>
+            <a:lvl6pPr marL="1887538" indent="-358775" algn="l" rtl="0" eaLnBrk="1" fontAlgn="base" hangingPunct="1">
+              <a:spcBef>
+                <a:spcPct val="0"/>
+              </a:spcBef>
+              <a:spcAft>
+                <a:spcPct val="40000"/>
+              </a:spcAft>
+              <a:buClr>
+                <a:schemeClr val="bg2"/>
+              </a:buClr>
+              <a:buFont typeface="Wingdings" pitchFamily="2" charset="2"/>
+              <a:buChar char="n"/>
+              <a:defRPr>
+                <a:solidFill>
+                  <a:schemeClr val="tx1"/>
+                </a:solidFill>
+                <a:latin typeface="+mn-lt"/>
+              </a:defRPr>
+            </a:lvl6pPr>
+            <a:lvl7pPr marL="2344738" indent="-358775" algn="l" rtl="0" eaLnBrk="1" fontAlgn="base" hangingPunct="1">
+              <a:spcBef>
+                <a:spcPct val="0"/>
+              </a:spcBef>
+              <a:spcAft>
+                <a:spcPct val="40000"/>
+              </a:spcAft>
+              <a:buClr>
+                <a:schemeClr val="bg2"/>
+              </a:buClr>
+              <a:buFont typeface="Wingdings" pitchFamily="2" charset="2"/>
+              <a:buChar char="n"/>
+              <a:defRPr>
+                <a:solidFill>
+                  <a:schemeClr val="tx1"/>
+                </a:solidFill>
+                <a:latin typeface="+mn-lt"/>
+              </a:defRPr>
+            </a:lvl7pPr>
+            <a:lvl8pPr marL="2801938" indent="-358775" algn="l" rtl="0" eaLnBrk="1" fontAlgn="base" hangingPunct="1">
+              <a:spcBef>
+                <a:spcPct val="0"/>
+              </a:spcBef>
+              <a:spcAft>
+                <a:spcPct val="40000"/>
+              </a:spcAft>
+              <a:buClr>
+                <a:schemeClr val="bg2"/>
+              </a:buClr>
+              <a:buFont typeface="Wingdings" pitchFamily="2" charset="2"/>
+              <a:buChar char="n"/>
+              <a:defRPr>
+                <a:solidFill>
+                  <a:schemeClr val="tx1"/>
+                </a:solidFill>
+                <a:latin typeface="+mn-lt"/>
+              </a:defRPr>
+            </a:lvl8pPr>
+            <a:lvl9pPr marL="3259138" indent="-358775" algn="l" rtl="0" eaLnBrk="1" fontAlgn="base" hangingPunct="1">
+              <a:spcBef>
+                <a:spcPct val="0"/>
+              </a:spcBef>
+              <a:spcAft>
+                <a:spcPct val="40000"/>
+              </a:spcAft>
+              <a:buClr>
+                <a:schemeClr val="bg2"/>
+              </a:buClr>
+              <a:buFont typeface="Wingdings" pitchFamily="2" charset="2"/>
+              <a:buChar char="n"/>
+              <a:defRPr>
+                <a:solidFill>
+                  <a:schemeClr val="tx1"/>
+                </a:solidFill>
+                <a:latin typeface="+mn-lt"/>
+              </a:defRPr>
+            </a:lvl9pPr>
+          </a:lstStyle>
           <a:p>
             <a:r>
-              <a:rPr lang="de-DE" dirty="0" smtClean="0"/>
-              <a:t>Hier noch die Zustandsgleichungen hin </a:t>
+              <a:rPr lang="de-DE" kern="0" dirty="0"/>
+              <a:t> </a:t>
             </a:r>
-            <a:endParaRPr lang="de-DE" dirty="0"/>
+            <a:r>
+              <a:rPr lang="de-DE" kern="0" dirty="0" smtClean="0"/>
+              <a:t>Zustandsdifferenzialgleichung</a:t>
+            </a:r>
+            <a:endParaRPr lang="de-DE" kern="0" dirty="0"/>
+          </a:p>
+        </p:txBody>
+      </p:sp>
+      <p:sp>
+        <p:nvSpPr>
+          <p:cNvPr id="8" name="Inhaltsplatzhalter 2"/>
+          <p:cNvSpPr txBox="1">
+            <a:spLocks/>
+          </p:cNvSpPr>
+          <p:nvPr/>
+        </p:nvSpPr>
+        <p:spPr bwMode="auto">
+          <a:xfrm>
+            <a:off x="323528" y="1860273"/>
+            <a:ext cx="2350443" cy="333935"/>
+          </a:xfrm>
+          <a:prstGeom prst="rect">
+            <a:avLst/>
+          </a:prstGeom>
+          <a:noFill/>
+          <a:ln w="9525">
+            <a:noFill/>
+            <a:miter lim="800000"/>
+            <a:headEnd/>
+            <a:tailEnd/>
+          </a:ln>
+        </p:spPr>
+        <p:txBody>
+          <a:bodyPr vert="horz" wrap="square" lIns="0" tIns="0" rIns="0" bIns="0" numCol="1" anchor="t" anchorCtr="0" compatLnSpc="1">
+            <a:prstTxWarp prst="textNoShape">
+              <a:avLst/>
+            </a:prstTxWarp>
+          </a:bodyPr>
+          <a:lstStyle>
+            <a:lvl1pPr marL="0" indent="0" algn="l" defTabSz="358775" rtl="0" fontAlgn="base">
+              <a:spcBef>
+                <a:spcPct val="0"/>
+              </a:spcBef>
+              <a:spcAft>
+                <a:spcPts val="900"/>
+              </a:spcAft>
+              <a:buClr>
+                <a:schemeClr val="tx2"/>
+              </a:buClr>
+              <a:buFont typeface="Wingdings" pitchFamily="2" charset="2"/>
+              <a:buNone/>
+              <a:defRPr>
+                <a:solidFill>
+                  <a:schemeClr val="tx1"/>
+                </a:solidFill>
+                <a:latin typeface="+mn-lt"/>
+                <a:ea typeface="+mn-ea"/>
+                <a:cs typeface="+mn-cs"/>
+              </a:defRPr>
+            </a:lvl1pPr>
+            <a:lvl2pPr marL="719138" indent="-358775" algn="l" defTabSz="358775" rtl="0" fontAlgn="base">
+              <a:spcBef>
+                <a:spcPct val="0"/>
+              </a:spcBef>
+              <a:spcAft>
+                <a:spcPts val="900"/>
+              </a:spcAft>
+              <a:buClr>
+                <a:schemeClr val="bg2"/>
+              </a:buClr>
+              <a:buFont typeface="Wingdings" pitchFamily="2" charset="2"/>
+              <a:buChar char="n"/>
+              <a:defRPr>
+                <a:solidFill>
+                  <a:schemeClr val="tx1"/>
+                </a:solidFill>
+                <a:latin typeface="+mn-lt"/>
+              </a:defRPr>
+            </a:lvl2pPr>
+            <a:lvl3pPr marL="1079500" indent="-358775" algn="l" defTabSz="358775" rtl="0" fontAlgn="base">
+              <a:spcBef>
+                <a:spcPct val="0"/>
+              </a:spcBef>
+              <a:spcAft>
+                <a:spcPts val="900"/>
+              </a:spcAft>
+              <a:buClr>
+                <a:schemeClr val="bg2"/>
+              </a:buClr>
+              <a:buFont typeface="Wingdings" pitchFamily="2" charset="2"/>
+              <a:buChar char="n"/>
+              <a:defRPr>
+                <a:solidFill>
+                  <a:schemeClr val="tx1"/>
+                </a:solidFill>
+                <a:latin typeface="+mn-lt"/>
+              </a:defRPr>
+            </a:lvl3pPr>
+            <a:lvl4pPr marL="1439863" indent="-358775" algn="l" defTabSz="358775" rtl="0" fontAlgn="base">
+              <a:spcBef>
+                <a:spcPct val="0"/>
+              </a:spcBef>
+              <a:spcAft>
+                <a:spcPts val="900"/>
+              </a:spcAft>
+              <a:buClr>
+                <a:schemeClr val="bg2"/>
+              </a:buClr>
+              <a:buFont typeface="Wingdings" pitchFamily="2" charset="2"/>
+              <a:buChar char="n"/>
+              <a:defRPr>
+                <a:solidFill>
+                  <a:schemeClr val="tx1"/>
+                </a:solidFill>
+                <a:latin typeface="+mn-lt"/>
+              </a:defRPr>
+            </a:lvl4pPr>
+            <a:lvl5pPr marL="1798638" indent="-358775" algn="l" defTabSz="358775" rtl="0" fontAlgn="base">
+              <a:spcBef>
+                <a:spcPct val="0"/>
+              </a:spcBef>
+              <a:spcAft>
+                <a:spcPts val="900"/>
+              </a:spcAft>
+              <a:buClr>
+                <a:schemeClr val="bg2"/>
+              </a:buClr>
+              <a:buFont typeface="Wingdings" pitchFamily="2" charset="2"/>
+              <a:buChar char="n"/>
+              <a:defRPr>
+                <a:solidFill>
+                  <a:schemeClr val="tx1"/>
+                </a:solidFill>
+                <a:latin typeface="+mn-lt"/>
+              </a:defRPr>
+            </a:lvl5pPr>
+            <a:lvl6pPr marL="1887538" indent="-358775" algn="l" rtl="0" eaLnBrk="1" fontAlgn="base" hangingPunct="1">
+              <a:spcBef>
+                <a:spcPct val="0"/>
+              </a:spcBef>
+              <a:spcAft>
+                <a:spcPct val="40000"/>
+              </a:spcAft>
+              <a:buClr>
+                <a:schemeClr val="bg2"/>
+              </a:buClr>
+              <a:buFont typeface="Wingdings" pitchFamily="2" charset="2"/>
+              <a:buChar char="n"/>
+              <a:defRPr>
+                <a:solidFill>
+                  <a:schemeClr val="tx1"/>
+                </a:solidFill>
+                <a:latin typeface="+mn-lt"/>
+              </a:defRPr>
+            </a:lvl6pPr>
+            <a:lvl7pPr marL="2344738" indent="-358775" algn="l" rtl="0" eaLnBrk="1" fontAlgn="base" hangingPunct="1">
+              <a:spcBef>
+                <a:spcPct val="0"/>
+              </a:spcBef>
+              <a:spcAft>
+                <a:spcPct val="40000"/>
+              </a:spcAft>
+              <a:buClr>
+                <a:schemeClr val="bg2"/>
+              </a:buClr>
+              <a:buFont typeface="Wingdings" pitchFamily="2" charset="2"/>
+              <a:buChar char="n"/>
+              <a:defRPr>
+                <a:solidFill>
+                  <a:schemeClr val="tx1"/>
+                </a:solidFill>
+                <a:latin typeface="+mn-lt"/>
+              </a:defRPr>
+            </a:lvl7pPr>
+            <a:lvl8pPr marL="2801938" indent="-358775" algn="l" rtl="0" eaLnBrk="1" fontAlgn="base" hangingPunct="1">
+              <a:spcBef>
+                <a:spcPct val="0"/>
+              </a:spcBef>
+              <a:spcAft>
+                <a:spcPct val="40000"/>
+              </a:spcAft>
+              <a:buClr>
+                <a:schemeClr val="bg2"/>
+              </a:buClr>
+              <a:buFont typeface="Wingdings" pitchFamily="2" charset="2"/>
+              <a:buChar char="n"/>
+              <a:defRPr>
+                <a:solidFill>
+                  <a:schemeClr val="tx1"/>
+                </a:solidFill>
+                <a:latin typeface="+mn-lt"/>
+              </a:defRPr>
+            </a:lvl8pPr>
+            <a:lvl9pPr marL="3259138" indent="-358775" algn="l" rtl="0" eaLnBrk="1" fontAlgn="base" hangingPunct="1">
+              <a:spcBef>
+                <a:spcPct val="0"/>
+              </a:spcBef>
+              <a:spcAft>
+                <a:spcPct val="40000"/>
+              </a:spcAft>
+              <a:buClr>
+                <a:schemeClr val="bg2"/>
+              </a:buClr>
+              <a:buFont typeface="Wingdings" pitchFamily="2" charset="2"/>
+              <a:buChar char="n"/>
+              <a:defRPr>
+                <a:solidFill>
+                  <a:schemeClr val="tx1"/>
+                </a:solidFill>
+                <a:latin typeface="+mn-lt"/>
+              </a:defRPr>
+            </a:lvl9pPr>
+          </a:lstStyle>
+          <a:p>
+            <a:r>
+              <a:rPr lang="de-DE" kern="0" dirty="0" smtClean="0"/>
+              <a:t>Strukturbild Modell</a:t>
+            </a:r>
+            <a:endParaRPr lang="de-DE" kern="0" dirty="0"/>
           </a:p>
         </p:txBody>
       </p:sp>
@@ -5465,7 +6759,7 @@
           <a:p>
             <a:fld id="{06779667-B4A8-4B7E-9ECB-6AC6BAAAF423}" type="datetime1">
               <a:rPr lang="de-DE" smtClean="0"/>
-              <a:t>15.02.2015</a:t>
+              <a:t>16.02.2015</a:t>
             </a:fld>
             <a:endParaRPr lang="de-DE" dirty="0"/>
           </a:p>
@@ -5658,7 +6952,7 @@
           <a:p>
             <a:fld id="{06779667-B4A8-4B7E-9ECB-6AC6BAAAF423}" type="datetime1">
               <a:rPr lang="de-DE" smtClean="0"/>
-              <a:t>15.02.2015</a:t>
+              <a:t>16.02.2015</a:t>
             </a:fld>
             <a:endParaRPr lang="de-DE" dirty="0"/>
           </a:p>
@@ -6660,7 +7954,7 @@
           <a:p>
             <a:fld id="{06779667-B4A8-4B7E-9ECB-6AC6BAAAF423}" type="datetime1">
               <a:rPr lang="de-DE" smtClean="0"/>
-              <a:t>15.02.2015</a:t>
+              <a:t>16.02.2015</a:t>
             </a:fld>
             <a:endParaRPr lang="de-DE" dirty="0"/>
           </a:p>
@@ -6903,7 +8197,7 @@
           <a:p>
             <a:fld id="{06779667-B4A8-4B7E-9ECB-6AC6BAAAF423}" type="datetime1">
               <a:rPr lang="de-DE" smtClean="0"/>
-              <a:t>15.02.2015</a:t>
+              <a:t>16.02.2015</a:t>
             </a:fld>
             <a:endParaRPr lang="de-DE" dirty="0"/>
           </a:p>
@@ -7563,7 +8857,7 @@
           <a:p>
             <a:fld id="{06779667-B4A8-4B7E-9ECB-6AC6BAAAF423}" type="datetime1">
               <a:rPr lang="de-DE" smtClean="0"/>
-              <a:t>15.02.2015</a:t>
+              <a:t>16.02.2015</a:t>
             </a:fld>
             <a:endParaRPr lang="de-DE" dirty="0"/>
           </a:p>
@@ -7690,7 +8984,7 @@
           <a:p>
             <a:fld id="{06779667-B4A8-4B7E-9ECB-6AC6BAAAF423}" type="datetime1">
               <a:rPr lang="de-DE" smtClean="0"/>
-              <a:t>15.02.2015</a:t>
+              <a:t>16.02.2015</a:t>
             </a:fld>
             <a:endParaRPr lang="de-DE" dirty="0"/>
           </a:p>
@@ -7959,7 +9253,6 @@
               <a:rPr lang="de-DE" dirty="0" smtClean="0"/>
               <a:t>Flugdemonstration </a:t>
             </a:r>
-            <a:endParaRPr lang="de-DE" dirty="0" smtClean="0"/>
           </a:p>
           <a:p>
             <a:endParaRPr lang="de-DE" dirty="0" smtClean="0"/>
@@ -7986,7 +9279,7 @@
           <a:p>
             <a:fld id="{06779667-B4A8-4B7E-9ECB-6AC6BAAAF423}" type="datetime1">
               <a:rPr lang="de-DE" smtClean="0"/>
-              <a:t>15.02.2015</a:t>
+              <a:t>16.02.2015</a:t>
             </a:fld>
             <a:endParaRPr lang="de-DE" dirty="0"/>
           </a:p>
@@ -8139,7 +9432,7 @@
           <a:p>
             <a:fld id="{06779667-B4A8-4B7E-9ECB-6AC6BAAAF423}" type="datetime1">
               <a:rPr lang="de-DE" smtClean="0"/>
-              <a:t>15.02.2015</a:t>
+              <a:t>16.02.2015</a:t>
             </a:fld>
             <a:endParaRPr lang="de-DE" dirty="0"/>
           </a:p>
@@ -8677,7 +9970,7 @@
           <a:p>
             <a:fld id="{06779667-B4A8-4B7E-9ECB-6AC6BAAAF423}" type="datetime1">
               <a:rPr lang="de-DE" smtClean="0"/>
-              <a:t>15.02.2015</a:t>
+              <a:t>16.02.2015</a:t>
             </a:fld>
             <a:endParaRPr lang="de-DE" dirty="0"/>
           </a:p>
@@ -8864,7 +10157,7 @@
           <a:p>
             <a:fld id="{06779667-B4A8-4B7E-9ECB-6AC6BAAAF423}" type="datetime1">
               <a:rPr lang="de-DE" smtClean="0"/>
-              <a:t>15.02.2015</a:t>
+              <a:t>16.02.2015</a:t>
             </a:fld>
             <a:endParaRPr lang="de-DE" dirty="0"/>
           </a:p>
@@ -9057,7 +10350,7 @@
           <a:p>
             <a:fld id="{06779667-B4A8-4B7E-9ECB-6AC6BAAAF423}" type="datetime1">
               <a:rPr lang="de-DE" smtClean="0"/>
-              <a:t>15.02.2015</a:t>
+              <a:t>16.02.2015</a:t>
             </a:fld>
             <a:endParaRPr lang="de-DE" dirty="0"/>
           </a:p>
@@ -10795,7 +12088,7 @@
           <a:p>
             <a:fld id="{06779667-B4A8-4B7E-9ECB-6AC6BAAAF423}" type="datetime1">
               <a:rPr lang="de-DE" smtClean="0"/>
-              <a:t>15.02.2015</a:t>
+              <a:t>16.02.2015</a:t>
             </a:fld>
             <a:endParaRPr lang="de-DE" dirty="0"/>
           </a:p>
@@ -11275,7 +12568,13 @@
                           <a:rPr lang="de-DE" b="0" i="1" smtClean="0">
                             <a:latin typeface="Cambria Math" panose="02040503050406030204" pitchFamily="18" charset="0"/>
                           </a:rPr>
-                          <m:t>−1</m:t>
+                          <m:t>−</m:t>
+                        </m:r>
+                        <m:r>
+                          <a:rPr lang="de-DE" b="0" i="1" smtClean="0">
+                            <a:latin typeface="Cambria Math" panose="02040503050406030204" pitchFamily="18" charset="0"/>
+                          </a:rPr>
+                          <m:t>1</m:t>
                         </m:r>
                       </m:sub>
                     </m:sSub>
@@ -11708,7 +13007,7 @@
           <a:p>
             <a:fld id="{06779667-B4A8-4B7E-9ECB-6AC6BAAAF423}" type="datetime1">
               <a:rPr lang="de-DE" smtClean="0"/>
-              <a:t>15.02.2015</a:t>
+              <a:t>16.02.2015</a:t>
             </a:fld>
             <a:endParaRPr lang="de-DE" dirty="0"/>
           </a:p>
@@ -11894,7 +13193,7 @@
           <a:p>
             <a:fld id="{06779667-B4A8-4B7E-9ECB-6AC6BAAAF423}" type="datetime1">
               <a:rPr lang="de-DE" smtClean="0"/>
-              <a:t>15.02.2015</a:t>
+              <a:t>16.02.2015</a:t>
             </a:fld>
             <a:endParaRPr lang="de-DE" dirty="0"/>
           </a:p>
@@ -12113,7 +13412,7 @@
           <a:p>
             <a:fld id="{06779667-B4A8-4B7E-9ECB-6AC6BAAAF423}" type="datetime1">
               <a:rPr lang="de-DE" smtClean="0"/>
-              <a:t>15.02.2015</a:t>
+              <a:t>16.02.2015</a:t>
             </a:fld>
             <a:endParaRPr lang="de-DE" dirty="0"/>
           </a:p>
@@ -12270,7 +13569,7 @@
           <a:p>
             <a:fld id="{06779667-B4A8-4B7E-9ECB-6AC6BAAAF423}" type="datetime1">
               <a:rPr lang="de-DE" smtClean="0"/>
-              <a:t>15.02.2015</a:t>
+              <a:t>16.02.2015</a:t>
             </a:fld>
             <a:endParaRPr lang="de-DE" dirty="0"/>
           </a:p>
@@ -12408,7 +13707,7 @@
           <a:p>
             <a:fld id="{06779667-B4A8-4B7E-9ECB-6AC6BAAAF423}" type="datetime1">
               <a:rPr lang="de-DE" smtClean="0"/>
-              <a:t>15.02.2015</a:t>
+              <a:t>16.02.2015</a:t>
             </a:fld>
             <a:endParaRPr lang="de-DE" dirty="0"/>
           </a:p>
@@ -12624,7 +13923,7 @@
           <a:p>
             <a:fld id="{06779667-B4A8-4B7E-9ECB-6AC6BAAAF423}" type="datetime1">
               <a:rPr lang="de-DE" smtClean="0"/>
-              <a:t>15.02.2015</a:t>
+              <a:t>16.02.2015</a:t>
             </a:fld>
             <a:endParaRPr lang="de-DE" dirty="0"/>
           </a:p>
@@ -12817,7 +14116,7 @@
           <a:p>
             <a:fld id="{06779667-B4A8-4B7E-9ECB-6AC6BAAAF423}" type="datetime1">
               <a:rPr lang="de-DE" smtClean="0"/>
-              <a:t>15.02.2015</a:t>
+              <a:t>16.02.2015</a:t>
             </a:fld>
             <a:endParaRPr lang="de-DE" dirty="0"/>
           </a:p>
@@ -12973,7 +14272,7 @@
           <a:p>
             <a:fld id="{06779667-B4A8-4B7E-9ECB-6AC6BAAAF423}" type="datetime1">
               <a:rPr lang="de-DE" smtClean="0"/>
-              <a:t>15.02.2015</a:t>
+              <a:t>16.02.2015</a:t>
             </a:fld>
             <a:endParaRPr lang="de-DE" dirty="0"/>
           </a:p>
@@ -13264,7 +14563,7 @@
           <a:p>
             <a:fld id="{06779667-B4A8-4B7E-9ECB-6AC6BAAAF423}" type="datetime1">
               <a:rPr lang="de-DE" smtClean="0"/>
-              <a:t>15.02.2015</a:t>
+              <a:t>16.02.2015</a:t>
             </a:fld>
             <a:endParaRPr lang="de-DE" dirty="0"/>
           </a:p>
@@ -13446,6 +14745,5596 @@
 </p:sld>
 </file>
 
+<file path=ppt/slides/slide33.xml><?xml version="1.0" encoding="utf-8"?>
+<p:sld xmlns:a="http://schemas.openxmlformats.org/drawingml/2006/main" xmlns:r="http://schemas.openxmlformats.org/officeDocument/2006/relationships" xmlns:p="http://schemas.openxmlformats.org/presentationml/2006/main">
+  <p:cSld>
+    <p:spTree>
+      <p:nvGrpSpPr>
+        <p:cNvPr id="1" name=""/>
+        <p:cNvGrpSpPr/>
+        <p:nvPr/>
+      </p:nvGrpSpPr>
+      <p:grpSpPr>
+        <a:xfrm>
+          <a:off x="0" y="0"/>
+          <a:ext cx="0" cy="0"/>
+          <a:chOff x="0" y="0"/>
+          <a:chExt cx="0" cy="0"/>
+        </a:xfrm>
+      </p:grpSpPr>
+      <p:sp>
+        <p:nvSpPr>
+          <p:cNvPr id="2" name="Titel 1"/>
+          <p:cNvSpPr>
+            <a:spLocks noGrp="1"/>
+          </p:cNvSpPr>
+          <p:nvPr>
+            <p:ph type="title"/>
+          </p:nvPr>
+        </p:nvSpPr>
+        <p:spPr>
+          <a:xfrm>
+            <a:off x="466725" y="334800"/>
+            <a:ext cx="8208000" cy="738664"/>
+          </a:xfrm>
+        </p:spPr>
+        <p:txBody>
+          <a:bodyPr/>
+          <a:lstStyle/>
+          <a:p>
+            <a:r>
+              <a:rPr lang="de-DE" dirty="0" smtClean="0"/>
+              <a:t>Zusatzfolie</a:t>
+            </a:r>
+            <a:br>
+              <a:rPr lang="de-DE" dirty="0" smtClean="0"/>
+            </a:br>
+            <a:r>
+              <a:rPr lang="de-DE" dirty="0" smtClean="0">
+                <a:solidFill>
+                  <a:schemeClr val="tx2"/>
+                </a:solidFill>
+              </a:rPr>
+              <a:t>Koordinatentransformation</a:t>
+            </a:r>
+            <a:endParaRPr lang="de-DE" dirty="0">
+              <a:solidFill>
+                <a:schemeClr val="tx2"/>
+              </a:solidFill>
+            </a:endParaRPr>
+          </a:p>
+        </p:txBody>
+      </p:sp>
+      <p:sp>
+        <p:nvSpPr>
+          <p:cNvPr id="4" name="Datumsplatzhalter 3"/>
+          <p:cNvSpPr>
+            <a:spLocks noGrp="1"/>
+          </p:cNvSpPr>
+          <p:nvPr>
+            <p:ph type="dt" sz="half" idx="2"/>
+          </p:nvPr>
+        </p:nvSpPr>
+        <p:spPr/>
+        <p:txBody>
+          <a:bodyPr/>
+          <a:lstStyle/>
+          <a:p>
+            <a:fld id="{06779667-B4A8-4B7E-9ECB-6AC6BAAAF423}" type="datetime1">
+              <a:rPr lang="de-DE" smtClean="0"/>
+              <a:t>16.02.2015</a:t>
+            </a:fld>
+            <a:endParaRPr lang="de-DE" dirty="0"/>
+          </a:p>
+        </p:txBody>
+      </p:sp>
+      <p:sp>
+        <p:nvSpPr>
+          <p:cNvPr id="5" name="Foliennummernplatzhalter 4"/>
+          <p:cNvSpPr>
+            <a:spLocks noGrp="1"/>
+          </p:cNvSpPr>
+          <p:nvPr>
+            <p:ph type="sldNum" sz="quarter" idx="4"/>
+          </p:nvPr>
+        </p:nvSpPr>
+        <p:spPr/>
+        <p:txBody>
+          <a:bodyPr/>
+          <a:lstStyle/>
+          <a:p>
+            <a:fld id="{33C21464-E29C-4E31-8D40-E8CC0C45CD35}" type="slidenum">
+              <a:rPr lang="de-DE" smtClean="0"/>
+              <a:pPr/>
+              <a:t>33</a:t>
+            </a:fld>
+            <a:endParaRPr lang="de-DE" dirty="0"/>
+          </a:p>
+        </p:txBody>
+      </p:sp>
+      <p:pic>
+        <p:nvPicPr>
+          <p:cNvPr id="6" name="Grafik 5"/>
+          <p:cNvPicPr>
+            <a:picLocks noChangeAspect="1"/>
+          </p:cNvPicPr>
+          <p:nvPr/>
+        </p:nvPicPr>
+        <p:blipFill>
+          <a:blip r:embed="rId2"/>
+          <a:stretch>
+            <a:fillRect/>
+          </a:stretch>
+        </p:blipFill>
+        <p:spPr>
+          <a:xfrm>
+            <a:off x="483496" y="2076773"/>
+            <a:ext cx="3518592" cy="3038431"/>
+          </a:xfrm>
+          <a:prstGeom prst="rect">
+            <a:avLst/>
+          </a:prstGeom>
+        </p:spPr>
+      </p:pic>
+      <p:sp>
+        <p:nvSpPr>
+          <p:cNvPr id="7" name="Textfeld 6"/>
+          <p:cNvSpPr txBox="1"/>
+          <p:nvPr/>
+        </p:nvSpPr>
+        <p:spPr>
+          <a:xfrm>
+            <a:off x="428797" y="1707441"/>
+            <a:ext cx="3202613" cy="369332"/>
+          </a:xfrm>
+          <a:prstGeom prst="rect">
+            <a:avLst/>
+          </a:prstGeom>
+          <a:noFill/>
+        </p:spPr>
+        <p:txBody>
+          <a:bodyPr wrap="square" rtlCol="0">
+            <a:spAutoFit/>
+          </a:bodyPr>
+          <a:lstStyle/>
+          <a:p>
+            <a:r>
+              <a:rPr lang="de-DE" dirty="0"/>
+              <a:t>z</a:t>
+            </a:r>
+            <a:r>
+              <a:rPr lang="de-DE" dirty="0" smtClean="0"/>
+              <a:t>y‘x‘‘-Konvention</a:t>
+            </a:r>
+            <a:endParaRPr lang="de-DE" dirty="0"/>
+          </a:p>
+        </p:txBody>
+      </p:sp>
+      <mc:AlternateContent xmlns:mc="http://schemas.openxmlformats.org/markup-compatibility/2006">
+        <mc:Choice xmlns:a14="http://schemas.microsoft.com/office/drawing/2010/main" Requires="a14">
+          <p:sp>
+            <p:nvSpPr>
+              <p:cNvPr id="3" name="Inhaltsplatzhalter 2"/>
+              <p:cNvSpPr>
+                <a:spLocks noGrp="1"/>
+              </p:cNvSpPr>
+              <p:nvPr>
+                <p:ph idx="1"/>
+              </p:nvPr>
+            </p:nvSpPr>
+            <p:spPr>
+              <a:xfrm>
+                <a:off x="3631410" y="4540448"/>
+                <a:ext cx="4462764" cy="3456484"/>
+              </a:xfrm>
+            </p:spPr>
+            <p:txBody>
+              <a:bodyPr/>
+              <a:lstStyle/>
+              <a:p>
+                <a:r>
+                  <a:rPr lang="de-DE" dirty="0" smtClean="0"/>
+                  <a:t>Transformationsmatrix</a:t>
+                </a:r>
+              </a:p>
+              <a:p>
+                <a14:m>
+                  <m:oMathPara xmlns:m="http://schemas.openxmlformats.org/officeDocument/2006/math">
+                    <m:oMathParaPr>
+                      <m:jc m:val="centerGroup"/>
+                    </m:oMathParaPr>
+                    <m:oMath xmlns:m="http://schemas.openxmlformats.org/officeDocument/2006/math">
+                      <m:r>
+                        <a:rPr lang="de-DE" b="0" i="1" smtClean="0">
+                          <a:latin typeface="Cambria Math" panose="02040503050406030204" pitchFamily="18" charset="0"/>
+                        </a:rPr>
+                        <m:t>𝑀</m:t>
+                      </m:r>
+                      <m:r>
+                        <a:rPr lang="de-DE" b="0" i="1" smtClean="0">
+                          <a:latin typeface="Cambria Math" panose="02040503050406030204" pitchFamily="18" charset="0"/>
+                        </a:rPr>
+                        <m:t>=</m:t>
+                      </m:r>
+                      <m:sSub>
+                        <m:sSubPr>
+                          <m:ctrlPr>
+                            <a:rPr lang="de-DE" b="0" i="1" smtClean="0">
+                              <a:latin typeface="Cambria Math" panose="02040503050406030204" pitchFamily="18" charset="0"/>
+                            </a:rPr>
+                          </m:ctrlPr>
+                        </m:sSubPr>
+                        <m:e>
+                          <m:r>
+                            <a:rPr lang="de-DE" b="0" i="1" smtClean="0">
+                              <a:latin typeface="Cambria Math" panose="02040503050406030204" pitchFamily="18" charset="0"/>
+                            </a:rPr>
+                            <m:t>𝑀</m:t>
+                          </m:r>
+                        </m:e>
+                        <m:sub>
+                          <m:r>
+                            <a:rPr lang="de-DE" b="0" i="1" smtClean="0">
+                              <a:latin typeface="Cambria Math" panose="02040503050406030204" pitchFamily="18" charset="0"/>
+                            </a:rPr>
+                            <m:t>𝑥</m:t>
+                          </m:r>
+                        </m:sub>
+                      </m:sSub>
+                      <m:r>
+                        <a:rPr lang="de-DE" b="0" i="1" smtClean="0">
+                          <a:latin typeface="Cambria Math" panose="02040503050406030204" pitchFamily="18" charset="0"/>
+                          <a:ea typeface="Cambria Math" panose="02040503050406030204" pitchFamily="18" charset="0"/>
+                        </a:rPr>
+                        <m:t>∙</m:t>
+                      </m:r>
+                      <m:sSub>
+                        <m:sSubPr>
+                          <m:ctrlPr>
+                            <a:rPr lang="de-DE" b="0" i="1" smtClean="0">
+                              <a:latin typeface="Cambria Math" panose="02040503050406030204" pitchFamily="18" charset="0"/>
+                              <a:ea typeface="Cambria Math" panose="02040503050406030204" pitchFamily="18" charset="0"/>
+                            </a:rPr>
+                          </m:ctrlPr>
+                        </m:sSubPr>
+                        <m:e>
+                          <m:r>
+                            <a:rPr lang="de-DE" b="0" i="1" smtClean="0">
+                              <a:latin typeface="Cambria Math" panose="02040503050406030204" pitchFamily="18" charset="0"/>
+                              <a:ea typeface="Cambria Math" panose="02040503050406030204" pitchFamily="18" charset="0"/>
+                            </a:rPr>
+                            <m:t>𝑀</m:t>
+                          </m:r>
+                        </m:e>
+                        <m:sub>
+                          <m:r>
+                            <a:rPr lang="de-DE" b="0" i="1" smtClean="0">
+                              <a:latin typeface="Cambria Math" panose="02040503050406030204" pitchFamily="18" charset="0"/>
+                              <a:ea typeface="Cambria Math" panose="02040503050406030204" pitchFamily="18" charset="0"/>
+                            </a:rPr>
+                            <m:t>𝑦</m:t>
+                          </m:r>
+                        </m:sub>
+                      </m:sSub>
+                      <m:r>
+                        <a:rPr lang="de-DE" b="0" i="1" smtClean="0">
+                          <a:latin typeface="Cambria Math" panose="02040503050406030204" pitchFamily="18" charset="0"/>
+                          <a:ea typeface="Cambria Math" panose="02040503050406030204" pitchFamily="18" charset="0"/>
+                        </a:rPr>
+                        <m:t>∙</m:t>
+                      </m:r>
+                      <m:sSub>
+                        <m:sSubPr>
+                          <m:ctrlPr>
+                            <a:rPr lang="de-DE" b="0" i="1" smtClean="0">
+                              <a:latin typeface="Cambria Math" panose="02040503050406030204" pitchFamily="18" charset="0"/>
+                              <a:ea typeface="Cambria Math" panose="02040503050406030204" pitchFamily="18" charset="0"/>
+                            </a:rPr>
+                          </m:ctrlPr>
+                        </m:sSubPr>
+                        <m:e>
+                          <m:r>
+                            <a:rPr lang="de-DE" b="0" i="1" smtClean="0">
+                              <a:latin typeface="Cambria Math" panose="02040503050406030204" pitchFamily="18" charset="0"/>
+                              <a:ea typeface="Cambria Math" panose="02040503050406030204" pitchFamily="18" charset="0"/>
+                            </a:rPr>
+                            <m:t>𝑀</m:t>
+                          </m:r>
+                        </m:e>
+                        <m:sub>
+                          <m:r>
+                            <a:rPr lang="de-DE" b="0" i="1" smtClean="0">
+                              <a:latin typeface="Cambria Math" panose="02040503050406030204" pitchFamily="18" charset="0"/>
+                              <a:ea typeface="Cambria Math" panose="02040503050406030204" pitchFamily="18" charset="0"/>
+                            </a:rPr>
+                            <m:t>𝑧</m:t>
+                          </m:r>
+                        </m:sub>
+                      </m:sSub>
+                      <m:r>
+                        <a:rPr lang="de-DE" b="0" i="1" smtClean="0">
+                          <a:latin typeface="Cambria Math" panose="02040503050406030204" pitchFamily="18" charset="0"/>
+                          <a:ea typeface="Cambria Math" panose="02040503050406030204" pitchFamily="18" charset="0"/>
+                        </a:rPr>
+                        <m:t> </m:t>
+                      </m:r>
+                    </m:oMath>
+                    <m:oMath xmlns:m="http://schemas.openxmlformats.org/officeDocument/2006/math">
+                      <m:r>
+                        <a:rPr lang="de-DE" b="0" i="0" smtClean="0">
+                          <a:latin typeface="Cambria Math" panose="02040503050406030204" pitchFamily="18" charset="0"/>
+                          <a:ea typeface="Cambria Math" panose="02040503050406030204" pitchFamily="18" charset="0"/>
+                        </a:rPr>
+                        <m:t>=</m:t>
+                      </m:r>
+                      <m:d>
+                        <m:dPr>
+                          <m:begChr m:val="["/>
+                          <m:endChr m:val="]"/>
+                          <m:ctrlPr>
+                            <a:rPr lang="de-DE" b="0" i="1" smtClean="0">
+                              <a:latin typeface="Cambria Math" panose="02040503050406030204" pitchFamily="18" charset="0"/>
+                              <a:ea typeface="Cambria Math" panose="02040503050406030204" pitchFamily="18" charset="0"/>
+                            </a:rPr>
+                          </m:ctrlPr>
+                        </m:dPr>
+                        <m:e>
+                          <m:m>
+                            <m:mPr>
+                              <m:mcs>
+                                <m:mc>
+                                  <m:mcPr>
+                                    <m:count m:val="3"/>
+                                    <m:mcJc m:val="center"/>
+                                  </m:mcPr>
+                                </m:mc>
+                              </m:mcs>
+                              <m:ctrlPr>
+                                <a:rPr lang="de-DE" b="0" i="1" smtClean="0">
+                                  <a:latin typeface="Cambria Math" panose="02040503050406030204" pitchFamily="18" charset="0"/>
+                                  <a:ea typeface="Cambria Math" panose="02040503050406030204" pitchFamily="18" charset="0"/>
+                                </a:rPr>
+                              </m:ctrlPr>
+                            </m:mPr>
+                            <m:mr>
+                              <m:e>
+                                <m:r>
+                                  <m:rPr>
+                                    <m:brk m:alnAt="7"/>
+                                  </m:rPr>
+                                  <a:rPr lang="de-DE" b="0" i="1" smtClean="0">
+                                    <a:latin typeface="Cambria Math" panose="02040503050406030204" pitchFamily="18" charset="0"/>
+                                    <a:ea typeface="Cambria Math" panose="02040503050406030204" pitchFamily="18" charset="0"/>
+                                  </a:rPr>
+                                  <m:t>𝑐</m:t>
+                                </m:r>
+                                <m:r>
+                                  <a:rPr lang="de-DE" b="0" i="1" smtClean="0">
+                                    <a:latin typeface="Cambria Math" panose="02040503050406030204" pitchFamily="18" charset="0"/>
+                                    <a:ea typeface="Cambria Math" panose="02040503050406030204" pitchFamily="18" charset="0"/>
+                                  </a:rPr>
+                                  <m:t>𝜃</m:t>
+                                </m:r>
+                                <m:r>
+                                  <a:rPr lang="de-DE" b="0" i="1" smtClean="0">
+                                    <a:latin typeface="Cambria Math" panose="02040503050406030204" pitchFamily="18" charset="0"/>
+                                    <a:ea typeface="Cambria Math" panose="02040503050406030204" pitchFamily="18" charset="0"/>
+                                  </a:rPr>
+                                  <m:t> </m:t>
+                                </m:r>
+                                <m:r>
+                                  <a:rPr lang="de-DE" b="0" i="1" smtClean="0">
+                                    <a:latin typeface="Cambria Math" panose="02040503050406030204" pitchFamily="18" charset="0"/>
+                                    <a:ea typeface="Cambria Math" panose="02040503050406030204" pitchFamily="18" charset="0"/>
+                                  </a:rPr>
+                                  <m:t>𝑐</m:t>
+                                </m:r>
+                                <m:r>
+                                  <a:rPr lang="de-DE" b="0" i="1" smtClean="0">
+                                    <a:latin typeface="Cambria Math" panose="02040503050406030204" pitchFamily="18" charset="0"/>
+                                    <a:ea typeface="Cambria Math" panose="02040503050406030204" pitchFamily="18" charset="0"/>
+                                    <a:sym typeface="Symbol" panose="05050102010706020507" pitchFamily="18" charset="2"/>
+                                  </a:rPr>
+                                  <m:t></m:t>
+                                </m:r>
+                              </m:e>
+                              <m:e>
+                                <m:r>
+                                  <a:rPr lang="de-DE" b="0" i="1" smtClean="0">
+                                    <a:latin typeface="Cambria Math" panose="02040503050406030204" pitchFamily="18" charset="0"/>
+                                    <a:ea typeface="Cambria Math" panose="02040503050406030204" pitchFamily="18" charset="0"/>
+                                  </a:rPr>
+                                  <m:t>𝑐</m:t>
+                                </m:r>
+                                <m:r>
+                                  <a:rPr lang="de-DE" b="0" i="1" smtClean="0">
+                                    <a:latin typeface="Cambria Math" panose="02040503050406030204" pitchFamily="18" charset="0"/>
+                                    <a:ea typeface="Cambria Math" panose="02040503050406030204" pitchFamily="18" charset="0"/>
+                                  </a:rPr>
+                                  <m:t>𝜃</m:t>
+                                </m:r>
+                                <m:r>
+                                  <a:rPr lang="de-DE" b="0" i="1" smtClean="0">
+                                    <a:latin typeface="Cambria Math" panose="02040503050406030204" pitchFamily="18" charset="0"/>
+                                    <a:ea typeface="Cambria Math" panose="02040503050406030204" pitchFamily="18" charset="0"/>
+                                  </a:rPr>
+                                  <m:t> </m:t>
+                                </m:r>
+                                <m:r>
+                                  <a:rPr lang="de-DE" b="0" i="1" smtClean="0">
+                                    <a:latin typeface="Cambria Math" panose="02040503050406030204" pitchFamily="18" charset="0"/>
+                                    <a:ea typeface="Cambria Math" panose="02040503050406030204" pitchFamily="18" charset="0"/>
+                                  </a:rPr>
+                                  <m:t>𝑠</m:t>
+                                </m:r>
+                                <m:r>
+                                  <m:rPr>
+                                    <m:brk m:alnAt="7"/>
+                                  </m:rPr>
+                                  <a:rPr lang="de-DE" i="1">
+                                    <a:latin typeface="Cambria Math" panose="02040503050406030204" pitchFamily="18" charset="0"/>
+                                    <a:ea typeface="Cambria Math" panose="02040503050406030204" pitchFamily="18" charset="0"/>
+                                    <a:sym typeface="Symbol" panose="05050102010706020507" pitchFamily="18" charset="2"/>
+                                  </a:rPr>
+                                  <m:t></m:t>
+                                </m:r>
+                              </m:e>
+                              <m:e>
+                                <m:r>
+                                  <a:rPr lang="de-DE" b="0" i="1" smtClean="0">
+                                    <a:latin typeface="Cambria Math" panose="02040503050406030204" pitchFamily="18" charset="0"/>
+                                    <a:ea typeface="Cambria Math" panose="02040503050406030204" pitchFamily="18" charset="0"/>
+                                  </a:rPr>
+                                  <m:t>−</m:t>
+                                </m:r>
+                                <m:r>
+                                  <a:rPr lang="de-DE" b="0" i="1" smtClean="0">
+                                    <a:latin typeface="Cambria Math" panose="02040503050406030204" pitchFamily="18" charset="0"/>
+                                    <a:ea typeface="Cambria Math" panose="02040503050406030204" pitchFamily="18" charset="0"/>
+                                  </a:rPr>
+                                  <m:t>𝑠</m:t>
+                                </m:r>
+                                <m:r>
+                                  <a:rPr lang="de-DE" b="0" i="1" smtClean="0">
+                                    <a:latin typeface="Cambria Math" panose="02040503050406030204" pitchFamily="18" charset="0"/>
+                                    <a:ea typeface="Cambria Math" panose="02040503050406030204" pitchFamily="18" charset="0"/>
+                                  </a:rPr>
+                                  <m:t>𝜃</m:t>
+                                </m:r>
+                              </m:e>
+                            </m:mr>
+                            <m:mr>
+                              <m:e>
+                                <m:r>
+                                  <a:rPr lang="de-DE" b="0" i="1" smtClean="0">
+                                    <a:latin typeface="Cambria Math" panose="02040503050406030204" pitchFamily="18" charset="0"/>
+                                    <a:ea typeface="Cambria Math" panose="02040503050406030204" pitchFamily="18" charset="0"/>
+                                  </a:rPr>
+                                  <m:t>𝑠</m:t>
+                                </m:r>
+                                <m:r>
+                                  <a:rPr lang="de-DE" b="0" i="1" smtClean="0">
+                                    <a:latin typeface="Cambria Math" panose="02040503050406030204" pitchFamily="18" charset="0"/>
+                                    <a:ea typeface="Cambria Math" panose="02040503050406030204" pitchFamily="18" charset="0"/>
+                                  </a:rPr>
+                                  <m:t>𝜑</m:t>
+                                </m:r>
+                                <m:r>
+                                  <a:rPr lang="de-DE" b="0" i="1" smtClean="0">
+                                    <a:latin typeface="Cambria Math" panose="02040503050406030204" pitchFamily="18" charset="0"/>
+                                    <a:ea typeface="Cambria Math" panose="02040503050406030204" pitchFamily="18" charset="0"/>
+                                  </a:rPr>
+                                  <m:t> </m:t>
+                                </m:r>
+                                <m:r>
+                                  <a:rPr lang="de-DE" b="0" i="1" smtClean="0">
+                                    <a:latin typeface="Cambria Math" panose="02040503050406030204" pitchFamily="18" charset="0"/>
+                                    <a:ea typeface="Cambria Math" panose="02040503050406030204" pitchFamily="18" charset="0"/>
+                                  </a:rPr>
+                                  <m:t>𝑠</m:t>
+                                </m:r>
+                                <m:r>
+                                  <a:rPr lang="de-DE" b="0" i="1" smtClean="0">
+                                    <a:latin typeface="Cambria Math" panose="02040503050406030204" pitchFamily="18" charset="0"/>
+                                    <a:ea typeface="Cambria Math" panose="02040503050406030204" pitchFamily="18" charset="0"/>
+                                  </a:rPr>
+                                  <m:t>𝜃</m:t>
+                                </m:r>
+                                <m:r>
+                                  <a:rPr lang="de-DE" b="0" i="1" smtClean="0">
+                                    <a:latin typeface="Cambria Math" panose="02040503050406030204" pitchFamily="18" charset="0"/>
+                                    <a:ea typeface="Cambria Math" panose="02040503050406030204" pitchFamily="18" charset="0"/>
+                                  </a:rPr>
+                                  <m:t> </m:t>
+                                </m:r>
+                                <m:r>
+                                  <a:rPr lang="de-DE" b="0" i="1" smtClean="0">
+                                    <a:latin typeface="Cambria Math" panose="02040503050406030204" pitchFamily="18" charset="0"/>
+                                    <a:ea typeface="Cambria Math" panose="02040503050406030204" pitchFamily="18" charset="0"/>
+                                  </a:rPr>
+                                  <m:t>𝑐</m:t>
+                                </m:r>
+                                <m:r>
+                                  <m:rPr>
+                                    <m:brk m:alnAt="7"/>
+                                  </m:rPr>
+                                  <a:rPr lang="de-DE" i="1">
+                                    <a:latin typeface="Cambria Math" panose="02040503050406030204" pitchFamily="18" charset="0"/>
+                                    <a:ea typeface="Cambria Math" panose="02040503050406030204" pitchFamily="18" charset="0"/>
+                                    <a:sym typeface="Symbol" panose="05050102010706020507" pitchFamily="18" charset="2"/>
+                                  </a:rPr>
+                                  <m:t></m:t>
+                                </m:r>
+                                <m:r>
+                                  <a:rPr lang="de-DE" b="0" i="1" smtClean="0">
+                                    <a:latin typeface="Cambria Math" panose="02040503050406030204" pitchFamily="18" charset="0"/>
+                                    <a:ea typeface="Cambria Math" panose="02040503050406030204" pitchFamily="18" charset="0"/>
+                                    <a:sym typeface="Symbol" panose="05050102010706020507" pitchFamily="18" charset="2"/>
+                                  </a:rPr>
+                                  <m:t>−</m:t>
+                                </m:r>
+                                <m:r>
+                                  <a:rPr lang="de-DE" b="0" i="1" smtClean="0">
+                                    <a:latin typeface="Cambria Math" panose="02040503050406030204" pitchFamily="18" charset="0"/>
+                                    <a:ea typeface="Cambria Math" panose="02040503050406030204" pitchFamily="18" charset="0"/>
+                                    <a:sym typeface="Symbol" panose="05050102010706020507" pitchFamily="18" charset="2"/>
+                                  </a:rPr>
+                                  <m:t>𝑐</m:t>
+                                </m:r>
+                                <m:r>
+                                  <a:rPr lang="de-DE" b="0" i="1" smtClean="0">
+                                    <a:latin typeface="Cambria Math" panose="02040503050406030204" pitchFamily="18" charset="0"/>
+                                    <a:ea typeface="Cambria Math" panose="02040503050406030204" pitchFamily="18" charset="0"/>
+                                    <a:sym typeface="Symbol" panose="05050102010706020507" pitchFamily="18" charset="2"/>
+                                  </a:rPr>
+                                  <m:t>𝜑</m:t>
+                                </m:r>
+                                <m:r>
+                                  <a:rPr lang="de-DE" b="0" i="1" smtClean="0">
+                                    <a:latin typeface="Cambria Math" panose="02040503050406030204" pitchFamily="18" charset="0"/>
+                                    <a:ea typeface="Cambria Math" panose="02040503050406030204" pitchFamily="18" charset="0"/>
+                                    <a:sym typeface="Symbol" panose="05050102010706020507" pitchFamily="18" charset="2"/>
+                                  </a:rPr>
+                                  <m:t> </m:t>
+                                </m:r>
+                                <m:r>
+                                  <a:rPr lang="de-DE" b="0" i="1" smtClean="0">
+                                    <a:latin typeface="Cambria Math" panose="02040503050406030204" pitchFamily="18" charset="0"/>
+                                    <a:ea typeface="Cambria Math" panose="02040503050406030204" pitchFamily="18" charset="0"/>
+                                    <a:sym typeface="Symbol" panose="05050102010706020507" pitchFamily="18" charset="2"/>
+                                  </a:rPr>
+                                  <m:t>𝑠</m:t>
+                                </m:r>
+                                <m:r>
+                                  <a:rPr lang="de-DE" i="1">
+                                    <a:latin typeface="Cambria Math" panose="02040503050406030204" pitchFamily="18" charset="0"/>
+                                    <a:ea typeface="Cambria Math" panose="02040503050406030204" pitchFamily="18" charset="0"/>
+                                    <a:sym typeface="Symbol" panose="05050102010706020507" pitchFamily="18" charset="2"/>
+                                  </a:rPr>
+                                  <m:t></m:t>
+                                </m:r>
+                              </m:e>
+                              <m:e>
+                                <m:r>
+                                  <a:rPr lang="de-DE" b="0" i="1" smtClean="0">
+                                    <a:latin typeface="Cambria Math" panose="02040503050406030204" pitchFamily="18" charset="0"/>
+                                    <a:ea typeface="Cambria Math" panose="02040503050406030204" pitchFamily="18" charset="0"/>
+                                  </a:rPr>
+                                  <m:t>𝑠</m:t>
+                                </m:r>
+                                <m:r>
+                                  <a:rPr lang="de-DE" b="0" i="1" smtClean="0">
+                                    <a:latin typeface="Cambria Math" panose="02040503050406030204" pitchFamily="18" charset="0"/>
+                                    <a:ea typeface="Cambria Math" panose="02040503050406030204" pitchFamily="18" charset="0"/>
+                                  </a:rPr>
+                                  <m:t>𝜑</m:t>
+                                </m:r>
+                                <m:r>
+                                  <a:rPr lang="de-DE" b="0" i="1" smtClean="0">
+                                    <a:latin typeface="Cambria Math" panose="02040503050406030204" pitchFamily="18" charset="0"/>
+                                    <a:ea typeface="Cambria Math" panose="02040503050406030204" pitchFamily="18" charset="0"/>
+                                  </a:rPr>
+                                  <m:t> </m:t>
+                                </m:r>
+                                <m:r>
+                                  <a:rPr lang="de-DE" b="0" i="1" smtClean="0">
+                                    <a:latin typeface="Cambria Math" panose="02040503050406030204" pitchFamily="18" charset="0"/>
+                                    <a:ea typeface="Cambria Math" panose="02040503050406030204" pitchFamily="18" charset="0"/>
+                                  </a:rPr>
+                                  <m:t>𝑠</m:t>
+                                </m:r>
+                                <m:r>
+                                  <a:rPr lang="de-DE" b="0" i="1" smtClean="0">
+                                    <a:latin typeface="Cambria Math" panose="02040503050406030204" pitchFamily="18" charset="0"/>
+                                    <a:ea typeface="Cambria Math" panose="02040503050406030204" pitchFamily="18" charset="0"/>
+                                  </a:rPr>
+                                  <m:t>𝜃</m:t>
+                                </m:r>
+                                <m:r>
+                                  <a:rPr lang="de-DE" b="0" i="1" smtClean="0">
+                                    <a:latin typeface="Cambria Math" panose="02040503050406030204" pitchFamily="18" charset="0"/>
+                                    <a:ea typeface="Cambria Math" panose="02040503050406030204" pitchFamily="18" charset="0"/>
+                                  </a:rPr>
+                                  <m:t> </m:t>
+                                </m:r>
+                                <m:r>
+                                  <a:rPr lang="de-DE" b="0" i="1" smtClean="0">
+                                    <a:latin typeface="Cambria Math" panose="02040503050406030204" pitchFamily="18" charset="0"/>
+                                    <a:ea typeface="Cambria Math" panose="02040503050406030204" pitchFamily="18" charset="0"/>
+                                  </a:rPr>
+                                  <m:t>𝑠</m:t>
+                                </m:r>
+                                <m:r>
+                                  <m:rPr>
+                                    <m:brk m:alnAt="7"/>
+                                  </m:rPr>
+                                  <a:rPr lang="de-DE" i="1">
+                                    <a:latin typeface="Cambria Math" panose="02040503050406030204" pitchFamily="18" charset="0"/>
+                                    <a:ea typeface="Cambria Math" panose="02040503050406030204" pitchFamily="18" charset="0"/>
+                                    <a:sym typeface="Symbol" panose="05050102010706020507" pitchFamily="18" charset="2"/>
+                                  </a:rPr>
+                                  <m:t></m:t>
+                                </m:r>
+                                <m:r>
+                                  <a:rPr lang="de-DE" b="0" i="1" smtClean="0">
+                                    <a:latin typeface="Cambria Math" panose="02040503050406030204" pitchFamily="18" charset="0"/>
+                                    <a:ea typeface="Cambria Math" panose="02040503050406030204" pitchFamily="18" charset="0"/>
+                                    <a:sym typeface="Symbol" panose="05050102010706020507" pitchFamily="18" charset="2"/>
+                                  </a:rPr>
+                                  <m:t>+</m:t>
+                                </m:r>
+                                <m:r>
+                                  <a:rPr lang="de-DE" b="0" i="1" smtClean="0">
+                                    <a:latin typeface="Cambria Math" panose="02040503050406030204" pitchFamily="18" charset="0"/>
+                                    <a:ea typeface="Cambria Math" panose="02040503050406030204" pitchFamily="18" charset="0"/>
+                                    <a:sym typeface="Symbol" panose="05050102010706020507" pitchFamily="18" charset="2"/>
+                                  </a:rPr>
+                                  <m:t>𝑐</m:t>
+                                </m:r>
+                                <m:r>
+                                  <a:rPr lang="de-DE" b="0" i="1" smtClean="0">
+                                    <a:latin typeface="Cambria Math" panose="02040503050406030204" pitchFamily="18" charset="0"/>
+                                    <a:ea typeface="Cambria Math" panose="02040503050406030204" pitchFamily="18" charset="0"/>
+                                    <a:sym typeface="Symbol" panose="05050102010706020507" pitchFamily="18" charset="2"/>
+                                  </a:rPr>
+                                  <m:t>𝜑</m:t>
+                                </m:r>
+                                <m:r>
+                                  <a:rPr lang="de-DE" b="0" i="1" smtClean="0">
+                                    <a:latin typeface="Cambria Math" panose="02040503050406030204" pitchFamily="18" charset="0"/>
+                                    <a:ea typeface="Cambria Math" panose="02040503050406030204" pitchFamily="18" charset="0"/>
+                                    <a:sym typeface="Symbol" panose="05050102010706020507" pitchFamily="18" charset="2"/>
+                                  </a:rPr>
+                                  <m:t> </m:t>
+                                </m:r>
+                                <m:r>
+                                  <a:rPr lang="de-DE" b="0" i="1" smtClean="0">
+                                    <a:latin typeface="Cambria Math" panose="02040503050406030204" pitchFamily="18" charset="0"/>
+                                    <a:ea typeface="Cambria Math" panose="02040503050406030204" pitchFamily="18" charset="0"/>
+                                    <a:sym typeface="Symbol" panose="05050102010706020507" pitchFamily="18" charset="2"/>
+                                  </a:rPr>
+                                  <m:t>𝑐</m:t>
+                                </m:r>
+                                <m:r>
+                                  <a:rPr lang="de-DE" i="1">
+                                    <a:latin typeface="Cambria Math" panose="02040503050406030204" pitchFamily="18" charset="0"/>
+                                    <a:ea typeface="Cambria Math" panose="02040503050406030204" pitchFamily="18" charset="0"/>
+                                    <a:sym typeface="Symbol" panose="05050102010706020507" pitchFamily="18" charset="2"/>
+                                  </a:rPr>
+                                  <m:t></m:t>
+                                </m:r>
+                              </m:e>
+                              <m:e>
+                                <m:r>
+                                  <a:rPr lang="de-DE" b="0" i="1" smtClean="0">
+                                    <a:latin typeface="Cambria Math" panose="02040503050406030204" pitchFamily="18" charset="0"/>
+                                    <a:ea typeface="Cambria Math" panose="02040503050406030204" pitchFamily="18" charset="0"/>
+                                  </a:rPr>
+                                  <m:t>𝑠</m:t>
+                                </m:r>
+                                <m:r>
+                                  <a:rPr lang="de-DE" b="0" i="1" smtClean="0">
+                                    <a:latin typeface="Cambria Math" panose="02040503050406030204" pitchFamily="18" charset="0"/>
+                                    <a:ea typeface="Cambria Math" panose="02040503050406030204" pitchFamily="18" charset="0"/>
+                                  </a:rPr>
+                                  <m:t>𝜑</m:t>
+                                </m:r>
+                                <m:r>
+                                  <a:rPr lang="de-DE" b="0" i="1" smtClean="0">
+                                    <a:latin typeface="Cambria Math" panose="02040503050406030204" pitchFamily="18" charset="0"/>
+                                    <a:ea typeface="Cambria Math" panose="02040503050406030204" pitchFamily="18" charset="0"/>
+                                  </a:rPr>
+                                  <m:t> </m:t>
+                                </m:r>
+                                <m:r>
+                                  <a:rPr lang="de-DE" b="0" i="1" smtClean="0">
+                                    <a:latin typeface="Cambria Math" panose="02040503050406030204" pitchFamily="18" charset="0"/>
+                                    <a:ea typeface="Cambria Math" panose="02040503050406030204" pitchFamily="18" charset="0"/>
+                                  </a:rPr>
+                                  <m:t>𝑐</m:t>
+                                </m:r>
+                                <m:r>
+                                  <a:rPr lang="de-DE" b="0" i="1" smtClean="0">
+                                    <a:latin typeface="Cambria Math" panose="02040503050406030204" pitchFamily="18" charset="0"/>
+                                    <a:ea typeface="Cambria Math" panose="02040503050406030204" pitchFamily="18" charset="0"/>
+                                  </a:rPr>
+                                  <m:t>𝜃</m:t>
+                                </m:r>
+                              </m:e>
+                            </m:mr>
+                            <m:mr>
+                              <m:e>
+                                <m:r>
+                                  <a:rPr lang="de-DE" b="0" i="1" smtClean="0">
+                                    <a:latin typeface="Cambria Math" panose="02040503050406030204" pitchFamily="18" charset="0"/>
+                                    <a:ea typeface="Cambria Math" panose="02040503050406030204" pitchFamily="18" charset="0"/>
+                                  </a:rPr>
+                                  <m:t>𝑐</m:t>
+                                </m:r>
+                                <m:r>
+                                  <a:rPr lang="de-DE" b="0" i="1" smtClean="0">
+                                    <a:latin typeface="Cambria Math" panose="02040503050406030204" pitchFamily="18" charset="0"/>
+                                    <a:ea typeface="Cambria Math" panose="02040503050406030204" pitchFamily="18" charset="0"/>
+                                  </a:rPr>
+                                  <m:t>𝜑</m:t>
+                                </m:r>
+                                <m:r>
+                                  <a:rPr lang="de-DE" b="0" i="1" smtClean="0">
+                                    <a:latin typeface="Cambria Math" panose="02040503050406030204" pitchFamily="18" charset="0"/>
+                                    <a:ea typeface="Cambria Math" panose="02040503050406030204" pitchFamily="18" charset="0"/>
+                                  </a:rPr>
+                                  <m:t> </m:t>
+                                </m:r>
+                                <m:r>
+                                  <a:rPr lang="de-DE" b="0" i="1" smtClean="0">
+                                    <a:latin typeface="Cambria Math" panose="02040503050406030204" pitchFamily="18" charset="0"/>
+                                    <a:ea typeface="Cambria Math" panose="02040503050406030204" pitchFamily="18" charset="0"/>
+                                  </a:rPr>
+                                  <m:t>𝑠</m:t>
+                                </m:r>
+                                <m:r>
+                                  <a:rPr lang="de-DE" b="0" i="1" smtClean="0">
+                                    <a:latin typeface="Cambria Math" panose="02040503050406030204" pitchFamily="18" charset="0"/>
+                                    <a:ea typeface="Cambria Math" panose="02040503050406030204" pitchFamily="18" charset="0"/>
+                                  </a:rPr>
+                                  <m:t>𝜃</m:t>
+                                </m:r>
+                                <m:r>
+                                  <a:rPr lang="de-DE" b="0" i="1" smtClean="0">
+                                    <a:latin typeface="Cambria Math" panose="02040503050406030204" pitchFamily="18" charset="0"/>
+                                    <a:ea typeface="Cambria Math" panose="02040503050406030204" pitchFamily="18" charset="0"/>
+                                  </a:rPr>
+                                  <m:t> </m:t>
+                                </m:r>
+                                <m:r>
+                                  <a:rPr lang="de-DE" b="0" i="1" smtClean="0">
+                                    <a:latin typeface="Cambria Math" panose="02040503050406030204" pitchFamily="18" charset="0"/>
+                                    <a:ea typeface="Cambria Math" panose="02040503050406030204" pitchFamily="18" charset="0"/>
+                                  </a:rPr>
+                                  <m:t>𝑐</m:t>
+                                </m:r>
+                                <m:r>
+                                  <m:rPr>
+                                    <m:brk m:alnAt="7"/>
+                                  </m:rPr>
+                                  <a:rPr lang="de-DE" i="1">
+                                    <a:latin typeface="Cambria Math" panose="02040503050406030204" pitchFamily="18" charset="0"/>
+                                    <a:ea typeface="Cambria Math" panose="02040503050406030204" pitchFamily="18" charset="0"/>
+                                    <a:sym typeface="Symbol" panose="05050102010706020507" pitchFamily="18" charset="2"/>
+                                  </a:rPr>
+                                  <m:t></m:t>
+                                </m:r>
+                                <m:r>
+                                  <a:rPr lang="de-DE" b="0" i="1" smtClean="0">
+                                    <a:latin typeface="Cambria Math" panose="02040503050406030204" pitchFamily="18" charset="0"/>
+                                    <a:ea typeface="Cambria Math" panose="02040503050406030204" pitchFamily="18" charset="0"/>
+                                    <a:sym typeface="Symbol" panose="05050102010706020507" pitchFamily="18" charset="2"/>
+                                  </a:rPr>
+                                  <m:t>+</m:t>
+                                </m:r>
+                                <m:r>
+                                  <a:rPr lang="de-DE" b="0" i="1" smtClean="0">
+                                    <a:latin typeface="Cambria Math" panose="02040503050406030204" pitchFamily="18" charset="0"/>
+                                    <a:ea typeface="Cambria Math" panose="02040503050406030204" pitchFamily="18" charset="0"/>
+                                    <a:sym typeface="Symbol" panose="05050102010706020507" pitchFamily="18" charset="2"/>
+                                  </a:rPr>
+                                  <m:t>𝑠</m:t>
+                                </m:r>
+                                <m:r>
+                                  <a:rPr lang="de-DE" b="0" i="1" smtClean="0">
+                                    <a:latin typeface="Cambria Math" panose="02040503050406030204" pitchFamily="18" charset="0"/>
+                                    <a:ea typeface="Cambria Math" panose="02040503050406030204" pitchFamily="18" charset="0"/>
+                                    <a:sym typeface="Symbol" panose="05050102010706020507" pitchFamily="18" charset="2"/>
+                                  </a:rPr>
+                                  <m:t>𝜑</m:t>
+                                </m:r>
+                                <m:r>
+                                  <a:rPr lang="de-DE" b="0" i="1" smtClean="0">
+                                    <a:latin typeface="Cambria Math" panose="02040503050406030204" pitchFamily="18" charset="0"/>
+                                    <a:ea typeface="Cambria Math" panose="02040503050406030204" pitchFamily="18" charset="0"/>
+                                    <a:sym typeface="Symbol" panose="05050102010706020507" pitchFamily="18" charset="2"/>
+                                  </a:rPr>
+                                  <m:t> </m:t>
+                                </m:r>
+                                <m:r>
+                                  <a:rPr lang="de-DE" b="0" i="1" smtClean="0">
+                                    <a:latin typeface="Cambria Math" panose="02040503050406030204" pitchFamily="18" charset="0"/>
+                                    <a:ea typeface="Cambria Math" panose="02040503050406030204" pitchFamily="18" charset="0"/>
+                                    <a:sym typeface="Symbol" panose="05050102010706020507" pitchFamily="18" charset="2"/>
+                                  </a:rPr>
+                                  <m:t>𝑠</m:t>
+                                </m:r>
+                                <m:r>
+                                  <a:rPr lang="de-DE" i="1">
+                                    <a:latin typeface="Cambria Math" panose="02040503050406030204" pitchFamily="18" charset="0"/>
+                                    <a:ea typeface="Cambria Math" panose="02040503050406030204" pitchFamily="18" charset="0"/>
+                                    <a:sym typeface="Symbol" panose="05050102010706020507" pitchFamily="18" charset="2"/>
+                                  </a:rPr>
+                                  <m:t></m:t>
+                                </m:r>
+                              </m:e>
+                              <m:e>
+                                <m:r>
+                                  <a:rPr lang="de-DE" b="0" i="1" smtClean="0">
+                                    <a:latin typeface="Cambria Math" panose="02040503050406030204" pitchFamily="18" charset="0"/>
+                                    <a:ea typeface="Cambria Math" panose="02040503050406030204" pitchFamily="18" charset="0"/>
+                                  </a:rPr>
+                                  <m:t>𝑐</m:t>
+                                </m:r>
+                                <m:r>
+                                  <a:rPr lang="de-DE" b="0" i="1" smtClean="0">
+                                    <a:latin typeface="Cambria Math" panose="02040503050406030204" pitchFamily="18" charset="0"/>
+                                    <a:ea typeface="Cambria Math" panose="02040503050406030204" pitchFamily="18" charset="0"/>
+                                  </a:rPr>
+                                  <m:t>𝜑</m:t>
+                                </m:r>
+                                <m:r>
+                                  <a:rPr lang="de-DE" b="0" i="1" smtClean="0">
+                                    <a:latin typeface="Cambria Math" panose="02040503050406030204" pitchFamily="18" charset="0"/>
+                                    <a:ea typeface="Cambria Math" panose="02040503050406030204" pitchFamily="18" charset="0"/>
+                                  </a:rPr>
+                                  <m:t> </m:t>
+                                </m:r>
+                                <m:r>
+                                  <a:rPr lang="de-DE" b="0" i="1" smtClean="0">
+                                    <a:latin typeface="Cambria Math" panose="02040503050406030204" pitchFamily="18" charset="0"/>
+                                    <a:ea typeface="Cambria Math" panose="02040503050406030204" pitchFamily="18" charset="0"/>
+                                  </a:rPr>
+                                  <m:t>𝑠</m:t>
+                                </m:r>
+                                <m:r>
+                                  <a:rPr lang="de-DE" b="0" i="1" smtClean="0">
+                                    <a:latin typeface="Cambria Math" panose="02040503050406030204" pitchFamily="18" charset="0"/>
+                                    <a:ea typeface="Cambria Math" panose="02040503050406030204" pitchFamily="18" charset="0"/>
+                                  </a:rPr>
+                                  <m:t>𝜃</m:t>
+                                </m:r>
+                                <m:r>
+                                  <a:rPr lang="de-DE" b="0" i="1" smtClean="0">
+                                    <a:latin typeface="Cambria Math" panose="02040503050406030204" pitchFamily="18" charset="0"/>
+                                    <a:ea typeface="Cambria Math" panose="02040503050406030204" pitchFamily="18" charset="0"/>
+                                  </a:rPr>
+                                  <m:t> </m:t>
+                                </m:r>
+                                <m:r>
+                                  <a:rPr lang="de-DE" b="0" i="1" smtClean="0">
+                                    <a:latin typeface="Cambria Math" panose="02040503050406030204" pitchFamily="18" charset="0"/>
+                                    <a:ea typeface="Cambria Math" panose="02040503050406030204" pitchFamily="18" charset="0"/>
+                                  </a:rPr>
+                                  <m:t>𝑠</m:t>
+                                </m:r>
+                                <m:r>
+                                  <m:rPr>
+                                    <m:brk m:alnAt="7"/>
+                                  </m:rPr>
+                                  <a:rPr lang="de-DE" i="1">
+                                    <a:latin typeface="Cambria Math" panose="02040503050406030204" pitchFamily="18" charset="0"/>
+                                    <a:ea typeface="Cambria Math" panose="02040503050406030204" pitchFamily="18" charset="0"/>
+                                    <a:sym typeface="Symbol" panose="05050102010706020507" pitchFamily="18" charset="2"/>
+                                  </a:rPr>
+                                  <m:t></m:t>
+                                </m:r>
+                                <m:r>
+                                  <a:rPr lang="de-DE" b="0" i="1" smtClean="0">
+                                    <a:latin typeface="Cambria Math" panose="02040503050406030204" pitchFamily="18" charset="0"/>
+                                    <a:ea typeface="Cambria Math" panose="02040503050406030204" pitchFamily="18" charset="0"/>
+                                    <a:sym typeface="Symbol" panose="05050102010706020507" pitchFamily="18" charset="2"/>
+                                  </a:rPr>
+                                  <m:t> −</m:t>
+                                </m:r>
+                                <m:r>
+                                  <a:rPr lang="de-DE" b="0" i="1" smtClean="0">
+                                    <a:latin typeface="Cambria Math" panose="02040503050406030204" pitchFamily="18" charset="0"/>
+                                    <a:ea typeface="Cambria Math" panose="02040503050406030204" pitchFamily="18" charset="0"/>
+                                    <a:sym typeface="Symbol" panose="05050102010706020507" pitchFamily="18" charset="2"/>
+                                  </a:rPr>
+                                  <m:t>𝑠</m:t>
+                                </m:r>
+                                <m:r>
+                                  <a:rPr lang="de-DE" b="0" i="1" smtClean="0">
+                                    <a:latin typeface="Cambria Math" panose="02040503050406030204" pitchFamily="18" charset="0"/>
+                                    <a:ea typeface="Cambria Math" panose="02040503050406030204" pitchFamily="18" charset="0"/>
+                                    <a:sym typeface="Symbol" panose="05050102010706020507" pitchFamily="18" charset="2"/>
+                                  </a:rPr>
+                                  <m:t>𝜑</m:t>
+                                </m:r>
+                                <m:r>
+                                  <a:rPr lang="de-DE" b="0" i="1" smtClean="0">
+                                    <a:latin typeface="Cambria Math" panose="02040503050406030204" pitchFamily="18" charset="0"/>
+                                    <a:ea typeface="Cambria Math" panose="02040503050406030204" pitchFamily="18" charset="0"/>
+                                    <a:sym typeface="Symbol" panose="05050102010706020507" pitchFamily="18" charset="2"/>
+                                  </a:rPr>
+                                  <m:t> </m:t>
+                                </m:r>
+                                <m:r>
+                                  <a:rPr lang="de-DE" b="0" i="1" smtClean="0">
+                                    <a:latin typeface="Cambria Math" panose="02040503050406030204" pitchFamily="18" charset="0"/>
+                                    <a:ea typeface="Cambria Math" panose="02040503050406030204" pitchFamily="18" charset="0"/>
+                                    <a:sym typeface="Symbol" panose="05050102010706020507" pitchFamily="18" charset="2"/>
+                                  </a:rPr>
+                                  <m:t>𝑐</m:t>
+                                </m:r>
+                                <m:r>
+                                  <a:rPr lang="de-DE" i="1">
+                                    <a:latin typeface="Cambria Math" panose="02040503050406030204" pitchFamily="18" charset="0"/>
+                                    <a:ea typeface="Cambria Math" panose="02040503050406030204" pitchFamily="18" charset="0"/>
+                                    <a:sym typeface="Symbol" panose="05050102010706020507" pitchFamily="18" charset="2"/>
+                                  </a:rPr>
+                                  <m:t></m:t>
+                                </m:r>
+                              </m:e>
+                              <m:e>
+                                <m:r>
+                                  <a:rPr lang="de-DE" b="0" i="1" smtClean="0">
+                                    <a:latin typeface="Cambria Math" panose="02040503050406030204" pitchFamily="18" charset="0"/>
+                                    <a:ea typeface="Cambria Math" panose="02040503050406030204" pitchFamily="18" charset="0"/>
+                                  </a:rPr>
+                                  <m:t>𝑐</m:t>
+                                </m:r>
+                                <m:r>
+                                  <a:rPr lang="de-DE" b="0" i="1" smtClean="0">
+                                    <a:latin typeface="Cambria Math" panose="02040503050406030204" pitchFamily="18" charset="0"/>
+                                    <a:ea typeface="Cambria Math" panose="02040503050406030204" pitchFamily="18" charset="0"/>
+                                  </a:rPr>
+                                  <m:t>𝜑</m:t>
+                                </m:r>
+                                <m:r>
+                                  <a:rPr lang="de-DE" b="0" i="1" smtClean="0">
+                                    <a:latin typeface="Cambria Math" panose="02040503050406030204" pitchFamily="18" charset="0"/>
+                                    <a:ea typeface="Cambria Math" panose="02040503050406030204" pitchFamily="18" charset="0"/>
+                                  </a:rPr>
+                                  <m:t> </m:t>
+                                </m:r>
+                                <m:r>
+                                  <a:rPr lang="de-DE" b="0" i="1" smtClean="0">
+                                    <a:latin typeface="Cambria Math" panose="02040503050406030204" pitchFamily="18" charset="0"/>
+                                    <a:ea typeface="Cambria Math" panose="02040503050406030204" pitchFamily="18" charset="0"/>
+                                  </a:rPr>
+                                  <m:t>𝑐</m:t>
+                                </m:r>
+                                <m:r>
+                                  <a:rPr lang="de-DE" b="0" i="1" smtClean="0">
+                                    <a:latin typeface="Cambria Math" panose="02040503050406030204" pitchFamily="18" charset="0"/>
+                                    <a:ea typeface="Cambria Math" panose="02040503050406030204" pitchFamily="18" charset="0"/>
+                                  </a:rPr>
+                                  <m:t>𝜃</m:t>
+                                </m:r>
+                              </m:e>
+                            </m:mr>
+                          </m:m>
+                        </m:e>
+                      </m:d>
+                    </m:oMath>
+                  </m:oMathPara>
+                </a14:m>
+                <a:endParaRPr lang="de-DE" dirty="0"/>
+              </a:p>
+            </p:txBody>
+          </p:sp>
+        </mc:Choice>
+        <mc:Fallback>
+          <p:sp>
+            <p:nvSpPr>
+              <p:cNvPr id="3" name="Inhaltsplatzhalter 2"/>
+              <p:cNvSpPr>
+                <a:spLocks noGrp="1" noRot="1" noChangeAspect="1" noMove="1" noResize="1" noEditPoints="1" noAdjustHandles="1" noChangeArrowheads="1" noChangeShapeType="1" noTextEdit="1"/>
+              </p:cNvSpPr>
+              <p:nvPr>
+                <p:ph idx="1"/>
+              </p:nvPr>
+            </p:nvSpPr>
+            <p:spPr>
+              <a:xfrm>
+                <a:off x="3631410" y="4540448"/>
+                <a:ext cx="4462764" cy="3456484"/>
+              </a:xfrm>
+              <a:blipFill rotWithShape="0">
+                <a:blip r:embed="rId3"/>
+                <a:stretch>
+                  <a:fillRect l="-3279" t="-2293" r="-12295"/>
+                </a:stretch>
+              </a:blipFill>
+            </p:spPr>
+            <p:txBody>
+              <a:bodyPr/>
+              <a:lstStyle/>
+              <a:p>
+                <a:r>
+                  <a:rPr lang="de-DE">
+                    <a:noFill/>
+                  </a:rPr>
+                  <a:t> </a:t>
+                </a:r>
+              </a:p>
+            </p:txBody>
+          </p:sp>
+        </mc:Fallback>
+      </mc:AlternateContent>
+    </p:spTree>
+    <p:extLst>
+      <p:ext uri="{BB962C8B-B14F-4D97-AF65-F5344CB8AC3E}">
+        <p14:creationId xmlns:p14="http://schemas.microsoft.com/office/powerpoint/2010/main" val="2098148268"/>
+      </p:ext>
+    </p:extLst>
+  </p:cSld>
+  <p:clrMapOvr>
+    <a:masterClrMapping/>
+  </p:clrMapOvr>
+</p:sld>
+</file>
+
+<file path=ppt/slides/slide34.xml><?xml version="1.0" encoding="utf-8"?>
+<p:sld xmlns:a="http://schemas.openxmlformats.org/drawingml/2006/main" xmlns:r="http://schemas.openxmlformats.org/officeDocument/2006/relationships" xmlns:p="http://schemas.openxmlformats.org/presentationml/2006/main">
+  <p:cSld>
+    <p:spTree>
+      <p:nvGrpSpPr>
+        <p:cNvPr id="1" name=""/>
+        <p:cNvGrpSpPr/>
+        <p:nvPr/>
+      </p:nvGrpSpPr>
+      <p:grpSpPr>
+        <a:xfrm>
+          <a:off x="0" y="0"/>
+          <a:ext cx="0" cy="0"/>
+          <a:chOff x="0" y="0"/>
+          <a:chExt cx="0" cy="0"/>
+        </a:xfrm>
+      </p:grpSpPr>
+      <p:sp>
+        <p:nvSpPr>
+          <p:cNvPr id="2" name="Titel 1"/>
+          <p:cNvSpPr>
+            <a:spLocks noGrp="1"/>
+          </p:cNvSpPr>
+          <p:nvPr>
+            <p:ph type="title"/>
+          </p:nvPr>
+        </p:nvSpPr>
+        <p:spPr>
+          <a:xfrm>
+            <a:off x="466725" y="334800"/>
+            <a:ext cx="8208000" cy="738664"/>
+          </a:xfrm>
+        </p:spPr>
+        <p:txBody>
+          <a:bodyPr/>
+          <a:lstStyle/>
+          <a:p>
+            <a:r>
+              <a:rPr lang="de-DE" dirty="0" smtClean="0"/>
+              <a:t>Zusatzfolie</a:t>
+            </a:r>
+            <a:br>
+              <a:rPr lang="de-DE" dirty="0" smtClean="0"/>
+            </a:br>
+            <a:r>
+              <a:rPr lang="de-DE" dirty="0" err="1" smtClean="0">
+                <a:solidFill>
+                  <a:schemeClr val="tx2"/>
+                </a:solidFill>
+              </a:rPr>
+              <a:t>Scanmatching</a:t>
+            </a:r>
+            <a:endParaRPr lang="de-DE" dirty="0"/>
+          </a:p>
+        </p:txBody>
+      </p:sp>
+      <p:pic>
+        <p:nvPicPr>
+          <p:cNvPr id="6" name="Inhaltsplatzhalter 5"/>
+          <p:cNvPicPr>
+            <a:picLocks noGrp="1" noChangeAspect="1"/>
+          </p:cNvPicPr>
+          <p:nvPr>
+            <p:ph idx="1"/>
+          </p:nvPr>
+        </p:nvPicPr>
+        <p:blipFill>
+          <a:blip r:embed="rId2"/>
+          <a:stretch>
+            <a:fillRect/>
+          </a:stretch>
+        </p:blipFill>
+        <p:spPr>
+          <a:xfrm>
+            <a:off x="1690440" y="1628800"/>
+            <a:ext cx="1879533" cy="4392588"/>
+          </a:xfrm>
+          <a:prstGeom prst="rect">
+            <a:avLst/>
+          </a:prstGeom>
+        </p:spPr>
+      </p:pic>
+      <p:sp>
+        <p:nvSpPr>
+          <p:cNvPr id="4" name="Datumsplatzhalter 3"/>
+          <p:cNvSpPr>
+            <a:spLocks noGrp="1"/>
+          </p:cNvSpPr>
+          <p:nvPr>
+            <p:ph type="dt" sz="half" idx="2"/>
+          </p:nvPr>
+        </p:nvSpPr>
+        <p:spPr/>
+        <p:txBody>
+          <a:bodyPr/>
+          <a:lstStyle/>
+          <a:p>
+            <a:fld id="{06779667-B4A8-4B7E-9ECB-6AC6BAAAF423}" type="datetime1">
+              <a:rPr lang="de-DE" smtClean="0"/>
+              <a:t>16.02.2015</a:t>
+            </a:fld>
+            <a:endParaRPr lang="de-DE" dirty="0"/>
+          </a:p>
+        </p:txBody>
+      </p:sp>
+      <p:sp>
+        <p:nvSpPr>
+          <p:cNvPr id="5" name="Foliennummernplatzhalter 4"/>
+          <p:cNvSpPr>
+            <a:spLocks noGrp="1"/>
+          </p:cNvSpPr>
+          <p:nvPr>
+            <p:ph type="sldNum" sz="quarter" idx="4"/>
+          </p:nvPr>
+        </p:nvSpPr>
+        <p:spPr/>
+        <p:txBody>
+          <a:bodyPr/>
+          <a:lstStyle/>
+          <a:p>
+            <a:fld id="{33C21464-E29C-4E31-8D40-E8CC0C45CD35}" type="slidenum">
+              <a:rPr lang="de-DE" smtClean="0"/>
+              <a:pPr/>
+              <a:t>34</a:t>
+            </a:fld>
+            <a:endParaRPr lang="de-DE" dirty="0"/>
+          </a:p>
+        </p:txBody>
+      </p:sp>
+      <p:pic>
+        <p:nvPicPr>
+          <p:cNvPr id="7" name="Grafik 6"/>
+          <p:cNvPicPr>
+            <a:picLocks noChangeAspect="1"/>
+          </p:cNvPicPr>
+          <p:nvPr/>
+        </p:nvPicPr>
+        <p:blipFill>
+          <a:blip r:embed="rId3"/>
+          <a:stretch>
+            <a:fillRect/>
+          </a:stretch>
+        </p:blipFill>
+        <p:spPr>
+          <a:xfrm>
+            <a:off x="4339829" y="1001475"/>
+            <a:ext cx="4393179" cy="576027"/>
+          </a:xfrm>
+          <a:prstGeom prst="rect">
+            <a:avLst/>
+          </a:prstGeom>
+        </p:spPr>
+      </p:pic>
+      <p:pic>
+        <p:nvPicPr>
+          <p:cNvPr id="8" name="Grafik 7"/>
+          <p:cNvPicPr>
+            <a:picLocks noChangeAspect="1"/>
+          </p:cNvPicPr>
+          <p:nvPr/>
+        </p:nvPicPr>
+        <p:blipFill>
+          <a:blip r:embed="rId4"/>
+          <a:stretch>
+            <a:fillRect/>
+          </a:stretch>
+        </p:blipFill>
+        <p:spPr>
+          <a:xfrm>
+            <a:off x="3794550" y="3637645"/>
+            <a:ext cx="5367086" cy="671737"/>
+          </a:xfrm>
+          <a:prstGeom prst="rect">
+            <a:avLst/>
+          </a:prstGeom>
+        </p:spPr>
+      </p:pic>
+      <p:pic>
+        <p:nvPicPr>
+          <p:cNvPr id="9" name="Grafik 8"/>
+          <p:cNvPicPr>
+            <a:picLocks noChangeAspect="1"/>
+          </p:cNvPicPr>
+          <p:nvPr/>
+        </p:nvPicPr>
+        <p:blipFill>
+          <a:blip r:embed="rId5"/>
+          <a:stretch>
+            <a:fillRect/>
+          </a:stretch>
+        </p:blipFill>
+        <p:spPr>
+          <a:xfrm>
+            <a:off x="4339829" y="2077802"/>
+            <a:ext cx="4338099" cy="991158"/>
+          </a:xfrm>
+          <a:prstGeom prst="rect">
+            <a:avLst/>
+          </a:prstGeom>
+        </p:spPr>
+      </p:pic>
+      <p:pic>
+        <p:nvPicPr>
+          <p:cNvPr id="10" name="Grafik 9"/>
+          <p:cNvPicPr>
+            <a:picLocks noChangeAspect="1"/>
+          </p:cNvPicPr>
+          <p:nvPr/>
+        </p:nvPicPr>
+        <p:blipFill>
+          <a:blip r:embed="rId6"/>
+          <a:stretch>
+            <a:fillRect/>
+          </a:stretch>
+        </p:blipFill>
+        <p:spPr>
+          <a:xfrm>
+            <a:off x="4466457" y="2951308"/>
+            <a:ext cx="2775522" cy="549700"/>
+          </a:xfrm>
+          <a:prstGeom prst="rect">
+            <a:avLst/>
+          </a:prstGeom>
+        </p:spPr>
+      </p:pic>
+    </p:spTree>
+    <p:extLst>
+      <p:ext uri="{BB962C8B-B14F-4D97-AF65-F5344CB8AC3E}">
+        <p14:creationId xmlns:p14="http://schemas.microsoft.com/office/powerpoint/2010/main" val="3826190044"/>
+      </p:ext>
+    </p:extLst>
+  </p:cSld>
+  <p:clrMapOvr>
+    <a:masterClrMapping/>
+  </p:clrMapOvr>
+  <p:timing>
+    <p:tnLst>
+      <p:par>
+        <p:cTn id="1" dur="indefinite" restart="never" nodeType="tmRoot"/>
+      </p:par>
+    </p:tnLst>
+  </p:timing>
+</p:sld>
+</file>
+
+<file path=ppt/slides/slide35.xml><?xml version="1.0" encoding="utf-8"?>
+<p:sld xmlns:a="http://schemas.openxmlformats.org/drawingml/2006/main" xmlns:r="http://schemas.openxmlformats.org/officeDocument/2006/relationships" xmlns:p="http://schemas.openxmlformats.org/presentationml/2006/main">
+  <p:cSld>
+    <p:spTree>
+      <p:nvGrpSpPr>
+        <p:cNvPr id="1" name=""/>
+        <p:cNvGrpSpPr/>
+        <p:nvPr/>
+      </p:nvGrpSpPr>
+      <p:grpSpPr>
+        <a:xfrm>
+          <a:off x="0" y="0"/>
+          <a:ext cx="0" cy="0"/>
+          <a:chOff x="0" y="0"/>
+          <a:chExt cx="0" cy="0"/>
+        </a:xfrm>
+      </p:grpSpPr>
+      <p:sp>
+        <p:nvSpPr>
+          <p:cNvPr id="2" name="Titel 1"/>
+          <p:cNvSpPr>
+            <a:spLocks noGrp="1"/>
+          </p:cNvSpPr>
+          <p:nvPr>
+            <p:ph type="title"/>
+          </p:nvPr>
+        </p:nvSpPr>
+        <p:spPr>
+          <a:xfrm>
+            <a:off x="466725" y="334800"/>
+            <a:ext cx="8208000" cy="738664"/>
+          </a:xfrm>
+        </p:spPr>
+        <p:txBody>
+          <a:bodyPr/>
+          <a:lstStyle/>
+          <a:p>
+            <a:r>
+              <a:rPr lang="de-DE" dirty="0" smtClean="0"/>
+              <a:t>Zusatzfolie</a:t>
+            </a:r>
+            <a:br>
+              <a:rPr lang="de-DE" dirty="0" smtClean="0"/>
+            </a:br>
+            <a:r>
+              <a:rPr lang="de-DE" dirty="0" smtClean="0">
+                <a:solidFill>
+                  <a:schemeClr val="tx2"/>
+                </a:solidFill>
+              </a:rPr>
+              <a:t>Inversion</a:t>
+            </a:r>
+            <a:endParaRPr lang="de-DE" dirty="0">
+              <a:solidFill>
+                <a:schemeClr val="tx2"/>
+              </a:solidFill>
+            </a:endParaRPr>
+          </a:p>
+        </p:txBody>
+      </p:sp>
+      <p:pic>
+        <p:nvPicPr>
+          <p:cNvPr id="6" name="Inhaltsplatzhalter 5"/>
+          <p:cNvPicPr>
+            <a:picLocks noGrp="1" noChangeAspect="1"/>
+          </p:cNvPicPr>
+          <p:nvPr>
+            <p:ph idx="1"/>
+          </p:nvPr>
+        </p:nvPicPr>
+        <p:blipFill>
+          <a:blip r:embed="rId2"/>
+          <a:stretch>
+            <a:fillRect/>
+          </a:stretch>
+        </p:blipFill>
+        <p:spPr>
+          <a:xfrm>
+            <a:off x="241030" y="1962680"/>
+            <a:ext cx="3483869" cy="3937207"/>
+          </a:xfrm>
+          <a:prstGeom prst="rect">
+            <a:avLst/>
+          </a:prstGeom>
+        </p:spPr>
+      </p:pic>
+      <p:sp>
+        <p:nvSpPr>
+          <p:cNvPr id="4" name="Datumsplatzhalter 3"/>
+          <p:cNvSpPr>
+            <a:spLocks noGrp="1"/>
+          </p:cNvSpPr>
+          <p:nvPr>
+            <p:ph type="dt" sz="half" idx="2"/>
+          </p:nvPr>
+        </p:nvSpPr>
+        <p:spPr/>
+        <p:txBody>
+          <a:bodyPr/>
+          <a:lstStyle/>
+          <a:p>
+            <a:fld id="{06779667-B4A8-4B7E-9ECB-6AC6BAAAF423}" type="datetime1">
+              <a:rPr lang="de-DE" smtClean="0"/>
+              <a:t>16.02.2015</a:t>
+            </a:fld>
+            <a:endParaRPr lang="de-DE" dirty="0"/>
+          </a:p>
+        </p:txBody>
+      </p:sp>
+      <p:sp>
+        <p:nvSpPr>
+          <p:cNvPr id="5" name="Foliennummernplatzhalter 4"/>
+          <p:cNvSpPr>
+            <a:spLocks noGrp="1"/>
+          </p:cNvSpPr>
+          <p:nvPr>
+            <p:ph type="sldNum" sz="quarter" idx="4"/>
+          </p:nvPr>
+        </p:nvSpPr>
+        <p:spPr/>
+        <p:txBody>
+          <a:bodyPr/>
+          <a:lstStyle/>
+          <a:p>
+            <a:fld id="{33C21464-E29C-4E31-8D40-E8CC0C45CD35}" type="slidenum">
+              <a:rPr lang="de-DE" smtClean="0"/>
+              <a:pPr/>
+              <a:t>35</a:t>
+            </a:fld>
+            <a:endParaRPr lang="de-DE" dirty="0"/>
+          </a:p>
+        </p:txBody>
+      </p:sp>
+      <p:pic>
+        <p:nvPicPr>
+          <p:cNvPr id="9" name="Grafik 8"/>
+          <p:cNvPicPr>
+            <a:picLocks noChangeAspect="1"/>
+          </p:cNvPicPr>
+          <p:nvPr/>
+        </p:nvPicPr>
+        <p:blipFill>
+          <a:blip r:embed="rId3"/>
+          <a:stretch>
+            <a:fillRect/>
+          </a:stretch>
+        </p:blipFill>
+        <p:spPr>
+          <a:xfrm>
+            <a:off x="4956462" y="1556792"/>
+            <a:ext cx="1656206" cy="1364335"/>
+          </a:xfrm>
+          <a:prstGeom prst="rect">
+            <a:avLst/>
+          </a:prstGeom>
+        </p:spPr>
+      </p:pic>
+      <p:pic>
+        <p:nvPicPr>
+          <p:cNvPr id="10" name="Grafik 9"/>
+          <p:cNvPicPr>
+            <a:picLocks noChangeAspect="1"/>
+          </p:cNvPicPr>
+          <p:nvPr/>
+        </p:nvPicPr>
+        <p:blipFill>
+          <a:blip r:embed="rId4"/>
+          <a:stretch>
+            <a:fillRect/>
+          </a:stretch>
+        </p:blipFill>
+        <p:spPr>
+          <a:xfrm>
+            <a:off x="6993819" y="1670459"/>
+            <a:ext cx="1430302" cy="1161768"/>
+          </a:xfrm>
+          <a:prstGeom prst="rect">
+            <a:avLst/>
+          </a:prstGeom>
+        </p:spPr>
+      </p:pic>
+      <p:pic>
+        <p:nvPicPr>
+          <p:cNvPr id="11" name="Grafik 10"/>
+          <p:cNvPicPr>
+            <a:picLocks noChangeAspect="1"/>
+          </p:cNvPicPr>
+          <p:nvPr/>
+        </p:nvPicPr>
+        <p:blipFill>
+          <a:blip r:embed="rId5"/>
+          <a:stretch>
+            <a:fillRect/>
+          </a:stretch>
+        </p:blipFill>
+        <p:spPr>
+          <a:xfrm>
+            <a:off x="5205153" y="3981116"/>
+            <a:ext cx="2815030" cy="1012507"/>
+          </a:xfrm>
+          <a:prstGeom prst="rect">
+            <a:avLst/>
+          </a:prstGeom>
+        </p:spPr>
+      </p:pic>
+      <p:pic>
+        <p:nvPicPr>
+          <p:cNvPr id="12" name="Grafik 11"/>
+          <p:cNvPicPr>
+            <a:picLocks noChangeAspect="1"/>
+          </p:cNvPicPr>
+          <p:nvPr/>
+        </p:nvPicPr>
+        <p:blipFill>
+          <a:blip r:embed="rId6"/>
+          <a:stretch>
+            <a:fillRect/>
+          </a:stretch>
+        </p:blipFill>
+        <p:spPr>
+          <a:xfrm>
+            <a:off x="6834852" y="4976111"/>
+            <a:ext cx="1976850" cy="1115038"/>
+          </a:xfrm>
+          <a:prstGeom prst="rect">
+            <a:avLst/>
+          </a:prstGeom>
+        </p:spPr>
+      </p:pic>
+      <p:pic>
+        <p:nvPicPr>
+          <p:cNvPr id="13" name="Grafik 12"/>
+          <p:cNvPicPr>
+            <a:picLocks noChangeAspect="1"/>
+          </p:cNvPicPr>
+          <p:nvPr/>
+        </p:nvPicPr>
+        <p:blipFill>
+          <a:blip r:embed="rId7"/>
+          <a:stretch>
+            <a:fillRect/>
+          </a:stretch>
+        </p:blipFill>
+        <p:spPr>
+          <a:xfrm>
+            <a:off x="4722381" y="5057073"/>
+            <a:ext cx="1629699" cy="1050758"/>
+          </a:xfrm>
+          <a:prstGeom prst="rect">
+            <a:avLst/>
+          </a:prstGeom>
+        </p:spPr>
+      </p:pic>
+      <p:sp>
+        <p:nvSpPr>
+          <p:cNvPr id="14" name="Textfeld 13"/>
+          <p:cNvSpPr txBox="1"/>
+          <p:nvPr/>
+        </p:nvSpPr>
+        <p:spPr>
+          <a:xfrm>
+            <a:off x="241030" y="1556792"/>
+            <a:ext cx="3483869" cy="369332"/>
+          </a:xfrm>
+          <a:prstGeom prst="rect">
+            <a:avLst/>
+          </a:prstGeom>
+          <a:noFill/>
+        </p:spPr>
+        <p:txBody>
+          <a:bodyPr wrap="square" rtlCol="0">
+            <a:spAutoFit/>
+          </a:bodyPr>
+          <a:lstStyle/>
+          <a:p>
+            <a:r>
+              <a:rPr lang="de-DE" dirty="0" err="1" smtClean="0"/>
+              <a:t>Zstd</a:t>
+            </a:r>
+            <a:r>
+              <a:rPr lang="de-DE" dirty="0" smtClean="0"/>
+              <a:t>.-Dgl.</a:t>
+            </a:r>
+            <a:endParaRPr lang="de-DE" dirty="0"/>
+          </a:p>
+        </p:txBody>
+      </p:sp>
+      <p:sp>
+        <p:nvSpPr>
+          <p:cNvPr id="15" name="Textfeld 14"/>
+          <p:cNvSpPr txBox="1"/>
+          <p:nvPr/>
+        </p:nvSpPr>
+        <p:spPr>
+          <a:xfrm>
+            <a:off x="4722380" y="809620"/>
+            <a:ext cx="3483869" cy="923330"/>
+          </a:xfrm>
+          <a:prstGeom prst="rect">
+            <a:avLst/>
+          </a:prstGeom>
+          <a:noFill/>
+        </p:spPr>
+        <p:txBody>
+          <a:bodyPr wrap="square" rtlCol="0">
+            <a:spAutoFit/>
+          </a:bodyPr>
+          <a:lstStyle/>
+          <a:p>
+            <a:r>
+              <a:rPr lang="de-DE" dirty="0" err="1" smtClean="0"/>
+              <a:t>Zstd</a:t>
+            </a:r>
+            <a:r>
+              <a:rPr lang="de-DE" dirty="0" smtClean="0"/>
+              <a:t>. </a:t>
+            </a:r>
+            <a:r>
+              <a:rPr lang="de-DE" dirty="0"/>
+              <a:t>a</a:t>
+            </a:r>
+            <a:r>
+              <a:rPr lang="de-DE" dirty="0" smtClean="0"/>
+              <a:t>bhängig des flachen Ausgangs und dessen Ableitungen</a:t>
+            </a:r>
+            <a:endParaRPr lang="de-DE" dirty="0"/>
+          </a:p>
+        </p:txBody>
+      </p:sp>
+      <p:sp>
+        <p:nvSpPr>
+          <p:cNvPr id="16" name="Textfeld 15"/>
+          <p:cNvSpPr txBox="1"/>
+          <p:nvPr/>
+        </p:nvSpPr>
+        <p:spPr>
+          <a:xfrm>
+            <a:off x="4722381" y="3081768"/>
+            <a:ext cx="3483869" cy="923330"/>
+          </a:xfrm>
+          <a:prstGeom prst="rect">
+            <a:avLst/>
+          </a:prstGeom>
+          <a:noFill/>
+        </p:spPr>
+        <p:txBody>
+          <a:bodyPr wrap="square" rtlCol="0">
+            <a:spAutoFit/>
+          </a:bodyPr>
+          <a:lstStyle/>
+          <a:p>
+            <a:r>
+              <a:rPr lang="de-DE" dirty="0" smtClean="0"/>
+              <a:t>Eingänge abhängig des flachen Ausgangs und dessen Ableitungen</a:t>
+            </a:r>
+            <a:endParaRPr lang="de-DE" dirty="0"/>
+          </a:p>
+        </p:txBody>
+      </p:sp>
+    </p:spTree>
+    <p:extLst>
+      <p:ext uri="{BB962C8B-B14F-4D97-AF65-F5344CB8AC3E}">
+        <p14:creationId xmlns:p14="http://schemas.microsoft.com/office/powerpoint/2010/main" val="3796303808"/>
+      </p:ext>
+    </p:extLst>
+  </p:cSld>
+  <p:clrMapOvr>
+    <a:masterClrMapping/>
+  </p:clrMapOvr>
+</p:sld>
+</file>
+
+<file path=ppt/slides/slide36.xml><?xml version="1.0" encoding="utf-8"?>
+<p:sld xmlns:a="http://schemas.openxmlformats.org/drawingml/2006/main" xmlns:r="http://schemas.openxmlformats.org/officeDocument/2006/relationships" xmlns:p="http://schemas.openxmlformats.org/presentationml/2006/main">
+  <p:cSld>
+    <p:spTree>
+      <p:nvGrpSpPr>
+        <p:cNvPr id="1" name=""/>
+        <p:cNvGrpSpPr/>
+        <p:nvPr/>
+      </p:nvGrpSpPr>
+      <p:grpSpPr>
+        <a:xfrm>
+          <a:off x="0" y="0"/>
+          <a:ext cx="0" cy="0"/>
+          <a:chOff x="0" y="0"/>
+          <a:chExt cx="0" cy="0"/>
+        </a:xfrm>
+      </p:grpSpPr>
+      <p:sp>
+        <p:nvSpPr>
+          <p:cNvPr id="2" name="Titel 1"/>
+          <p:cNvSpPr>
+            <a:spLocks noGrp="1"/>
+          </p:cNvSpPr>
+          <p:nvPr>
+            <p:ph type="title"/>
+          </p:nvPr>
+        </p:nvSpPr>
+        <p:spPr>
+          <a:xfrm>
+            <a:off x="466725" y="334800"/>
+            <a:ext cx="8208000" cy="738664"/>
+          </a:xfrm>
+        </p:spPr>
+        <p:txBody>
+          <a:bodyPr/>
+          <a:lstStyle/>
+          <a:p>
+            <a:r>
+              <a:rPr lang="de-DE" dirty="0" smtClean="0"/>
+              <a:t>Zusatzfolie</a:t>
+            </a:r>
+            <a:br>
+              <a:rPr lang="de-DE" dirty="0" smtClean="0"/>
+            </a:br>
+            <a:r>
+              <a:rPr lang="de-DE" dirty="0" smtClean="0">
+                <a:solidFill>
+                  <a:schemeClr val="tx2"/>
+                </a:solidFill>
+              </a:rPr>
+              <a:t>Polstellen/-vorgabe</a:t>
+            </a:r>
+            <a:endParaRPr lang="de-DE" dirty="0">
+              <a:solidFill>
+                <a:schemeClr val="tx2"/>
+              </a:solidFill>
+            </a:endParaRPr>
+          </a:p>
+        </p:txBody>
+      </p:sp>
+      <mc:AlternateContent xmlns:mc="http://schemas.openxmlformats.org/markup-compatibility/2006">
+        <mc:Choice xmlns:a14="http://schemas.microsoft.com/office/drawing/2010/main" Requires="a14">
+          <p:sp>
+            <p:nvSpPr>
+              <p:cNvPr id="3" name="Inhaltsplatzhalter 2"/>
+              <p:cNvSpPr>
+                <a:spLocks noGrp="1"/>
+              </p:cNvSpPr>
+              <p:nvPr>
+                <p:ph idx="1"/>
+              </p:nvPr>
+            </p:nvSpPr>
+            <p:spPr>
+              <a:xfrm>
+                <a:off x="466725" y="1773238"/>
+                <a:ext cx="3889251" cy="4248150"/>
+              </a:xfrm>
+            </p:spPr>
+            <p:txBody>
+              <a:bodyPr/>
+              <a:lstStyle/>
+              <a:p>
+                <a:r>
+                  <a:rPr lang="de-DE" dirty="0" smtClean="0"/>
+                  <a:t>Übertragungsfunktion</a:t>
+                </a:r>
+              </a:p>
+              <a:p>
+                <a:endParaRPr lang="de-DE" dirty="0"/>
+              </a:p>
+              <a:p>
+                <a14:m>
+                  <m:oMathPara xmlns:m="http://schemas.openxmlformats.org/officeDocument/2006/math">
+                    <m:oMathParaPr>
+                      <m:jc m:val="centerGroup"/>
+                    </m:oMathParaPr>
+                    <m:oMath xmlns:m="http://schemas.openxmlformats.org/officeDocument/2006/math">
+                      <m:r>
+                        <a:rPr lang="de-DE" b="0" i="1" smtClean="0">
+                          <a:latin typeface="Cambria Math" panose="02040503050406030204" pitchFamily="18" charset="0"/>
+                        </a:rPr>
+                        <m:t>𝐺</m:t>
+                      </m:r>
+                      <m:d>
+                        <m:dPr>
+                          <m:ctrlPr>
+                            <a:rPr lang="de-DE" b="0" i="1" smtClean="0">
+                              <a:latin typeface="Cambria Math" panose="02040503050406030204" pitchFamily="18" charset="0"/>
+                            </a:rPr>
+                          </m:ctrlPr>
+                        </m:dPr>
+                        <m:e>
+                          <m:r>
+                            <a:rPr lang="de-DE" b="0" i="1" smtClean="0">
+                              <a:latin typeface="Cambria Math" panose="02040503050406030204" pitchFamily="18" charset="0"/>
+                            </a:rPr>
+                            <m:t>𝑠</m:t>
+                          </m:r>
+                        </m:e>
+                      </m:d>
+                      <m:r>
+                        <a:rPr lang="de-DE" b="0" i="1" smtClean="0">
+                          <a:latin typeface="Cambria Math" panose="02040503050406030204" pitchFamily="18" charset="0"/>
+                        </a:rPr>
+                        <m:t>= </m:t>
+                      </m:r>
+                      <m:f>
+                        <m:fPr>
+                          <m:ctrlPr>
+                            <a:rPr lang="de-DE" b="0" i="1" smtClean="0">
+                              <a:latin typeface="Cambria Math" panose="02040503050406030204" pitchFamily="18" charset="0"/>
+                            </a:rPr>
+                          </m:ctrlPr>
+                        </m:fPr>
+                        <m:num>
+                          <m:r>
+                            <a:rPr lang="de-DE" b="0" i="1" smtClean="0">
+                              <a:latin typeface="Cambria Math" panose="02040503050406030204" pitchFamily="18" charset="0"/>
+                            </a:rPr>
+                            <m:t>𝑍</m:t>
+                          </m:r>
+                          <m:r>
+                            <a:rPr lang="de-DE" b="0" i="1" smtClean="0">
+                              <a:latin typeface="Cambria Math" panose="02040503050406030204" pitchFamily="18" charset="0"/>
+                            </a:rPr>
+                            <m:t>(</m:t>
+                          </m:r>
+                          <m:r>
+                            <a:rPr lang="de-DE" b="0" i="1" smtClean="0">
+                              <a:latin typeface="Cambria Math" panose="02040503050406030204" pitchFamily="18" charset="0"/>
+                            </a:rPr>
+                            <m:t>𝑠</m:t>
+                          </m:r>
+                          <m:r>
+                            <a:rPr lang="de-DE" b="0" i="1" smtClean="0">
+                              <a:latin typeface="Cambria Math" panose="02040503050406030204" pitchFamily="18" charset="0"/>
+                            </a:rPr>
+                            <m:t>)</m:t>
+                          </m:r>
+                        </m:num>
+                        <m:den>
+                          <m:r>
+                            <a:rPr lang="de-DE" b="0" i="1" smtClean="0">
+                              <a:latin typeface="Cambria Math" panose="02040503050406030204" pitchFamily="18" charset="0"/>
+                            </a:rPr>
+                            <m:t>𝑁</m:t>
+                          </m:r>
+                          <m:r>
+                            <a:rPr lang="de-DE" b="0" i="1" smtClean="0">
+                              <a:latin typeface="Cambria Math" panose="02040503050406030204" pitchFamily="18" charset="0"/>
+                            </a:rPr>
+                            <m:t>(</m:t>
+                          </m:r>
+                          <m:r>
+                            <a:rPr lang="de-DE" b="0" i="1" smtClean="0">
+                              <a:latin typeface="Cambria Math" panose="02040503050406030204" pitchFamily="18" charset="0"/>
+                            </a:rPr>
+                            <m:t>𝑠</m:t>
+                          </m:r>
+                          <m:r>
+                            <a:rPr lang="de-DE" b="0" i="1" smtClean="0">
+                              <a:latin typeface="Cambria Math" panose="02040503050406030204" pitchFamily="18" charset="0"/>
+                            </a:rPr>
+                            <m:t>)</m:t>
+                          </m:r>
+                        </m:den>
+                      </m:f>
+                      <m:r>
+                        <a:rPr lang="de-DE" b="0" i="1" smtClean="0">
+                          <a:latin typeface="Cambria Math" panose="02040503050406030204" pitchFamily="18" charset="0"/>
+                        </a:rPr>
+                        <m:t>=</m:t>
+                      </m:r>
+                      <m:f>
+                        <m:fPr>
+                          <m:ctrlPr>
+                            <a:rPr lang="de-DE" b="0" i="1" smtClean="0">
+                              <a:latin typeface="Cambria Math" panose="02040503050406030204" pitchFamily="18" charset="0"/>
+                            </a:rPr>
+                          </m:ctrlPr>
+                        </m:fPr>
+                        <m:num>
+                          <m:sSub>
+                            <m:sSubPr>
+                              <m:ctrlPr>
+                                <a:rPr lang="de-DE" b="0" i="1" smtClean="0">
+                                  <a:latin typeface="Cambria Math" panose="02040503050406030204" pitchFamily="18" charset="0"/>
+                                </a:rPr>
+                              </m:ctrlPr>
+                            </m:sSubPr>
+                            <m:e>
+                              <m:r>
+                                <a:rPr lang="de-DE" b="0" i="1" smtClean="0">
+                                  <a:latin typeface="Cambria Math" panose="02040503050406030204" pitchFamily="18" charset="0"/>
+                                </a:rPr>
+                                <m:t>𝑏</m:t>
+                              </m:r>
+                            </m:e>
+                            <m:sub>
+                              <m:r>
+                                <a:rPr lang="de-DE" b="0" i="1" smtClean="0">
+                                  <a:latin typeface="Cambria Math" panose="02040503050406030204" pitchFamily="18" charset="0"/>
+                                </a:rPr>
+                                <m:t>𝑚</m:t>
+                              </m:r>
+                            </m:sub>
+                          </m:sSub>
+                          <m:sSup>
+                            <m:sSupPr>
+                              <m:ctrlPr>
+                                <a:rPr lang="de-DE" b="0" i="1" smtClean="0">
+                                  <a:latin typeface="Cambria Math" panose="02040503050406030204" pitchFamily="18" charset="0"/>
+                                </a:rPr>
+                              </m:ctrlPr>
+                            </m:sSupPr>
+                            <m:e>
+                              <m:r>
+                                <a:rPr lang="de-DE" b="0" i="1" smtClean="0">
+                                  <a:latin typeface="Cambria Math" panose="02040503050406030204" pitchFamily="18" charset="0"/>
+                                </a:rPr>
+                                <m:t>𝑠</m:t>
+                              </m:r>
+                            </m:e>
+                            <m:sup>
+                              <m:r>
+                                <a:rPr lang="de-DE" b="0" i="1" smtClean="0">
+                                  <a:latin typeface="Cambria Math" panose="02040503050406030204" pitchFamily="18" charset="0"/>
+                                </a:rPr>
+                                <m:t>𝑚</m:t>
+                              </m:r>
+                            </m:sup>
+                          </m:sSup>
+                          <m:r>
+                            <a:rPr lang="de-DE" b="0" i="1" smtClean="0">
+                              <a:latin typeface="Cambria Math" panose="02040503050406030204" pitchFamily="18" charset="0"/>
+                            </a:rPr>
+                            <m:t>+</m:t>
+                          </m:r>
+                          <m:r>
+                            <a:rPr lang="de-DE" b="0" i="1" smtClean="0">
+                              <a:latin typeface="Cambria Math" panose="02040503050406030204" pitchFamily="18" charset="0"/>
+                              <a:ea typeface="Cambria Math" panose="02040503050406030204" pitchFamily="18" charset="0"/>
+                            </a:rPr>
+                            <m:t>⋯+</m:t>
+                          </m:r>
+                          <m:sSub>
+                            <m:sSubPr>
+                              <m:ctrlPr>
+                                <a:rPr lang="de-DE" b="0" i="1" smtClean="0">
+                                  <a:latin typeface="Cambria Math" panose="02040503050406030204" pitchFamily="18" charset="0"/>
+                                  <a:ea typeface="Cambria Math" panose="02040503050406030204" pitchFamily="18" charset="0"/>
+                                </a:rPr>
+                              </m:ctrlPr>
+                            </m:sSubPr>
+                            <m:e>
+                              <m:r>
+                                <a:rPr lang="de-DE" b="0" i="1" smtClean="0">
+                                  <a:latin typeface="Cambria Math" panose="02040503050406030204" pitchFamily="18" charset="0"/>
+                                  <a:ea typeface="Cambria Math" panose="02040503050406030204" pitchFamily="18" charset="0"/>
+                                </a:rPr>
+                                <m:t>𝑏</m:t>
+                              </m:r>
+                            </m:e>
+                            <m:sub>
+                              <m:r>
+                                <a:rPr lang="de-DE" b="0" i="1" smtClean="0">
+                                  <a:latin typeface="Cambria Math" panose="02040503050406030204" pitchFamily="18" charset="0"/>
+                                  <a:ea typeface="Cambria Math" panose="02040503050406030204" pitchFamily="18" charset="0"/>
+                                </a:rPr>
+                                <m:t>1</m:t>
+                              </m:r>
+                            </m:sub>
+                          </m:sSub>
+                          <m:r>
+                            <a:rPr lang="de-DE" b="0" i="1" smtClean="0">
+                              <a:latin typeface="Cambria Math" panose="02040503050406030204" pitchFamily="18" charset="0"/>
+                              <a:ea typeface="Cambria Math" panose="02040503050406030204" pitchFamily="18" charset="0"/>
+                            </a:rPr>
+                            <m:t>𝑠</m:t>
+                          </m:r>
+                          <m:r>
+                            <a:rPr lang="de-DE" b="0" i="1" smtClean="0">
+                              <a:latin typeface="Cambria Math" panose="02040503050406030204" pitchFamily="18" charset="0"/>
+                              <a:ea typeface="Cambria Math" panose="02040503050406030204" pitchFamily="18" charset="0"/>
+                            </a:rPr>
+                            <m:t>+</m:t>
+                          </m:r>
+                          <m:r>
+                            <a:rPr lang="de-DE" b="0" i="1" smtClean="0">
+                              <a:latin typeface="Cambria Math" panose="02040503050406030204" pitchFamily="18" charset="0"/>
+                              <a:ea typeface="Cambria Math" panose="02040503050406030204" pitchFamily="18" charset="0"/>
+                            </a:rPr>
+                            <m:t>𝑏</m:t>
+                          </m:r>
+                          <m:r>
+                            <a:rPr lang="de-DE" b="0" i="1" smtClean="0">
+                              <a:latin typeface="Cambria Math" panose="02040503050406030204" pitchFamily="18" charset="0"/>
+                              <a:ea typeface="Cambria Math" panose="02040503050406030204" pitchFamily="18" charset="0"/>
+                            </a:rPr>
+                            <m:t>_0</m:t>
+                          </m:r>
+                        </m:num>
+                        <m:den>
+                          <m:sSub>
+                            <m:sSubPr>
+                              <m:ctrlPr>
+                                <a:rPr lang="de-DE" b="0" i="1" smtClean="0">
+                                  <a:latin typeface="Cambria Math" panose="02040503050406030204" pitchFamily="18" charset="0"/>
+                                </a:rPr>
+                              </m:ctrlPr>
+                            </m:sSubPr>
+                            <m:e>
+                              <m:r>
+                                <a:rPr lang="de-DE" b="0" i="1" smtClean="0">
+                                  <a:latin typeface="Cambria Math" panose="02040503050406030204" pitchFamily="18" charset="0"/>
+                                </a:rPr>
+                                <m:t>𝑎</m:t>
+                              </m:r>
+                            </m:e>
+                            <m:sub>
+                              <m:r>
+                                <a:rPr lang="de-DE" b="0" i="1" smtClean="0">
+                                  <a:latin typeface="Cambria Math" panose="02040503050406030204" pitchFamily="18" charset="0"/>
+                                </a:rPr>
+                                <m:t>𝑛</m:t>
+                              </m:r>
+                            </m:sub>
+                          </m:sSub>
+                          <m:sSup>
+                            <m:sSupPr>
+                              <m:ctrlPr>
+                                <a:rPr lang="de-DE" b="0" i="1" smtClean="0">
+                                  <a:latin typeface="Cambria Math" panose="02040503050406030204" pitchFamily="18" charset="0"/>
+                                </a:rPr>
+                              </m:ctrlPr>
+                            </m:sSupPr>
+                            <m:e>
+                              <m:r>
+                                <a:rPr lang="de-DE" b="0" i="1" smtClean="0">
+                                  <a:latin typeface="Cambria Math" panose="02040503050406030204" pitchFamily="18" charset="0"/>
+                                </a:rPr>
+                                <m:t>𝑠</m:t>
+                              </m:r>
+                            </m:e>
+                            <m:sup>
+                              <m:r>
+                                <a:rPr lang="de-DE" b="0" i="1" smtClean="0">
+                                  <a:latin typeface="Cambria Math" panose="02040503050406030204" pitchFamily="18" charset="0"/>
+                                </a:rPr>
+                                <m:t>𝑛</m:t>
+                              </m:r>
+                            </m:sup>
+                          </m:sSup>
+                          <m:r>
+                            <a:rPr lang="de-DE" b="0" i="1" smtClean="0">
+                              <a:latin typeface="Cambria Math" panose="02040503050406030204" pitchFamily="18" charset="0"/>
+                            </a:rPr>
+                            <m:t>+</m:t>
+                          </m:r>
+                          <m:r>
+                            <a:rPr lang="de-DE" b="0" i="1" smtClean="0">
+                              <a:latin typeface="Cambria Math" panose="02040503050406030204" pitchFamily="18" charset="0"/>
+                              <a:ea typeface="Cambria Math" panose="02040503050406030204" pitchFamily="18" charset="0"/>
+                            </a:rPr>
+                            <m:t>⋯+</m:t>
+                          </m:r>
+                          <m:sSub>
+                            <m:sSubPr>
+                              <m:ctrlPr>
+                                <a:rPr lang="de-DE" b="0" i="1" smtClean="0">
+                                  <a:latin typeface="Cambria Math" panose="02040503050406030204" pitchFamily="18" charset="0"/>
+                                  <a:ea typeface="Cambria Math" panose="02040503050406030204" pitchFamily="18" charset="0"/>
+                                </a:rPr>
+                              </m:ctrlPr>
+                            </m:sSubPr>
+                            <m:e>
+                              <m:r>
+                                <a:rPr lang="de-DE" b="0" i="1" smtClean="0">
+                                  <a:latin typeface="Cambria Math" panose="02040503050406030204" pitchFamily="18" charset="0"/>
+                                  <a:ea typeface="Cambria Math" panose="02040503050406030204" pitchFamily="18" charset="0"/>
+                                </a:rPr>
+                                <m:t>𝑎</m:t>
+                              </m:r>
+                            </m:e>
+                            <m:sub>
+                              <m:r>
+                                <a:rPr lang="de-DE" b="0" i="1" smtClean="0">
+                                  <a:latin typeface="Cambria Math" panose="02040503050406030204" pitchFamily="18" charset="0"/>
+                                  <a:ea typeface="Cambria Math" panose="02040503050406030204" pitchFamily="18" charset="0"/>
+                                </a:rPr>
+                                <m:t>1</m:t>
+                              </m:r>
+                            </m:sub>
+                          </m:sSub>
+                          <m:r>
+                            <a:rPr lang="de-DE" b="0" i="1" smtClean="0">
+                              <a:latin typeface="Cambria Math" panose="02040503050406030204" pitchFamily="18" charset="0"/>
+                              <a:ea typeface="Cambria Math" panose="02040503050406030204" pitchFamily="18" charset="0"/>
+                            </a:rPr>
+                            <m:t>𝑠</m:t>
+                          </m:r>
+                          <m:r>
+                            <a:rPr lang="de-DE" b="0" i="1" smtClean="0">
+                              <a:latin typeface="Cambria Math" panose="02040503050406030204" pitchFamily="18" charset="0"/>
+                              <a:ea typeface="Cambria Math" panose="02040503050406030204" pitchFamily="18" charset="0"/>
+                            </a:rPr>
+                            <m:t>+</m:t>
+                          </m:r>
+                          <m:r>
+                            <a:rPr lang="de-DE" b="0" i="1" smtClean="0">
+                              <a:latin typeface="Cambria Math" panose="02040503050406030204" pitchFamily="18" charset="0"/>
+                              <a:ea typeface="Cambria Math" panose="02040503050406030204" pitchFamily="18" charset="0"/>
+                            </a:rPr>
+                            <m:t>𝑎</m:t>
+                          </m:r>
+                          <m:r>
+                            <a:rPr lang="de-DE" b="0" i="1" smtClean="0">
+                              <a:latin typeface="Cambria Math" panose="02040503050406030204" pitchFamily="18" charset="0"/>
+                              <a:ea typeface="Cambria Math" panose="02040503050406030204" pitchFamily="18" charset="0"/>
+                            </a:rPr>
+                            <m:t>_0</m:t>
+                          </m:r>
+                        </m:den>
+                      </m:f>
+                    </m:oMath>
+                  </m:oMathPara>
+                </a14:m>
+                <a:endParaRPr lang="de-DE" dirty="0" smtClean="0"/>
+              </a:p>
+              <a:p>
+                <a:endParaRPr lang="de-DE" dirty="0" smtClean="0"/>
+              </a:p>
+              <a:p>
+                <a:r>
+                  <a:rPr lang="de-DE" dirty="0" smtClean="0"/>
+                  <a:t>Polstellen berechnen</a:t>
+                </a:r>
+              </a:p>
+              <a:p>
+                <a14:m>
+                  <m:oMathPara xmlns:m="http://schemas.openxmlformats.org/officeDocument/2006/math">
+                    <m:oMathParaPr>
+                      <m:jc m:val="centerGroup"/>
+                    </m:oMathParaPr>
+                    <m:oMath xmlns:m="http://schemas.openxmlformats.org/officeDocument/2006/math">
+                      <m:r>
+                        <a:rPr lang="de-DE" b="0" i="1" smtClean="0">
+                          <a:latin typeface="Cambria Math" panose="02040503050406030204" pitchFamily="18" charset="0"/>
+                        </a:rPr>
+                        <m:t>𝑁</m:t>
+                      </m:r>
+                      <m:d>
+                        <m:dPr>
+                          <m:ctrlPr>
+                            <a:rPr lang="de-DE" b="0" i="1" smtClean="0">
+                              <a:latin typeface="Cambria Math" panose="02040503050406030204" pitchFamily="18" charset="0"/>
+                            </a:rPr>
+                          </m:ctrlPr>
+                        </m:dPr>
+                        <m:e>
+                          <m:r>
+                            <a:rPr lang="de-DE" b="0" i="1" smtClean="0">
+                              <a:latin typeface="Cambria Math" panose="02040503050406030204" pitchFamily="18" charset="0"/>
+                            </a:rPr>
+                            <m:t>𝑠</m:t>
+                          </m:r>
+                        </m:e>
+                      </m:d>
+                      <m:r>
+                        <a:rPr lang="de-DE" b="0" i="1" smtClean="0">
+                          <a:latin typeface="Cambria Math" panose="02040503050406030204" pitchFamily="18" charset="0"/>
+                        </a:rPr>
+                        <m:t>=</m:t>
+                      </m:r>
+                      <m:sSub>
+                        <m:sSubPr>
+                          <m:ctrlPr>
+                            <a:rPr lang="de-DE" i="1">
+                              <a:latin typeface="Cambria Math" panose="02040503050406030204" pitchFamily="18" charset="0"/>
+                            </a:rPr>
+                          </m:ctrlPr>
+                        </m:sSubPr>
+                        <m:e>
+                          <m:r>
+                            <a:rPr lang="de-DE" i="1">
+                              <a:latin typeface="Cambria Math" panose="02040503050406030204" pitchFamily="18" charset="0"/>
+                            </a:rPr>
+                            <m:t>𝑎</m:t>
+                          </m:r>
+                        </m:e>
+                        <m:sub>
+                          <m:r>
+                            <a:rPr lang="de-DE" i="1">
+                              <a:latin typeface="Cambria Math" panose="02040503050406030204" pitchFamily="18" charset="0"/>
+                            </a:rPr>
+                            <m:t>𝑛</m:t>
+                          </m:r>
+                        </m:sub>
+                      </m:sSub>
+                      <m:sSup>
+                        <m:sSupPr>
+                          <m:ctrlPr>
+                            <a:rPr lang="de-DE" i="1">
+                              <a:latin typeface="Cambria Math" panose="02040503050406030204" pitchFamily="18" charset="0"/>
+                            </a:rPr>
+                          </m:ctrlPr>
+                        </m:sSupPr>
+                        <m:e>
+                          <m:r>
+                            <a:rPr lang="de-DE" i="1">
+                              <a:latin typeface="Cambria Math" panose="02040503050406030204" pitchFamily="18" charset="0"/>
+                            </a:rPr>
+                            <m:t>𝑠</m:t>
+                          </m:r>
+                        </m:e>
+                        <m:sup>
+                          <m:r>
+                            <a:rPr lang="de-DE" i="1">
+                              <a:latin typeface="Cambria Math" panose="02040503050406030204" pitchFamily="18" charset="0"/>
+                            </a:rPr>
+                            <m:t>𝑛</m:t>
+                          </m:r>
+                        </m:sup>
+                      </m:sSup>
+                      <m:r>
+                        <a:rPr lang="de-DE" i="1">
+                          <a:latin typeface="Cambria Math" panose="02040503050406030204" pitchFamily="18" charset="0"/>
+                        </a:rPr>
+                        <m:t>+</m:t>
+                      </m:r>
+                      <m:r>
+                        <a:rPr lang="de-DE" i="1">
+                          <a:latin typeface="Cambria Math" panose="02040503050406030204" pitchFamily="18" charset="0"/>
+                          <a:ea typeface="Cambria Math" panose="02040503050406030204" pitchFamily="18" charset="0"/>
+                        </a:rPr>
+                        <m:t>⋯+</m:t>
+                      </m:r>
+                      <m:sSub>
+                        <m:sSubPr>
+                          <m:ctrlPr>
+                            <a:rPr lang="de-DE" i="1">
+                              <a:latin typeface="Cambria Math" panose="02040503050406030204" pitchFamily="18" charset="0"/>
+                              <a:ea typeface="Cambria Math" panose="02040503050406030204" pitchFamily="18" charset="0"/>
+                            </a:rPr>
+                          </m:ctrlPr>
+                        </m:sSubPr>
+                        <m:e>
+                          <m:r>
+                            <a:rPr lang="de-DE" i="1">
+                              <a:latin typeface="Cambria Math" panose="02040503050406030204" pitchFamily="18" charset="0"/>
+                              <a:ea typeface="Cambria Math" panose="02040503050406030204" pitchFamily="18" charset="0"/>
+                            </a:rPr>
+                            <m:t>𝑎</m:t>
+                          </m:r>
+                        </m:e>
+                        <m:sub>
+                          <m:r>
+                            <a:rPr lang="de-DE" i="1">
+                              <a:latin typeface="Cambria Math" panose="02040503050406030204" pitchFamily="18" charset="0"/>
+                              <a:ea typeface="Cambria Math" panose="02040503050406030204" pitchFamily="18" charset="0"/>
+                            </a:rPr>
+                            <m:t>1</m:t>
+                          </m:r>
+                        </m:sub>
+                      </m:sSub>
+                      <m:r>
+                        <a:rPr lang="de-DE" i="1">
+                          <a:latin typeface="Cambria Math" panose="02040503050406030204" pitchFamily="18" charset="0"/>
+                          <a:ea typeface="Cambria Math" panose="02040503050406030204" pitchFamily="18" charset="0"/>
+                        </a:rPr>
+                        <m:t>𝑠</m:t>
+                      </m:r>
+                      <m:r>
+                        <a:rPr lang="de-DE" i="1">
+                          <a:latin typeface="Cambria Math" panose="02040503050406030204" pitchFamily="18" charset="0"/>
+                          <a:ea typeface="Cambria Math" panose="02040503050406030204" pitchFamily="18" charset="0"/>
+                        </a:rPr>
+                        <m:t>+</m:t>
+                      </m:r>
+                      <m:sSub>
+                        <m:sSubPr>
+                          <m:ctrlPr>
+                            <a:rPr lang="de-DE" i="1">
+                              <a:latin typeface="Cambria Math" panose="02040503050406030204" pitchFamily="18" charset="0"/>
+                              <a:ea typeface="Cambria Math" panose="02040503050406030204" pitchFamily="18" charset="0"/>
+                            </a:rPr>
+                          </m:ctrlPr>
+                        </m:sSubPr>
+                        <m:e>
+                          <m:r>
+                            <a:rPr lang="de-DE" i="1">
+                              <a:latin typeface="Cambria Math" panose="02040503050406030204" pitchFamily="18" charset="0"/>
+                              <a:ea typeface="Cambria Math" panose="02040503050406030204" pitchFamily="18" charset="0"/>
+                            </a:rPr>
+                            <m:t>𝑎</m:t>
+                          </m:r>
+                        </m:e>
+                        <m:sub>
+                          <m:r>
+                            <a:rPr lang="de-DE" i="1">
+                              <a:latin typeface="Cambria Math" panose="02040503050406030204" pitchFamily="18" charset="0"/>
+                              <a:ea typeface="Cambria Math" panose="02040503050406030204" pitchFamily="18" charset="0"/>
+                            </a:rPr>
+                            <m:t>0</m:t>
+                          </m:r>
+                        </m:sub>
+                      </m:sSub>
+                      <m:r>
+                        <a:rPr lang="de-DE" b="0" i="1" smtClean="0">
+                          <a:latin typeface="Cambria Math" panose="02040503050406030204" pitchFamily="18" charset="0"/>
+                          <a:ea typeface="Cambria Math" panose="02040503050406030204" pitchFamily="18" charset="0"/>
+                        </a:rPr>
+                        <m:t>=0</m:t>
+                      </m:r>
+                    </m:oMath>
+                  </m:oMathPara>
+                </a14:m>
+                <a:endParaRPr lang="de-DE" dirty="0" smtClean="0"/>
+              </a:p>
+              <a:p>
+                <a:endParaRPr lang="de-DE" dirty="0"/>
+              </a:p>
+              <a:p>
+                <a:endParaRPr lang="de-DE" dirty="0" smtClean="0"/>
+              </a:p>
+              <a:p>
+                <a:endParaRPr lang="de-DE" dirty="0" smtClean="0"/>
+              </a:p>
+            </p:txBody>
+          </p:sp>
+        </mc:Choice>
+        <mc:Fallback>
+          <p:sp>
+            <p:nvSpPr>
+              <p:cNvPr id="3" name="Inhaltsplatzhalter 2"/>
+              <p:cNvSpPr>
+                <a:spLocks noGrp="1" noRot="1" noChangeAspect="1" noMove="1" noResize="1" noEditPoints="1" noAdjustHandles="1" noChangeArrowheads="1" noChangeShapeType="1" noTextEdit="1"/>
+              </p:cNvSpPr>
+              <p:nvPr>
+                <p:ph idx="1"/>
+              </p:nvPr>
+            </p:nvSpPr>
+            <p:spPr>
+              <a:xfrm>
+                <a:off x="466725" y="1773238"/>
+                <a:ext cx="3889251" cy="4248150"/>
+              </a:xfrm>
+              <a:blipFill rotWithShape="0">
+                <a:blip r:embed="rId2"/>
+                <a:stretch>
+                  <a:fillRect l="-3762" t="-1865"/>
+                </a:stretch>
+              </a:blipFill>
+            </p:spPr>
+            <p:txBody>
+              <a:bodyPr/>
+              <a:lstStyle/>
+              <a:p>
+                <a:r>
+                  <a:rPr lang="de-DE">
+                    <a:noFill/>
+                  </a:rPr>
+                  <a:t> </a:t>
+                </a:r>
+              </a:p>
+            </p:txBody>
+          </p:sp>
+        </mc:Fallback>
+      </mc:AlternateContent>
+      <p:sp>
+        <p:nvSpPr>
+          <p:cNvPr id="4" name="Datumsplatzhalter 3"/>
+          <p:cNvSpPr>
+            <a:spLocks noGrp="1"/>
+          </p:cNvSpPr>
+          <p:nvPr>
+            <p:ph type="dt" sz="half" idx="2"/>
+          </p:nvPr>
+        </p:nvSpPr>
+        <p:spPr/>
+        <p:txBody>
+          <a:bodyPr/>
+          <a:lstStyle/>
+          <a:p>
+            <a:fld id="{06779667-B4A8-4B7E-9ECB-6AC6BAAAF423}" type="datetime1">
+              <a:rPr lang="de-DE" smtClean="0"/>
+              <a:t>16.02.2015</a:t>
+            </a:fld>
+            <a:endParaRPr lang="de-DE" dirty="0"/>
+          </a:p>
+        </p:txBody>
+      </p:sp>
+      <p:sp>
+        <p:nvSpPr>
+          <p:cNvPr id="5" name="Foliennummernplatzhalter 4"/>
+          <p:cNvSpPr>
+            <a:spLocks noGrp="1"/>
+          </p:cNvSpPr>
+          <p:nvPr>
+            <p:ph type="sldNum" sz="quarter" idx="4"/>
+          </p:nvPr>
+        </p:nvSpPr>
+        <p:spPr/>
+        <p:txBody>
+          <a:bodyPr/>
+          <a:lstStyle/>
+          <a:p>
+            <a:fld id="{33C21464-E29C-4E31-8D40-E8CC0C45CD35}" type="slidenum">
+              <a:rPr lang="de-DE" smtClean="0"/>
+              <a:pPr/>
+              <a:t>36</a:t>
+            </a:fld>
+            <a:endParaRPr lang="de-DE" dirty="0"/>
+          </a:p>
+        </p:txBody>
+      </p:sp>
+      <mc:AlternateContent xmlns:mc="http://schemas.openxmlformats.org/markup-compatibility/2006">
+        <mc:Choice xmlns:a14="http://schemas.microsoft.com/office/drawing/2010/main" Requires="a14">
+          <p:sp>
+            <p:nvSpPr>
+              <p:cNvPr id="6" name="Inhaltsplatzhalter 2"/>
+              <p:cNvSpPr txBox="1">
+                <a:spLocks/>
+              </p:cNvSpPr>
+              <p:nvPr/>
+            </p:nvSpPr>
+            <p:spPr bwMode="auto">
+              <a:xfrm>
+                <a:off x="4580561" y="1773238"/>
+                <a:ext cx="4094164" cy="4248150"/>
+              </a:xfrm>
+              <a:prstGeom prst="rect">
+                <a:avLst/>
+              </a:prstGeom>
+              <a:noFill/>
+              <a:ln w="9525">
+                <a:noFill/>
+                <a:miter lim="800000"/>
+                <a:headEnd/>
+                <a:tailEnd/>
+              </a:ln>
+            </p:spPr>
+            <p:txBody>
+              <a:bodyPr vert="horz" wrap="square" lIns="0" tIns="0" rIns="0" bIns="0" numCol="1" anchor="t" anchorCtr="0" compatLnSpc="1">
+                <a:prstTxWarp prst="textNoShape">
+                  <a:avLst/>
+                </a:prstTxWarp>
+              </a:bodyPr>
+              <a:lstStyle>
+                <a:lvl1pPr marL="0" indent="0" algn="l" defTabSz="358775" rtl="0" fontAlgn="base">
+                  <a:spcBef>
+                    <a:spcPct val="0"/>
+                  </a:spcBef>
+                  <a:spcAft>
+                    <a:spcPts val="900"/>
+                  </a:spcAft>
+                  <a:buClr>
+                    <a:schemeClr val="tx2"/>
+                  </a:buClr>
+                  <a:buFont typeface="Wingdings" pitchFamily="2" charset="2"/>
+                  <a:buNone/>
+                  <a:defRPr>
+                    <a:solidFill>
+                      <a:schemeClr val="tx1"/>
+                    </a:solidFill>
+                    <a:latin typeface="+mn-lt"/>
+                    <a:ea typeface="+mn-ea"/>
+                    <a:cs typeface="+mn-cs"/>
+                  </a:defRPr>
+                </a:lvl1pPr>
+                <a:lvl2pPr marL="719138" indent="-358775" algn="l" defTabSz="358775" rtl="0" fontAlgn="base">
+                  <a:spcBef>
+                    <a:spcPct val="0"/>
+                  </a:spcBef>
+                  <a:spcAft>
+                    <a:spcPts val="900"/>
+                  </a:spcAft>
+                  <a:buClr>
+                    <a:schemeClr val="bg2"/>
+                  </a:buClr>
+                  <a:buFont typeface="Wingdings" pitchFamily="2" charset="2"/>
+                  <a:buChar char="n"/>
+                  <a:defRPr>
+                    <a:solidFill>
+                      <a:schemeClr val="tx1"/>
+                    </a:solidFill>
+                    <a:latin typeface="+mn-lt"/>
+                  </a:defRPr>
+                </a:lvl2pPr>
+                <a:lvl3pPr marL="1079500" indent="-358775" algn="l" defTabSz="358775" rtl="0" fontAlgn="base">
+                  <a:spcBef>
+                    <a:spcPct val="0"/>
+                  </a:spcBef>
+                  <a:spcAft>
+                    <a:spcPts val="900"/>
+                  </a:spcAft>
+                  <a:buClr>
+                    <a:schemeClr val="bg2"/>
+                  </a:buClr>
+                  <a:buFont typeface="Wingdings" pitchFamily="2" charset="2"/>
+                  <a:buChar char="n"/>
+                  <a:defRPr>
+                    <a:solidFill>
+                      <a:schemeClr val="tx1"/>
+                    </a:solidFill>
+                    <a:latin typeface="+mn-lt"/>
+                  </a:defRPr>
+                </a:lvl3pPr>
+                <a:lvl4pPr marL="1439863" indent="-358775" algn="l" defTabSz="358775" rtl="0" fontAlgn="base">
+                  <a:spcBef>
+                    <a:spcPct val="0"/>
+                  </a:spcBef>
+                  <a:spcAft>
+                    <a:spcPts val="900"/>
+                  </a:spcAft>
+                  <a:buClr>
+                    <a:schemeClr val="bg2"/>
+                  </a:buClr>
+                  <a:buFont typeface="Wingdings" pitchFamily="2" charset="2"/>
+                  <a:buChar char="n"/>
+                  <a:defRPr>
+                    <a:solidFill>
+                      <a:schemeClr val="tx1"/>
+                    </a:solidFill>
+                    <a:latin typeface="+mn-lt"/>
+                  </a:defRPr>
+                </a:lvl4pPr>
+                <a:lvl5pPr marL="1798638" indent="-358775" algn="l" defTabSz="358775" rtl="0" fontAlgn="base">
+                  <a:spcBef>
+                    <a:spcPct val="0"/>
+                  </a:spcBef>
+                  <a:spcAft>
+                    <a:spcPts val="900"/>
+                  </a:spcAft>
+                  <a:buClr>
+                    <a:schemeClr val="bg2"/>
+                  </a:buClr>
+                  <a:buFont typeface="Wingdings" pitchFamily="2" charset="2"/>
+                  <a:buChar char="n"/>
+                  <a:defRPr>
+                    <a:solidFill>
+                      <a:schemeClr val="tx1"/>
+                    </a:solidFill>
+                    <a:latin typeface="+mn-lt"/>
+                  </a:defRPr>
+                </a:lvl5pPr>
+                <a:lvl6pPr marL="1887538" indent="-358775" algn="l" rtl="0" eaLnBrk="1" fontAlgn="base" hangingPunct="1">
+                  <a:spcBef>
+                    <a:spcPct val="0"/>
+                  </a:spcBef>
+                  <a:spcAft>
+                    <a:spcPct val="40000"/>
+                  </a:spcAft>
+                  <a:buClr>
+                    <a:schemeClr val="bg2"/>
+                  </a:buClr>
+                  <a:buFont typeface="Wingdings" pitchFamily="2" charset="2"/>
+                  <a:buChar char="n"/>
+                  <a:defRPr>
+                    <a:solidFill>
+                      <a:schemeClr val="tx1"/>
+                    </a:solidFill>
+                    <a:latin typeface="+mn-lt"/>
+                  </a:defRPr>
+                </a:lvl6pPr>
+                <a:lvl7pPr marL="2344738" indent="-358775" algn="l" rtl="0" eaLnBrk="1" fontAlgn="base" hangingPunct="1">
+                  <a:spcBef>
+                    <a:spcPct val="0"/>
+                  </a:spcBef>
+                  <a:spcAft>
+                    <a:spcPct val="40000"/>
+                  </a:spcAft>
+                  <a:buClr>
+                    <a:schemeClr val="bg2"/>
+                  </a:buClr>
+                  <a:buFont typeface="Wingdings" pitchFamily="2" charset="2"/>
+                  <a:buChar char="n"/>
+                  <a:defRPr>
+                    <a:solidFill>
+                      <a:schemeClr val="tx1"/>
+                    </a:solidFill>
+                    <a:latin typeface="+mn-lt"/>
+                  </a:defRPr>
+                </a:lvl7pPr>
+                <a:lvl8pPr marL="2801938" indent="-358775" algn="l" rtl="0" eaLnBrk="1" fontAlgn="base" hangingPunct="1">
+                  <a:spcBef>
+                    <a:spcPct val="0"/>
+                  </a:spcBef>
+                  <a:spcAft>
+                    <a:spcPct val="40000"/>
+                  </a:spcAft>
+                  <a:buClr>
+                    <a:schemeClr val="bg2"/>
+                  </a:buClr>
+                  <a:buFont typeface="Wingdings" pitchFamily="2" charset="2"/>
+                  <a:buChar char="n"/>
+                  <a:defRPr>
+                    <a:solidFill>
+                      <a:schemeClr val="tx1"/>
+                    </a:solidFill>
+                    <a:latin typeface="+mn-lt"/>
+                  </a:defRPr>
+                </a:lvl8pPr>
+                <a:lvl9pPr marL="3259138" indent="-358775" algn="l" rtl="0" eaLnBrk="1" fontAlgn="base" hangingPunct="1">
+                  <a:spcBef>
+                    <a:spcPct val="0"/>
+                  </a:spcBef>
+                  <a:spcAft>
+                    <a:spcPct val="40000"/>
+                  </a:spcAft>
+                  <a:buClr>
+                    <a:schemeClr val="bg2"/>
+                  </a:buClr>
+                  <a:buFont typeface="Wingdings" pitchFamily="2" charset="2"/>
+                  <a:buChar char="n"/>
+                  <a:defRPr>
+                    <a:solidFill>
+                      <a:schemeClr val="tx1"/>
+                    </a:solidFill>
+                    <a:latin typeface="+mn-lt"/>
+                  </a:defRPr>
+                </a:lvl9pPr>
+              </a:lstStyle>
+              <a:p>
+                <a:r>
+                  <a:rPr lang="de-DE" kern="0" dirty="0" smtClean="0"/>
+                  <a:t>Zustandsdifferenzialgleichung</a:t>
+                </a:r>
+              </a:p>
+              <a:p>
+                <a:endParaRPr lang="de-DE" kern="0" dirty="0"/>
+              </a:p>
+              <a:p>
+                <a14:m>
+                  <m:oMathPara xmlns:m="http://schemas.openxmlformats.org/officeDocument/2006/math">
+                    <m:oMathParaPr>
+                      <m:jc m:val="centerGroup"/>
+                    </m:oMathParaPr>
+                    <m:oMath xmlns:m="http://schemas.openxmlformats.org/officeDocument/2006/math">
+                      <m:acc>
+                        <m:accPr>
+                          <m:chr m:val="̇"/>
+                          <m:ctrlPr>
+                            <a:rPr lang="de-DE" i="1" kern="0" smtClean="0">
+                              <a:latin typeface="Cambria Math" panose="02040503050406030204" pitchFamily="18" charset="0"/>
+                            </a:rPr>
+                          </m:ctrlPr>
+                        </m:accPr>
+                        <m:e>
+                          <m:r>
+                            <a:rPr lang="de-DE" b="0" i="1" kern="0" smtClean="0">
+                              <a:latin typeface="Cambria Math" panose="02040503050406030204" pitchFamily="18" charset="0"/>
+                            </a:rPr>
+                            <m:t>𝑥</m:t>
+                          </m:r>
+                        </m:e>
+                      </m:acc>
+                      <m:r>
+                        <a:rPr lang="de-DE" b="0" i="1" kern="0" smtClean="0">
+                          <a:latin typeface="Cambria Math" panose="02040503050406030204" pitchFamily="18" charset="0"/>
+                        </a:rPr>
+                        <m:t>=</m:t>
+                      </m:r>
+                      <m:r>
+                        <a:rPr lang="de-DE" b="0" i="1" kern="0" smtClean="0">
+                          <a:latin typeface="Cambria Math" panose="02040503050406030204" pitchFamily="18" charset="0"/>
+                        </a:rPr>
+                        <m:t>𝐴</m:t>
+                      </m:r>
+                      <m:r>
+                        <a:rPr lang="de-DE" b="0" i="1" kern="0" smtClean="0">
+                          <a:latin typeface="Cambria Math" panose="02040503050406030204" pitchFamily="18" charset="0"/>
+                          <a:ea typeface="Cambria Math" panose="02040503050406030204" pitchFamily="18" charset="0"/>
+                        </a:rPr>
+                        <m:t>∙</m:t>
+                      </m:r>
+                      <m:r>
+                        <a:rPr lang="de-DE" b="0" i="1" kern="0" smtClean="0">
+                          <a:latin typeface="Cambria Math" panose="02040503050406030204" pitchFamily="18" charset="0"/>
+                          <a:ea typeface="Cambria Math" panose="02040503050406030204" pitchFamily="18" charset="0"/>
+                        </a:rPr>
+                        <m:t>𝑥</m:t>
+                      </m:r>
+                      <m:r>
+                        <a:rPr lang="de-DE" b="0" i="1" kern="0" smtClean="0">
+                          <a:latin typeface="Cambria Math" panose="02040503050406030204" pitchFamily="18" charset="0"/>
+                          <a:ea typeface="Cambria Math" panose="02040503050406030204" pitchFamily="18" charset="0"/>
+                        </a:rPr>
+                        <m:t>+</m:t>
+                      </m:r>
+                      <m:r>
+                        <a:rPr lang="de-DE" b="0" i="1" kern="0" smtClean="0">
+                          <a:latin typeface="Cambria Math" panose="02040503050406030204" pitchFamily="18" charset="0"/>
+                          <a:ea typeface="Cambria Math" panose="02040503050406030204" pitchFamily="18" charset="0"/>
+                        </a:rPr>
+                        <m:t>𝐵</m:t>
+                      </m:r>
+                      <m:r>
+                        <a:rPr lang="de-DE" b="0" i="1" kern="0" smtClean="0">
+                          <a:latin typeface="Cambria Math" panose="02040503050406030204" pitchFamily="18" charset="0"/>
+                          <a:ea typeface="Cambria Math" panose="02040503050406030204" pitchFamily="18" charset="0"/>
+                        </a:rPr>
+                        <m:t>∙</m:t>
+                      </m:r>
+                      <m:r>
+                        <a:rPr lang="de-DE" b="0" i="1" kern="0" smtClean="0">
+                          <a:latin typeface="Cambria Math" panose="02040503050406030204" pitchFamily="18" charset="0"/>
+                          <a:ea typeface="Cambria Math" panose="02040503050406030204" pitchFamily="18" charset="0"/>
+                        </a:rPr>
+                        <m:t>𝑢</m:t>
+                      </m:r>
+                      <m:r>
+                        <a:rPr lang="de-DE" b="0" i="1" kern="0" smtClean="0">
+                          <a:solidFill>
+                            <a:srgbClr val="FF0000"/>
+                          </a:solidFill>
+                          <a:latin typeface="Cambria Math" panose="02040503050406030204" pitchFamily="18" charset="0"/>
+                          <a:ea typeface="Cambria Math" panose="02040503050406030204" pitchFamily="18" charset="0"/>
+                        </a:rPr>
+                        <m:t>−</m:t>
+                      </m:r>
+                      <m:r>
+                        <a:rPr lang="de-DE" b="0" i="1" kern="0" smtClean="0">
+                          <a:solidFill>
+                            <a:srgbClr val="FF0000"/>
+                          </a:solidFill>
+                          <a:latin typeface="Cambria Math" panose="02040503050406030204" pitchFamily="18" charset="0"/>
+                          <a:ea typeface="Cambria Math" panose="02040503050406030204" pitchFamily="18" charset="0"/>
+                        </a:rPr>
+                        <m:t>𝐵𝐾</m:t>
+                      </m:r>
+                      <m:r>
+                        <a:rPr lang="de-DE" b="0" i="1" kern="0" smtClean="0">
+                          <a:solidFill>
+                            <a:srgbClr val="FF0000"/>
+                          </a:solidFill>
+                          <a:latin typeface="Cambria Math" panose="02040503050406030204" pitchFamily="18" charset="0"/>
+                          <a:ea typeface="Cambria Math" panose="02040503050406030204" pitchFamily="18" charset="0"/>
+                        </a:rPr>
+                        <m:t>∙</m:t>
+                      </m:r>
+                      <m:r>
+                        <a:rPr lang="de-DE" b="0" i="1" kern="0" smtClean="0">
+                          <a:solidFill>
+                            <a:srgbClr val="FF0000"/>
+                          </a:solidFill>
+                          <a:latin typeface="Cambria Math" panose="02040503050406030204" pitchFamily="18" charset="0"/>
+                          <a:ea typeface="Cambria Math" panose="02040503050406030204" pitchFamily="18" charset="0"/>
+                        </a:rPr>
+                        <m:t>𝑥</m:t>
+                      </m:r>
+                    </m:oMath>
+                    <m:oMath xmlns:m="http://schemas.openxmlformats.org/officeDocument/2006/math">
+                      <m:r>
+                        <a:rPr lang="de-DE" b="0" i="1" kern="0" smtClean="0">
+                          <a:latin typeface="Cambria Math" panose="02040503050406030204" pitchFamily="18" charset="0"/>
+                          <a:ea typeface="Cambria Math" panose="02040503050406030204" pitchFamily="18" charset="0"/>
+                        </a:rPr>
+                        <m:t>𝑦</m:t>
+                      </m:r>
+                      <m:r>
+                        <a:rPr lang="de-DE" b="0" i="1" kern="0" smtClean="0">
+                          <a:latin typeface="Cambria Math" panose="02040503050406030204" pitchFamily="18" charset="0"/>
+                          <a:ea typeface="Cambria Math" panose="02040503050406030204" pitchFamily="18" charset="0"/>
+                        </a:rPr>
+                        <m:t>=</m:t>
+                      </m:r>
+                      <m:r>
+                        <a:rPr lang="de-DE" b="0" i="1" kern="0" smtClean="0">
+                          <a:latin typeface="Cambria Math" panose="02040503050406030204" pitchFamily="18" charset="0"/>
+                          <a:ea typeface="Cambria Math" panose="02040503050406030204" pitchFamily="18" charset="0"/>
+                        </a:rPr>
+                        <m:t>𝐶</m:t>
+                      </m:r>
+                      <m:r>
+                        <a:rPr lang="de-DE" b="0" i="1" kern="0" smtClean="0">
+                          <a:latin typeface="Cambria Math" panose="02040503050406030204" pitchFamily="18" charset="0"/>
+                          <a:ea typeface="Cambria Math" panose="02040503050406030204" pitchFamily="18" charset="0"/>
+                        </a:rPr>
+                        <m:t>∙</m:t>
+                      </m:r>
+                      <m:r>
+                        <a:rPr lang="de-DE" b="0" i="1" kern="0" smtClean="0">
+                          <a:latin typeface="Cambria Math" panose="02040503050406030204" pitchFamily="18" charset="0"/>
+                          <a:ea typeface="Cambria Math" panose="02040503050406030204" pitchFamily="18" charset="0"/>
+                        </a:rPr>
+                        <m:t>𝑥</m:t>
+                      </m:r>
+                    </m:oMath>
+                  </m:oMathPara>
+                </a14:m>
+                <a:endParaRPr lang="de-DE" b="0" kern="0" dirty="0" smtClean="0">
+                  <a:ea typeface="Cambria Math" panose="02040503050406030204" pitchFamily="18" charset="0"/>
+                </a:endParaRPr>
+              </a:p>
+              <a:p>
+                <a:endParaRPr lang="de-DE" b="0" kern="0" dirty="0" smtClean="0">
+                  <a:ea typeface="Cambria Math" panose="02040503050406030204" pitchFamily="18" charset="0"/>
+                </a:endParaRPr>
+              </a:p>
+              <a:p>
+                <a:r>
+                  <a:rPr lang="de-DE" dirty="0" smtClean="0"/>
+                  <a:t>Polstellen berechnen</a:t>
+                </a:r>
+                <a:endParaRPr lang="de-DE" kern="0" dirty="0" smtClean="0"/>
+              </a:p>
+              <a:p>
+                <a14:m>
+                  <m:oMathPara xmlns:m="http://schemas.openxmlformats.org/officeDocument/2006/math">
+                    <m:oMathParaPr>
+                      <m:jc m:val="centerGroup"/>
+                    </m:oMathParaPr>
+                    <m:oMath xmlns:m="http://schemas.openxmlformats.org/officeDocument/2006/math">
+                      <m:func>
+                        <m:funcPr>
+                          <m:ctrlPr>
+                            <a:rPr lang="de-DE" b="0" i="1" smtClean="0">
+                              <a:latin typeface="Cambria Math" panose="02040503050406030204" pitchFamily="18" charset="0"/>
+                            </a:rPr>
+                          </m:ctrlPr>
+                        </m:funcPr>
+                        <m:fName>
+                          <m:r>
+                            <m:rPr>
+                              <m:sty m:val="p"/>
+                            </m:rPr>
+                            <a:rPr lang="de-DE" b="0" i="0" smtClean="0">
+                              <a:latin typeface="Cambria Math" panose="02040503050406030204" pitchFamily="18" charset="0"/>
+                            </a:rPr>
+                            <m:t>det</m:t>
+                          </m:r>
+                        </m:fName>
+                        <m:e>
+                          <m:d>
+                            <m:dPr>
+                              <m:ctrlPr>
+                                <a:rPr lang="de-DE" b="0" i="1" smtClean="0">
+                                  <a:latin typeface="Cambria Math" panose="02040503050406030204" pitchFamily="18" charset="0"/>
+                                </a:rPr>
+                              </m:ctrlPr>
+                            </m:dPr>
+                            <m:e>
+                              <m:r>
+                                <a:rPr lang="de-DE" b="0" i="1" smtClean="0">
+                                  <a:latin typeface="Cambria Math" panose="02040503050406030204" pitchFamily="18" charset="0"/>
+                                </a:rPr>
+                                <m:t>𝑠𝐼</m:t>
+                              </m:r>
+                              <m:r>
+                                <a:rPr lang="de-DE" b="0" i="1" smtClean="0">
+                                  <a:latin typeface="Cambria Math" panose="02040503050406030204" pitchFamily="18" charset="0"/>
+                                </a:rPr>
+                                <m:t>−</m:t>
+                              </m:r>
+                              <m:r>
+                                <a:rPr lang="de-DE" b="0" i="1" smtClean="0">
+                                  <a:latin typeface="Cambria Math" panose="02040503050406030204" pitchFamily="18" charset="0"/>
+                                </a:rPr>
+                                <m:t>𝐴</m:t>
+                              </m:r>
+                              <m:r>
+                                <a:rPr lang="de-DE" b="0" i="1" smtClean="0">
+                                  <a:solidFill>
+                                    <a:srgbClr val="FF0000"/>
+                                  </a:solidFill>
+                                  <a:latin typeface="Cambria Math" panose="02040503050406030204" pitchFamily="18" charset="0"/>
+                                </a:rPr>
+                                <m:t>+</m:t>
+                              </m:r>
+                              <m:r>
+                                <a:rPr lang="de-DE" b="0" i="1" smtClean="0">
+                                  <a:solidFill>
+                                    <a:srgbClr val="FF0000"/>
+                                  </a:solidFill>
+                                  <a:latin typeface="Cambria Math" panose="02040503050406030204" pitchFamily="18" charset="0"/>
+                                </a:rPr>
+                                <m:t>𝐵𝐾</m:t>
+                              </m:r>
+                            </m:e>
+                          </m:d>
+                          <m:r>
+                            <a:rPr lang="de-DE" b="0" i="1" smtClean="0">
+                              <a:latin typeface="Cambria Math" panose="02040503050406030204" pitchFamily="18" charset="0"/>
+                            </a:rPr>
+                            <m:t>=</m:t>
+                          </m:r>
+                          <m:sSub>
+                            <m:sSubPr>
+                              <m:ctrlPr>
+                                <a:rPr lang="de-DE" i="1">
+                                  <a:latin typeface="Cambria Math" panose="02040503050406030204" pitchFamily="18" charset="0"/>
+                                </a:rPr>
+                              </m:ctrlPr>
+                            </m:sSubPr>
+                            <m:e>
+                              <m:r>
+                                <a:rPr lang="de-DE" i="1">
+                                  <a:latin typeface="Cambria Math" panose="02040503050406030204" pitchFamily="18" charset="0"/>
+                                </a:rPr>
+                                <m:t>𝑎</m:t>
+                              </m:r>
+                            </m:e>
+                            <m:sub>
+                              <m:r>
+                                <a:rPr lang="de-DE" i="1">
+                                  <a:latin typeface="Cambria Math" panose="02040503050406030204" pitchFamily="18" charset="0"/>
+                                </a:rPr>
+                                <m:t>𝑛</m:t>
+                              </m:r>
+                            </m:sub>
+                          </m:sSub>
+                          <m:sSup>
+                            <m:sSupPr>
+                              <m:ctrlPr>
+                                <a:rPr lang="de-DE" i="1">
+                                  <a:latin typeface="Cambria Math" panose="02040503050406030204" pitchFamily="18" charset="0"/>
+                                </a:rPr>
+                              </m:ctrlPr>
+                            </m:sSupPr>
+                            <m:e>
+                              <m:r>
+                                <a:rPr lang="de-DE" i="1">
+                                  <a:latin typeface="Cambria Math" panose="02040503050406030204" pitchFamily="18" charset="0"/>
+                                </a:rPr>
+                                <m:t>𝑠</m:t>
+                              </m:r>
+                            </m:e>
+                            <m:sup>
+                              <m:r>
+                                <a:rPr lang="de-DE" i="1">
+                                  <a:latin typeface="Cambria Math" panose="02040503050406030204" pitchFamily="18" charset="0"/>
+                                </a:rPr>
+                                <m:t>𝑛</m:t>
+                              </m:r>
+                            </m:sup>
+                          </m:sSup>
+                          <m:r>
+                            <a:rPr lang="de-DE" i="1">
+                              <a:latin typeface="Cambria Math" panose="02040503050406030204" pitchFamily="18" charset="0"/>
+                            </a:rPr>
+                            <m:t>+</m:t>
+                          </m:r>
+                          <m:r>
+                            <a:rPr lang="de-DE" i="1">
+                              <a:latin typeface="Cambria Math" panose="02040503050406030204" pitchFamily="18" charset="0"/>
+                              <a:ea typeface="Cambria Math" panose="02040503050406030204" pitchFamily="18" charset="0"/>
+                            </a:rPr>
+                            <m:t>⋯+</m:t>
+                          </m:r>
+                          <m:sSub>
+                            <m:sSubPr>
+                              <m:ctrlPr>
+                                <a:rPr lang="de-DE" i="1">
+                                  <a:latin typeface="Cambria Math" panose="02040503050406030204" pitchFamily="18" charset="0"/>
+                                  <a:ea typeface="Cambria Math" panose="02040503050406030204" pitchFamily="18" charset="0"/>
+                                </a:rPr>
+                              </m:ctrlPr>
+                            </m:sSubPr>
+                            <m:e>
+                              <m:r>
+                                <a:rPr lang="de-DE" i="1">
+                                  <a:latin typeface="Cambria Math" panose="02040503050406030204" pitchFamily="18" charset="0"/>
+                                  <a:ea typeface="Cambria Math" panose="02040503050406030204" pitchFamily="18" charset="0"/>
+                                </a:rPr>
+                                <m:t>𝑎</m:t>
+                              </m:r>
+                            </m:e>
+                            <m:sub>
+                              <m:r>
+                                <a:rPr lang="de-DE" i="1">
+                                  <a:latin typeface="Cambria Math" panose="02040503050406030204" pitchFamily="18" charset="0"/>
+                                  <a:ea typeface="Cambria Math" panose="02040503050406030204" pitchFamily="18" charset="0"/>
+                                </a:rPr>
+                                <m:t>1</m:t>
+                              </m:r>
+                            </m:sub>
+                          </m:sSub>
+                          <m:r>
+                            <a:rPr lang="de-DE" i="1">
+                              <a:latin typeface="Cambria Math" panose="02040503050406030204" pitchFamily="18" charset="0"/>
+                              <a:ea typeface="Cambria Math" panose="02040503050406030204" pitchFamily="18" charset="0"/>
+                            </a:rPr>
+                            <m:t>𝑠</m:t>
+                          </m:r>
+                          <m:r>
+                            <a:rPr lang="de-DE" i="1">
+                              <a:latin typeface="Cambria Math" panose="02040503050406030204" pitchFamily="18" charset="0"/>
+                              <a:ea typeface="Cambria Math" panose="02040503050406030204" pitchFamily="18" charset="0"/>
+                            </a:rPr>
+                            <m:t>+</m:t>
+                          </m:r>
+                          <m:sSub>
+                            <m:sSubPr>
+                              <m:ctrlPr>
+                                <a:rPr lang="de-DE" i="1">
+                                  <a:latin typeface="Cambria Math" panose="02040503050406030204" pitchFamily="18" charset="0"/>
+                                  <a:ea typeface="Cambria Math" panose="02040503050406030204" pitchFamily="18" charset="0"/>
+                                </a:rPr>
+                              </m:ctrlPr>
+                            </m:sSubPr>
+                            <m:e>
+                              <m:r>
+                                <a:rPr lang="de-DE" i="1">
+                                  <a:latin typeface="Cambria Math" panose="02040503050406030204" pitchFamily="18" charset="0"/>
+                                  <a:ea typeface="Cambria Math" panose="02040503050406030204" pitchFamily="18" charset="0"/>
+                                </a:rPr>
+                                <m:t>𝑎</m:t>
+                              </m:r>
+                            </m:e>
+                            <m:sub>
+                              <m:r>
+                                <a:rPr lang="de-DE" i="1">
+                                  <a:latin typeface="Cambria Math" panose="02040503050406030204" pitchFamily="18" charset="0"/>
+                                  <a:ea typeface="Cambria Math" panose="02040503050406030204" pitchFamily="18" charset="0"/>
+                                </a:rPr>
+                                <m:t>0</m:t>
+                              </m:r>
+                            </m:sub>
+                          </m:sSub>
+                        </m:e>
+                      </m:func>
+                      <m:r>
+                        <a:rPr lang="de-DE" b="0" i="1" smtClean="0">
+                          <a:latin typeface="Cambria Math" panose="02040503050406030204" pitchFamily="18" charset="0"/>
+                        </a:rPr>
+                        <m:t>=0</m:t>
+                      </m:r>
+                    </m:oMath>
+                  </m:oMathPara>
+                </a14:m>
+                <a:endParaRPr lang="de-DE" dirty="0" smtClean="0"/>
+              </a:p>
+              <a:p>
+                <a:endParaRPr lang="de-DE" dirty="0"/>
+              </a:p>
+              <a:p>
+                <a:endParaRPr lang="de-DE" dirty="0"/>
+              </a:p>
+              <a:p>
+                <a:endParaRPr lang="de-DE" dirty="0"/>
+              </a:p>
+            </p:txBody>
+          </p:sp>
+        </mc:Choice>
+        <mc:Fallback>
+          <p:sp>
+            <p:nvSpPr>
+              <p:cNvPr id="6" name="Inhaltsplatzhalter 2"/>
+              <p:cNvSpPr txBox="1">
+                <a:spLocks noRot="1" noChangeAspect="1" noMove="1" noResize="1" noEditPoints="1" noAdjustHandles="1" noChangeArrowheads="1" noChangeShapeType="1" noTextEdit="1"/>
+              </p:cNvSpPr>
+              <p:nvPr/>
+            </p:nvSpPr>
+            <p:spPr bwMode="auto">
+              <a:xfrm>
+                <a:off x="4580561" y="1773238"/>
+                <a:ext cx="4094164" cy="4248150"/>
+              </a:xfrm>
+              <a:prstGeom prst="rect">
+                <a:avLst/>
+              </a:prstGeom>
+              <a:blipFill rotWithShape="0">
+                <a:blip r:embed="rId3"/>
+                <a:stretch>
+                  <a:fillRect l="-3423" t="-1865" r="-1042"/>
+                </a:stretch>
+              </a:blipFill>
+              <a:ln w="9525">
+                <a:noFill/>
+                <a:miter lim="800000"/>
+                <a:headEnd/>
+                <a:tailEnd/>
+              </a:ln>
+            </p:spPr>
+            <p:txBody>
+              <a:bodyPr/>
+              <a:lstStyle/>
+              <a:p>
+                <a:r>
+                  <a:rPr lang="de-DE">
+                    <a:noFill/>
+                  </a:rPr>
+                  <a:t> </a:t>
+                </a:r>
+              </a:p>
+            </p:txBody>
+          </p:sp>
+        </mc:Fallback>
+      </mc:AlternateContent>
+      <mc:AlternateContent xmlns:mc="http://schemas.openxmlformats.org/markup-compatibility/2006">
+        <mc:Choice xmlns:a14="http://schemas.microsoft.com/office/drawing/2010/main" Requires="a14">
+          <p:sp>
+            <p:nvSpPr>
+              <p:cNvPr id="7" name="Textfeld 6"/>
+              <p:cNvSpPr txBox="1"/>
+              <p:nvPr/>
+            </p:nvSpPr>
+            <p:spPr>
+              <a:xfrm>
+                <a:off x="2265712" y="4863571"/>
+                <a:ext cx="4176464" cy="1157817"/>
+              </a:xfrm>
+              <a:prstGeom prst="rect">
+                <a:avLst/>
+              </a:prstGeom>
+              <a:noFill/>
+            </p:spPr>
+            <p:txBody>
+              <a:bodyPr wrap="square" rtlCol="0">
+                <a:spAutoFit/>
+              </a:bodyPr>
+              <a:lstStyle/>
+              <a:p>
+                <a:r>
+                  <a:rPr lang="de-DE" dirty="0"/>
+                  <a:t>Polstellen vorgeben</a:t>
+                </a:r>
+              </a:p>
+              <a:p>
+                <a:pPr/>
+                <a14:m>
+                  <m:oMathPara xmlns:m="http://schemas.openxmlformats.org/officeDocument/2006/math">
+                    <m:oMathParaPr>
+                      <m:jc m:val="centerGroup"/>
+                    </m:oMathParaPr>
+                    <m:oMath xmlns:m="http://schemas.openxmlformats.org/officeDocument/2006/math">
+                      <m:sSub>
+                        <m:sSubPr>
+                          <m:ctrlPr>
+                            <a:rPr lang="de-DE" i="1">
+                              <a:latin typeface="Cambria Math" panose="02040503050406030204" pitchFamily="18" charset="0"/>
+                            </a:rPr>
+                          </m:ctrlPr>
+                        </m:sSubPr>
+                        <m:e>
+                          <m:r>
+                            <a:rPr lang="de-DE" i="1">
+                              <a:latin typeface="Cambria Math" panose="02040503050406030204" pitchFamily="18" charset="0"/>
+                            </a:rPr>
+                            <m:t>𝑎</m:t>
+                          </m:r>
+                        </m:e>
+                        <m:sub>
+                          <m:r>
+                            <a:rPr lang="de-DE" i="1">
+                              <a:latin typeface="Cambria Math" panose="02040503050406030204" pitchFamily="18" charset="0"/>
+                            </a:rPr>
+                            <m:t>𝑛</m:t>
+                          </m:r>
+                        </m:sub>
+                      </m:sSub>
+                      <m:sSup>
+                        <m:sSupPr>
+                          <m:ctrlPr>
+                            <a:rPr lang="de-DE" i="1">
+                              <a:latin typeface="Cambria Math" panose="02040503050406030204" pitchFamily="18" charset="0"/>
+                            </a:rPr>
+                          </m:ctrlPr>
+                        </m:sSupPr>
+                        <m:e>
+                          <m:r>
+                            <a:rPr lang="de-DE" i="1">
+                              <a:latin typeface="Cambria Math" panose="02040503050406030204" pitchFamily="18" charset="0"/>
+                            </a:rPr>
+                            <m:t>𝑠</m:t>
+                          </m:r>
+                        </m:e>
+                        <m:sup>
+                          <m:r>
+                            <a:rPr lang="de-DE" i="1">
+                              <a:latin typeface="Cambria Math" panose="02040503050406030204" pitchFamily="18" charset="0"/>
+                            </a:rPr>
+                            <m:t>𝑛</m:t>
+                          </m:r>
+                        </m:sup>
+                      </m:sSup>
+                      <m:r>
+                        <a:rPr lang="de-DE" i="1">
+                          <a:latin typeface="Cambria Math" panose="02040503050406030204" pitchFamily="18" charset="0"/>
+                        </a:rPr>
+                        <m:t>+</m:t>
+                      </m:r>
+                      <m:r>
+                        <a:rPr lang="de-DE" i="1">
+                          <a:latin typeface="Cambria Math" panose="02040503050406030204" pitchFamily="18" charset="0"/>
+                          <a:ea typeface="Cambria Math" panose="02040503050406030204" pitchFamily="18" charset="0"/>
+                        </a:rPr>
+                        <m:t>⋯+</m:t>
+                      </m:r>
+                      <m:sSub>
+                        <m:sSubPr>
+                          <m:ctrlPr>
+                            <a:rPr lang="de-DE" i="1">
+                              <a:latin typeface="Cambria Math" panose="02040503050406030204" pitchFamily="18" charset="0"/>
+                              <a:ea typeface="Cambria Math" panose="02040503050406030204" pitchFamily="18" charset="0"/>
+                            </a:rPr>
+                          </m:ctrlPr>
+                        </m:sSubPr>
+                        <m:e>
+                          <m:r>
+                            <a:rPr lang="de-DE" i="1">
+                              <a:latin typeface="Cambria Math" panose="02040503050406030204" pitchFamily="18" charset="0"/>
+                              <a:ea typeface="Cambria Math" panose="02040503050406030204" pitchFamily="18" charset="0"/>
+                            </a:rPr>
+                            <m:t>𝑎</m:t>
+                          </m:r>
+                        </m:e>
+                        <m:sub>
+                          <m:r>
+                            <a:rPr lang="de-DE" i="1">
+                              <a:latin typeface="Cambria Math" panose="02040503050406030204" pitchFamily="18" charset="0"/>
+                              <a:ea typeface="Cambria Math" panose="02040503050406030204" pitchFamily="18" charset="0"/>
+                            </a:rPr>
+                            <m:t>1</m:t>
+                          </m:r>
+                        </m:sub>
+                      </m:sSub>
+                      <m:r>
+                        <a:rPr lang="de-DE" i="1">
+                          <a:latin typeface="Cambria Math" panose="02040503050406030204" pitchFamily="18" charset="0"/>
+                          <a:ea typeface="Cambria Math" panose="02040503050406030204" pitchFamily="18" charset="0"/>
+                        </a:rPr>
+                        <m:t>𝑠</m:t>
+                      </m:r>
+                      <m:r>
+                        <a:rPr lang="de-DE" i="1">
+                          <a:latin typeface="Cambria Math" panose="02040503050406030204" pitchFamily="18" charset="0"/>
+                          <a:ea typeface="Cambria Math" panose="02040503050406030204" pitchFamily="18" charset="0"/>
+                        </a:rPr>
+                        <m:t>+</m:t>
+                      </m:r>
+                      <m:sSub>
+                        <m:sSubPr>
+                          <m:ctrlPr>
+                            <a:rPr lang="de-DE" i="1">
+                              <a:latin typeface="Cambria Math" panose="02040503050406030204" pitchFamily="18" charset="0"/>
+                              <a:ea typeface="Cambria Math" panose="02040503050406030204" pitchFamily="18" charset="0"/>
+                            </a:rPr>
+                          </m:ctrlPr>
+                        </m:sSubPr>
+                        <m:e>
+                          <m:r>
+                            <a:rPr lang="de-DE" i="1">
+                              <a:latin typeface="Cambria Math" panose="02040503050406030204" pitchFamily="18" charset="0"/>
+                              <a:ea typeface="Cambria Math" panose="02040503050406030204" pitchFamily="18" charset="0"/>
+                            </a:rPr>
+                            <m:t>𝑎</m:t>
+                          </m:r>
+                        </m:e>
+                        <m:sub>
+                          <m:r>
+                            <a:rPr lang="de-DE" i="1">
+                              <a:latin typeface="Cambria Math" panose="02040503050406030204" pitchFamily="18" charset="0"/>
+                              <a:ea typeface="Cambria Math" panose="02040503050406030204" pitchFamily="18" charset="0"/>
+                            </a:rPr>
+                            <m:t>0</m:t>
+                          </m:r>
+                        </m:sub>
+                      </m:sSub>
+                      <m:r>
+                        <a:rPr lang="de-DE" i="1">
+                          <a:latin typeface="Cambria Math" panose="02040503050406030204" pitchFamily="18" charset="0"/>
+                        </a:rPr>
+                        <m:t>= </m:t>
+                      </m:r>
+                      <m:nary>
+                        <m:naryPr>
+                          <m:chr m:val="∏"/>
+                          <m:ctrlPr>
+                            <a:rPr lang="de-DE" i="1">
+                              <a:latin typeface="Cambria Math" panose="02040503050406030204" pitchFamily="18" charset="0"/>
+                            </a:rPr>
+                          </m:ctrlPr>
+                        </m:naryPr>
+                        <m:sub>
+                          <m:r>
+                            <m:rPr>
+                              <m:brk m:alnAt="23"/>
+                            </m:rPr>
+                            <a:rPr lang="de-DE" i="1">
+                              <a:latin typeface="Cambria Math" panose="02040503050406030204" pitchFamily="18" charset="0"/>
+                            </a:rPr>
+                            <m:t>𝑛</m:t>
+                          </m:r>
+                        </m:sub>
+                        <m:sup>
+                          <m:r>
+                            <a:rPr lang="de-DE" i="1">
+                              <a:latin typeface="Cambria Math" panose="02040503050406030204" pitchFamily="18" charset="0"/>
+                            </a:rPr>
+                            <m:t>𝑖</m:t>
+                          </m:r>
+                          <m:r>
+                            <a:rPr lang="de-DE" i="1">
+                              <a:latin typeface="Cambria Math" panose="02040503050406030204" pitchFamily="18" charset="0"/>
+                            </a:rPr>
+                            <m:t>=1</m:t>
+                          </m:r>
+                        </m:sup>
+                        <m:e>
+                          <m:r>
+                            <a:rPr lang="de-DE" i="1">
+                              <a:latin typeface="Cambria Math" panose="02040503050406030204" pitchFamily="18" charset="0"/>
+                            </a:rPr>
+                            <m:t>(</m:t>
+                          </m:r>
+                          <m:r>
+                            <a:rPr lang="de-DE" i="1">
+                              <a:latin typeface="Cambria Math" panose="02040503050406030204" pitchFamily="18" charset="0"/>
+                            </a:rPr>
+                            <m:t>𝑠</m:t>
+                          </m:r>
+                          <m:r>
+                            <a:rPr lang="de-DE" i="1">
+                              <a:latin typeface="Cambria Math" panose="02040503050406030204" pitchFamily="18" charset="0"/>
+                            </a:rPr>
+                            <m:t>−</m:t>
+                          </m:r>
+                          <m:sSub>
+                            <m:sSubPr>
+                              <m:ctrlPr>
+                                <a:rPr lang="de-DE" i="1">
+                                  <a:latin typeface="Cambria Math" panose="02040503050406030204" pitchFamily="18" charset="0"/>
+                                  <a:sym typeface="Symbol" panose="05050102010706020507" pitchFamily="18" charset="2"/>
+                                </a:rPr>
+                              </m:ctrlPr>
+                            </m:sSubPr>
+                            <m:e>
+                              <m:r>
+                                <a:rPr lang="de-DE" i="1">
+                                  <a:latin typeface="Cambria Math" panose="02040503050406030204" pitchFamily="18" charset="0"/>
+                                  <a:sym typeface="Symbol" panose="05050102010706020507" pitchFamily="18" charset="2"/>
+                                </a:rPr>
+                                <m:t></m:t>
+                              </m:r>
+                            </m:e>
+                            <m:sub>
+                              <m:r>
+                                <a:rPr lang="de-DE" i="1">
+                                  <a:latin typeface="Cambria Math" panose="02040503050406030204" pitchFamily="18" charset="0"/>
+                                  <a:sym typeface="Symbol" panose="05050102010706020507" pitchFamily="18" charset="2"/>
+                                </a:rPr>
+                                <m:t>𝑖</m:t>
+                              </m:r>
+                            </m:sub>
+                          </m:sSub>
+                          <m:r>
+                            <a:rPr lang="de-DE" i="1">
+                              <a:latin typeface="Cambria Math" panose="02040503050406030204" pitchFamily="18" charset="0"/>
+                              <a:sym typeface="Symbol" panose="05050102010706020507" pitchFamily="18" charset="2"/>
+                            </a:rPr>
+                            <m:t>)</m:t>
+                          </m:r>
+                        </m:e>
+                      </m:nary>
+                    </m:oMath>
+                  </m:oMathPara>
+                </a14:m>
+                <a:endParaRPr lang="de-DE" dirty="0"/>
+              </a:p>
+            </p:txBody>
+          </p:sp>
+        </mc:Choice>
+        <mc:Fallback>
+          <p:sp>
+            <p:nvSpPr>
+              <p:cNvPr id="7" name="Textfeld 6"/>
+              <p:cNvSpPr txBox="1">
+                <a:spLocks noRot="1" noChangeAspect="1" noMove="1" noResize="1" noEditPoints="1" noAdjustHandles="1" noChangeArrowheads="1" noChangeShapeType="1" noTextEdit="1"/>
+              </p:cNvSpPr>
+              <p:nvPr/>
+            </p:nvSpPr>
+            <p:spPr>
+              <a:xfrm>
+                <a:off x="2265712" y="4863571"/>
+                <a:ext cx="4176464" cy="1157817"/>
+              </a:xfrm>
+              <a:prstGeom prst="rect">
+                <a:avLst/>
+              </a:prstGeom>
+              <a:blipFill rotWithShape="0">
+                <a:blip r:embed="rId4"/>
+                <a:stretch>
+                  <a:fillRect l="-1314" t="-3158"/>
+                </a:stretch>
+              </a:blipFill>
+            </p:spPr>
+            <p:txBody>
+              <a:bodyPr/>
+              <a:lstStyle/>
+              <a:p>
+                <a:r>
+                  <a:rPr lang="de-DE">
+                    <a:noFill/>
+                  </a:rPr>
+                  <a:t> </a:t>
+                </a:r>
+              </a:p>
+            </p:txBody>
+          </p:sp>
+        </mc:Fallback>
+      </mc:AlternateContent>
+      <p:cxnSp>
+        <p:nvCxnSpPr>
+          <p:cNvPr id="9" name="Gerader Verbinder 8"/>
+          <p:cNvCxnSpPr/>
+          <p:nvPr/>
+        </p:nvCxnSpPr>
+        <p:spPr bwMode="auto">
+          <a:xfrm flipH="1">
+            <a:off x="4427984" y="1628800"/>
+            <a:ext cx="0" cy="3096344"/>
+          </a:xfrm>
+          <a:prstGeom prst="line">
+            <a:avLst/>
+          </a:prstGeom>
+          <a:noFill/>
+          <a:ln w="9525" cap="flat" cmpd="sng" algn="ctr">
+            <a:solidFill>
+              <a:schemeClr val="tx1"/>
+            </a:solidFill>
+            <a:prstDash val="solid"/>
+            <a:round/>
+            <a:headEnd type="none" w="med" len="med"/>
+            <a:tailEnd type="none" w="med" len="med"/>
+          </a:ln>
+          <a:effectLst/>
+          <a:extLst>
+            <a:ext uri="{909E8E84-426E-40DD-AFC4-6F175D3DCCD1}">
+              <a14:hiddenFill xmlns:a14="http://schemas.microsoft.com/office/drawing/2010/main">
+                <a:solidFill>
+                  <a:schemeClr val="accent1"/>
+                </a:solidFill>
+              </a14:hiddenFill>
+            </a:ext>
+            <a:ext uri="{AF507438-7753-43E0-B8FC-AC1667EBCBE1}">
+              <a14:hiddenEffects xmlns:a14="http://schemas.microsoft.com/office/drawing/2010/main">
+                <a:effectLst>
+                  <a:outerShdw dist="35921" dir="2700000" algn="ctr" rotWithShape="0">
+                    <a:schemeClr val="bg2"/>
+                  </a:outerShdw>
+                </a:effectLst>
+              </a14:hiddenEffects>
+            </a:ext>
+          </a:extLst>
+        </p:spPr>
+      </p:cxnSp>
+    </p:spTree>
+    <p:extLst>
+      <p:ext uri="{BB962C8B-B14F-4D97-AF65-F5344CB8AC3E}">
+        <p14:creationId xmlns:p14="http://schemas.microsoft.com/office/powerpoint/2010/main" val="2125702088"/>
+      </p:ext>
+    </p:extLst>
+  </p:cSld>
+  <p:clrMapOvr>
+    <a:masterClrMapping/>
+  </p:clrMapOvr>
+  <p:timing>
+    <p:tnLst>
+      <p:par>
+        <p:cTn id="1" dur="indefinite" restart="never" nodeType="tmRoot"/>
+      </p:par>
+    </p:tnLst>
+  </p:timing>
+</p:sld>
+</file>
+
+<file path=ppt/slides/slide37.xml><?xml version="1.0" encoding="utf-8"?>
+<p:sld xmlns:a="http://schemas.openxmlformats.org/drawingml/2006/main" xmlns:r="http://schemas.openxmlformats.org/officeDocument/2006/relationships" xmlns:p="http://schemas.openxmlformats.org/presentationml/2006/main">
+  <p:cSld>
+    <p:spTree>
+      <p:nvGrpSpPr>
+        <p:cNvPr id="1" name=""/>
+        <p:cNvGrpSpPr/>
+        <p:nvPr/>
+      </p:nvGrpSpPr>
+      <p:grpSpPr>
+        <a:xfrm>
+          <a:off x="0" y="0"/>
+          <a:ext cx="0" cy="0"/>
+          <a:chOff x="0" y="0"/>
+          <a:chExt cx="0" cy="0"/>
+        </a:xfrm>
+      </p:grpSpPr>
+      <p:sp>
+        <p:nvSpPr>
+          <p:cNvPr id="2" name="Titel 1"/>
+          <p:cNvSpPr>
+            <a:spLocks noGrp="1"/>
+          </p:cNvSpPr>
+          <p:nvPr>
+            <p:ph type="title"/>
+          </p:nvPr>
+        </p:nvSpPr>
+        <p:spPr>
+          <a:xfrm>
+            <a:off x="466725" y="334800"/>
+            <a:ext cx="8208000" cy="738664"/>
+          </a:xfrm>
+        </p:spPr>
+        <p:txBody>
+          <a:bodyPr/>
+          <a:lstStyle/>
+          <a:p>
+            <a:r>
+              <a:rPr lang="de-DE" dirty="0" smtClean="0"/>
+              <a:t>Zusatzfolie</a:t>
+            </a:r>
+            <a:br>
+              <a:rPr lang="de-DE" dirty="0" smtClean="0"/>
+            </a:br>
+            <a:r>
+              <a:rPr lang="de-DE" dirty="0" smtClean="0">
+                <a:solidFill>
+                  <a:schemeClr val="tx2"/>
+                </a:solidFill>
+              </a:rPr>
+              <a:t>Stabilitätsgebiet</a:t>
+            </a:r>
+            <a:endParaRPr lang="de-DE" dirty="0">
+              <a:solidFill>
+                <a:schemeClr val="tx2"/>
+              </a:solidFill>
+            </a:endParaRPr>
+          </a:p>
+        </p:txBody>
+      </p:sp>
+      <p:pic>
+        <p:nvPicPr>
+          <p:cNvPr id="6" name="Inhaltsplatzhalter 5"/>
+          <p:cNvPicPr>
+            <a:picLocks noGrp="1" noChangeAspect="1"/>
+          </p:cNvPicPr>
+          <p:nvPr>
+            <p:ph idx="1"/>
+          </p:nvPr>
+        </p:nvPicPr>
+        <p:blipFill>
+          <a:blip r:embed="rId2"/>
+          <a:stretch>
+            <a:fillRect/>
+          </a:stretch>
+        </p:blipFill>
+        <p:spPr>
+          <a:xfrm>
+            <a:off x="1765161" y="1773238"/>
+            <a:ext cx="5610502" cy="4248150"/>
+          </a:xfrm>
+          <a:prstGeom prst="rect">
+            <a:avLst/>
+          </a:prstGeom>
+        </p:spPr>
+      </p:pic>
+      <p:sp>
+        <p:nvSpPr>
+          <p:cNvPr id="4" name="Datumsplatzhalter 3"/>
+          <p:cNvSpPr>
+            <a:spLocks noGrp="1"/>
+          </p:cNvSpPr>
+          <p:nvPr>
+            <p:ph type="dt" sz="half" idx="2"/>
+          </p:nvPr>
+        </p:nvSpPr>
+        <p:spPr/>
+        <p:txBody>
+          <a:bodyPr/>
+          <a:lstStyle/>
+          <a:p>
+            <a:fld id="{06779667-B4A8-4B7E-9ECB-6AC6BAAAF423}" type="datetime1">
+              <a:rPr lang="de-DE" smtClean="0"/>
+              <a:t>16.02.2015</a:t>
+            </a:fld>
+            <a:endParaRPr lang="de-DE" dirty="0"/>
+          </a:p>
+        </p:txBody>
+      </p:sp>
+      <p:sp>
+        <p:nvSpPr>
+          <p:cNvPr id="5" name="Foliennummernplatzhalter 4"/>
+          <p:cNvSpPr>
+            <a:spLocks noGrp="1"/>
+          </p:cNvSpPr>
+          <p:nvPr>
+            <p:ph type="sldNum" sz="quarter" idx="4"/>
+          </p:nvPr>
+        </p:nvSpPr>
+        <p:spPr/>
+        <p:txBody>
+          <a:bodyPr/>
+          <a:lstStyle/>
+          <a:p>
+            <a:fld id="{33C21464-E29C-4E31-8D40-E8CC0C45CD35}" type="slidenum">
+              <a:rPr lang="de-DE" smtClean="0"/>
+              <a:pPr/>
+              <a:t>37</a:t>
+            </a:fld>
+            <a:endParaRPr lang="de-DE" dirty="0"/>
+          </a:p>
+        </p:txBody>
+      </p:sp>
+    </p:spTree>
+    <p:extLst>
+      <p:ext uri="{BB962C8B-B14F-4D97-AF65-F5344CB8AC3E}">
+        <p14:creationId xmlns:p14="http://schemas.microsoft.com/office/powerpoint/2010/main" val="1334384597"/>
+      </p:ext>
+    </p:extLst>
+  </p:cSld>
+  <p:clrMapOvr>
+    <a:masterClrMapping/>
+  </p:clrMapOvr>
+</p:sld>
+</file>
+
+<file path=ppt/slides/slide38.xml><?xml version="1.0" encoding="utf-8"?>
+<p:sld xmlns:a="http://schemas.openxmlformats.org/drawingml/2006/main" xmlns:r="http://schemas.openxmlformats.org/officeDocument/2006/relationships" xmlns:p="http://schemas.openxmlformats.org/presentationml/2006/main">
+  <p:cSld>
+    <p:spTree>
+      <p:nvGrpSpPr>
+        <p:cNvPr id="1" name=""/>
+        <p:cNvGrpSpPr/>
+        <p:nvPr/>
+      </p:nvGrpSpPr>
+      <p:grpSpPr>
+        <a:xfrm>
+          <a:off x="0" y="0"/>
+          <a:ext cx="0" cy="0"/>
+          <a:chOff x="0" y="0"/>
+          <a:chExt cx="0" cy="0"/>
+        </a:xfrm>
+      </p:grpSpPr>
+      <p:sp>
+        <p:nvSpPr>
+          <p:cNvPr id="2" name="Titel 1"/>
+          <p:cNvSpPr>
+            <a:spLocks noGrp="1"/>
+          </p:cNvSpPr>
+          <p:nvPr>
+            <p:ph type="title"/>
+          </p:nvPr>
+        </p:nvSpPr>
+        <p:spPr>
+          <a:xfrm>
+            <a:off x="466725" y="334800"/>
+            <a:ext cx="8208000" cy="738664"/>
+          </a:xfrm>
+        </p:spPr>
+        <p:txBody>
+          <a:bodyPr/>
+          <a:lstStyle/>
+          <a:p>
+            <a:r>
+              <a:rPr lang="de-DE" dirty="0" smtClean="0"/>
+              <a:t>Zusatzfolie</a:t>
+            </a:r>
+            <a:br>
+              <a:rPr lang="de-DE" dirty="0" smtClean="0"/>
+            </a:br>
+            <a:r>
+              <a:rPr lang="de-DE" dirty="0" smtClean="0">
+                <a:solidFill>
+                  <a:schemeClr val="tx2"/>
+                </a:solidFill>
+              </a:rPr>
+              <a:t>Beobachter</a:t>
+            </a:r>
+            <a:endParaRPr lang="de-DE" dirty="0">
+              <a:solidFill>
+                <a:schemeClr val="tx2"/>
+              </a:solidFill>
+            </a:endParaRPr>
+          </a:p>
+        </p:txBody>
+      </p:sp>
+      <mc:AlternateContent xmlns:mc="http://schemas.openxmlformats.org/markup-compatibility/2006">
+        <mc:Choice xmlns:a14="http://schemas.microsoft.com/office/drawing/2010/main" Requires="a14">
+          <p:sp>
+            <p:nvSpPr>
+              <p:cNvPr id="3" name="Inhaltsplatzhalter 2"/>
+              <p:cNvSpPr>
+                <a:spLocks noGrp="1"/>
+              </p:cNvSpPr>
+              <p:nvPr>
+                <p:ph idx="1"/>
+              </p:nvPr>
+            </p:nvSpPr>
+            <p:spPr>
+              <a:xfrm>
+                <a:off x="466725" y="1773238"/>
+                <a:ext cx="3889251" cy="4248150"/>
+              </a:xfrm>
+            </p:spPr>
+            <p:txBody>
+              <a:bodyPr/>
+              <a:lstStyle/>
+              <a:p>
+                <a:r>
+                  <a:rPr lang="de-DE" dirty="0" smtClean="0"/>
+                  <a:t>Zstd.-Dgl. </a:t>
+                </a:r>
+                <a:r>
+                  <a:rPr lang="de-DE" dirty="0"/>
+                  <a:t>e</a:t>
+                </a:r>
+                <a:r>
+                  <a:rPr lang="de-DE" dirty="0" smtClean="0"/>
+                  <a:t>rweitertes Modell</a:t>
+                </a:r>
+              </a:p>
+              <a:p>
+                <a:endParaRPr lang="de-DE" dirty="0"/>
+              </a:p>
+              <a:p>
+                <a14:m>
+                  <m:oMathPara xmlns:m="http://schemas.openxmlformats.org/officeDocument/2006/math">
+                    <m:oMathParaPr>
+                      <m:jc m:val="centerGroup"/>
+                    </m:oMathParaPr>
+                    <m:oMath xmlns:m="http://schemas.openxmlformats.org/officeDocument/2006/math">
+                      <m:acc>
+                        <m:accPr>
+                          <m:chr m:val="̇"/>
+                          <m:ctrlPr>
+                            <a:rPr lang="de-DE" i="1" smtClean="0">
+                              <a:latin typeface="Cambria Math" panose="02040503050406030204" pitchFamily="18" charset="0"/>
+                            </a:rPr>
+                          </m:ctrlPr>
+                        </m:accPr>
+                        <m:e>
+                          <m:r>
+                            <a:rPr lang="de-DE" b="0" i="1" smtClean="0">
+                              <a:latin typeface="Cambria Math" panose="02040503050406030204" pitchFamily="18" charset="0"/>
+                            </a:rPr>
+                            <m:t>𝑥</m:t>
+                          </m:r>
+                        </m:e>
+                      </m:acc>
+                      <m:r>
+                        <a:rPr lang="de-DE" b="0" i="1" smtClean="0">
+                          <a:latin typeface="Cambria Math" panose="02040503050406030204" pitchFamily="18" charset="0"/>
+                        </a:rPr>
+                        <m:t>= </m:t>
+                      </m:r>
+                      <m:d>
+                        <m:dPr>
+                          <m:begChr m:val="["/>
+                          <m:endChr m:val="]"/>
+                          <m:ctrlPr>
+                            <a:rPr lang="de-DE" b="0" i="1" smtClean="0">
+                              <a:latin typeface="Cambria Math" panose="02040503050406030204" pitchFamily="18" charset="0"/>
+                            </a:rPr>
+                          </m:ctrlPr>
+                        </m:dPr>
+                        <m:e>
+                          <m:m>
+                            <m:mPr>
+                              <m:mcs>
+                                <m:mc>
+                                  <m:mcPr>
+                                    <m:count m:val="3"/>
+                                    <m:mcJc m:val="center"/>
+                                  </m:mcPr>
+                                </m:mc>
+                              </m:mcs>
+                              <m:ctrlPr>
+                                <a:rPr lang="de-DE" b="0" i="1" smtClean="0">
+                                  <a:latin typeface="Cambria Math" panose="02040503050406030204" pitchFamily="18" charset="0"/>
+                                </a:rPr>
+                              </m:ctrlPr>
+                            </m:mPr>
+                            <m:mr>
+                              <m:e>
+                                <m:r>
+                                  <m:rPr>
+                                    <m:brk m:alnAt="7"/>
+                                  </m:rPr>
+                                  <a:rPr lang="de-DE" b="0" i="1" smtClean="0">
+                                    <a:latin typeface="Cambria Math" panose="02040503050406030204" pitchFamily="18" charset="0"/>
+                                  </a:rPr>
+                                  <m:t>0</m:t>
+                                </m:r>
+                              </m:e>
+                              <m:e>
+                                <m:r>
+                                  <a:rPr lang="de-DE" b="0" i="1" smtClean="0">
+                                    <a:latin typeface="Cambria Math" panose="02040503050406030204" pitchFamily="18" charset="0"/>
+                                  </a:rPr>
+                                  <m:t>1</m:t>
+                                </m:r>
+                              </m:e>
+                              <m:e>
+                                <m:r>
+                                  <a:rPr lang="de-DE" b="0" i="1" smtClean="0">
+                                    <a:latin typeface="Cambria Math" panose="02040503050406030204" pitchFamily="18" charset="0"/>
+                                  </a:rPr>
+                                  <m:t>0</m:t>
+                                </m:r>
+                              </m:e>
+                            </m:mr>
+                            <m:mr>
+                              <m:e>
+                                <m:r>
+                                  <a:rPr lang="de-DE" b="0" i="1" smtClean="0">
+                                    <a:latin typeface="Cambria Math" panose="02040503050406030204" pitchFamily="18" charset="0"/>
+                                  </a:rPr>
+                                  <m:t>0</m:t>
+                                </m:r>
+                              </m:e>
+                              <m:e>
+                                <m:r>
+                                  <a:rPr lang="de-DE" b="0" i="1" smtClean="0">
+                                    <a:latin typeface="Cambria Math" panose="02040503050406030204" pitchFamily="18" charset="0"/>
+                                  </a:rPr>
+                                  <m:t>0</m:t>
+                                </m:r>
+                              </m:e>
+                              <m:e>
+                                <m:r>
+                                  <a:rPr lang="de-DE" b="0" i="1" smtClean="0">
+                                    <a:latin typeface="Cambria Math" panose="02040503050406030204" pitchFamily="18" charset="0"/>
+                                  </a:rPr>
+                                  <m:t>1</m:t>
+                                </m:r>
+                              </m:e>
+                            </m:mr>
+                            <m:mr>
+                              <m:e>
+                                <m:r>
+                                  <a:rPr lang="de-DE" b="0" i="1" smtClean="0">
+                                    <a:latin typeface="Cambria Math" panose="02040503050406030204" pitchFamily="18" charset="0"/>
+                                  </a:rPr>
+                                  <m:t>0</m:t>
+                                </m:r>
+                              </m:e>
+                              <m:e>
+                                <m:r>
+                                  <a:rPr lang="de-DE" b="0" i="1" smtClean="0">
+                                    <a:latin typeface="Cambria Math" panose="02040503050406030204" pitchFamily="18" charset="0"/>
+                                  </a:rPr>
+                                  <m:t>0</m:t>
+                                </m:r>
+                              </m:e>
+                              <m:e>
+                                <m:r>
+                                  <a:rPr lang="de-DE" b="0" i="1" smtClean="0">
+                                    <a:latin typeface="Cambria Math" panose="02040503050406030204" pitchFamily="18" charset="0"/>
+                                  </a:rPr>
+                                  <m:t>0</m:t>
+                                </m:r>
+                              </m:e>
+                            </m:mr>
+                          </m:m>
+                        </m:e>
+                      </m:d>
+                      <m:r>
+                        <a:rPr lang="de-DE" b="0" i="1" smtClean="0">
+                          <a:latin typeface="Cambria Math" panose="02040503050406030204" pitchFamily="18" charset="0"/>
+                          <a:ea typeface="Cambria Math" panose="02040503050406030204" pitchFamily="18" charset="0"/>
+                        </a:rPr>
+                        <m:t>∙</m:t>
+                      </m:r>
+                      <m:r>
+                        <a:rPr lang="de-DE" b="0" i="1" smtClean="0">
+                          <a:latin typeface="Cambria Math" panose="02040503050406030204" pitchFamily="18" charset="0"/>
+                          <a:ea typeface="Cambria Math" panose="02040503050406030204" pitchFamily="18" charset="0"/>
+                        </a:rPr>
+                        <m:t>𝑥</m:t>
+                      </m:r>
+                      <m:r>
+                        <a:rPr lang="de-DE" b="0" i="1" smtClean="0">
+                          <a:latin typeface="Cambria Math" panose="02040503050406030204" pitchFamily="18" charset="0"/>
+                          <a:ea typeface="Cambria Math" panose="02040503050406030204" pitchFamily="18" charset="0"/>
+                        </a:rPr>
+                        <m:t>+</m:t>
+                      </m:r>
+                      <m:d>
+                        <m:dPr>
+                          <m:begChr m:val="["/>
+                          <m:endChr m:val="]"/>
+                          <m:ctrlPr>
+                            <a:rPr lang="de-DE" b="0" i="1" smtClean="0">
+                              <a:latin typeface="Cambria Math" panose="02040503050406030204" pitchFamily="18" charset="0"/>
+                              <a:ea typeface="Cambria Math" panose="02040503050406030204" pitchFamily="18" charset="0"/>
+                            </a:rPr>
+                          </m:ctrlPr>
+                        </m:dPr>
+                        <m:e>
+                          <m:m>
+                            <m:mPr>
+                              <m:mcs>
+                                <m:mc>
+                                  <m:mcPr>
+                                    <m:count m:val="1"/>
+                                    <m:mcJc m:val="center"/>
+                                  </m:mcPr>
+                                </m:mc>
+                              </m:mcs>
+                              <m:ctrlPr>
+                                <a:rPr lang="de-DE" b="0" i="1" smtClean="0">
+                                  <a:latin typeface="Cambria Math" panose="02040503050406030204" pitchFamily="18" charset="0"/>
+                                  <a:ea typeface="Cambria Math" panose="02040503050406030204" pitchFamily="18" charset="0"/>
+                                </a:rPr>
+                              </m:ctrlPr>
+                            </m:mPr>
+                            <m:mr>
+                              <m:e>
+                                <m:r>
+                                  <m:rPr>
+                                    <m:brk m:alnAt="7"/>
+                                  </m:rPr>
+                                  <a:rPr lang="de-DE" b="0" i="1" smtClean="0">
+                                    <a:latin typeface="Cambria Math" panose="02040503050406030204" pitchFamily="18" charset="0"/>
+                                    <a:ea typeface="Cambria Math" panose="02040503050406030204" pitchFamily="18" charset="0"/>
+                                  </a:rPr>
+                                  <m:t>0</m:t>
+                                </m:r>
+                              </m:e>
+                            </m:mr>
+                            <m:mr>
+                              <m:e>
+                                <m:r>
+                                  <a:rPr lang="de-DE" b="0" i="1" smtClean="0">
+                                    <a:latin typeface="Cambria Math" panose="02040503050406030204" pitchFamily="18" charset="0"/>
+                                    <a:ea typeface="Cambria Math" panose="02040503050406030204" pitchFamily="18" charset="0"/>
+                                  </a:rPr>
+                                  <m:t>1</m:t>
+                                </m:r>
+                              </m:e>
+                            </m:mr>
+                            <m:mr>
+                              <m:e>
+                                <m:r>
+                                  <a:rPr lang="de-DE" b="0" i="1" smtClean="0">
+                                    <a:latin typeface="Cambria Math" panose="02040503050406030204" pitchFamily="18" charset="0"/>
+                                    <a:ea typeface="Cambria Math" panose="02040503050406030204" pitchFamily="18" charset="0"/>
+                                  </a:rPr>
+                                  <m:t>0</m:t>
+                                </m:r>
+                              </m:e>
+                            </m:mr>
+                          </m:m>
+                        </m:e>
+                      </m:d>
+                      <m:r>
+                        <a:rPr lang="de-DE" b="0" i="1" smtClean="0">
+                          <a:latin typeface="Cambria Math" panose="02040503050406030204" pitchFamily="18" charset="0"/>
+                          <a:ea typeface="Cambria Math" panose="02040503050406030204" pitchFamily="18" charset="0"/>
+                        </a:rPr>
+                        <m:t>∙</m:t>
+                      </m:r>
+                      <m:r>
+                        <a:rPr lang="de-DE" b="0" i="1" smtClean="0">
+                          <a:latin typeface="Cambria Math" panose="02040503050406030204" pitchFamily="18" charset="0"/>
+                          <a:ea typeface="Cambria Math" panose="02040503050406030204" pitchFamily="18" charset="0"/>
+                        </a:rPr>
+                        <m:t>𝑢</m:t>
+                      </m:r>
+                    </m:oMath>
+                    <m:oMath xmlns:m="http://schemas.openxmlformats.org/officeDocument/2006/math">
+                      <m:r>
+                        <a:rPr lang="de-DE" b="0" i="1" smtClean="0">
+                          <a:latin typeface="Cambria Math" panose="02040503050406030204" pitchFamily="18" charset="0"/>
+                          <a:ea typeface="Cambria Math" panose="02040503050406030204" pitchFamily="18" charset="0"/>
+                        </a:rPr>
+                        <m:t>𝑦</m:t>
+                      </m:r>
+                      <m:r>
+                        <a:rPr lang="de-DE" b="0" i="1" smtClean="0">
+                          <a:latin typeface="Cambria Math" panose="02040503050406030204" pitchFamily="18" charset="0"/>
+                          <a:ea typeface="Cambria Math" panose="02040503050406030204" pitchFamily="18" charset="0"/>
+                        </a:rPr>
+                        <m:t>= </m:t>
+                      </m:r>
+                      <m:d>
+                        <m:dPr>
+                          <m:begChr m:val="["/>
+                          <m:endChr m:val="]"/>
+                          <m:ctrlPr>
+                            <a:rPr lang="de-DE" b="0" i="1" smtClean="0">
+                              <a:latin typeface="Cambria Math" panose="02040503050406030204" pitchFamily="18" charset="0"/>
+                              <a:ea typeface="Cambria Math" panose="02040503050406030204" pitchFamily="18" charset="0"/>
+                            </a:rPr>
+                          </m:ctrlPr>
+                        </m:dPr>
+                        <m:e>
+                          <m:m>
+                            <m:mPr>
+                              <m:mcs>
+                                <m:mc>
+                                  <m:mcPr>
+                                    <m:count m:val="3"/>
+                                    <m:mcJc m:val="center"/>
+                                  </m:mcPr>
+                                </m:mc>
+                              </m:mcs>
+                              <m:ctrlPr>
+                                <a:rPr lang="de-DE" b="0" i="1" smtClean="0">
+                                  <a:latin typeface="Cambria Math" panose="02040503050406030204" pitchFamily="18" charset="0"/>
+                                  <a:ea typeface="Cambria Math" panose="02040503050406030204" pitchFamily="18" charset="0"/>
+                                </a:rPr>
+                              </m:ctrlPr>
+                            </m:mPr>
+                            <m:mr>
+                              <m:e>
+                                <m:r>
+                                  <m:rPr>
+                                    <m:brk m:alnAt="7"/>
+                                  </m:rPr>
+                                  <a:rPr lang="de-DE" b="0" i="1" smtClean="0">
+                                    <a:latin typeface="Cambria Math" panose="02040503050406030204" pitchFamily="18" charset="0"/>
+                                    <a:ea typeface="Cambria Math" panose="02040503050406030204" pitchFamily="18" charset="0"/>
+                                  </a:rPr>
+                                  <m:t>1</m:t>
+                                </m:r>
+                              </m:e>
+                              <m:e>
+                                <m:r>
+                                  <a:rPr lang="de-DE" b="0" i="1" smtClean="0">
+                                    <a:latin typeface="Cambria Math" panose="02040503050406030204" pitchFamily="18" charset="0"/>
+                                    <a:ea typeface="Cambria Math" panose="02040503050406030204" pitchFamily="18" charset="0"/>
+                                  </a:rPr>
+                                  <m:t>0</m:t>
+                                </m:r>
+                              </m:e>
+                              <m:e>
+                                <m:r>
+                                  <a:rPr lang="de-DE" b="0" i="1" smtClean="0">
+                                    <a:latin typeface="Cambria Math" panose="02040503050406030204" pitchFamily="18" charset="0"/>
+                                    <a:ea typeface="Cambria Math" panose="02040503050406030204" pitchFamily="18" charset="0"/>
+                                  </a:rPr>
+                                  <m:t>0</m:t>
+                                </m:r>
+                              </m:e>
+                            </m:mr>
+                          </m:m>
+                        </m:e>
+                      </m:d>
+                      <m:r>
+                        <a:rPr lang="de-DE" b="0" i="1" smtClean="0">
+                          <a:latin typeface="Cambria Math" panose="02040503050406030204" pitchFamily="18" charset="0"/>
+                          <a:ea typeface="Cambria Math" panose="02040503050406030204" pitchFamily="18" charset="0"/>
+                        </a:rPr>
+                        <m:t>∙</m:t>
+                      </m:r>
+                      <m:r>
+                        <a:rPr lang="de-DE" b="0" i="1" smtClean="0">
+                          <a:latin typeface="Cambria Math" panose="02040503050406030204" pitchFamily="18" charset="0"/>
+                          <a:ea typeface="Cambria Math" panose="02040503050406030204" pitchFamily="18" charset="0"/>
+                        </a:rPr>
+                        <m:t>𝑥</m:t>
+                      </m:r>
+                    </m:oMath>
+                    <m:oMath xmlns:m="http://schemas.openxmlformats.org/officeDocument/2006/math">
+                      <m:r>
+                        <a:rPr lang="de-DE" b="0" i="1" smtClean="0">
+                          <a:latin typeface="Cambria Math" panose="02040503050406030204" pitchFamily="18" charset="0"/>
+                          <a:ea typeface="Cambria Math" panose="02040503050406030204" pitchFamily="18" charset="0"/>
+                        </a:rPr>
+                        <m:t>𝑚𝑖𝑡</m:t>
+                      </m:r>
+                    </m:oMath>
+                    <m:oMath xmlns:m="http://schemas.openxmlformats.org/officeDocument/2006/math">
+                      <m:r>
+                        <a:rPr lang="de-DE" b="0" i="1" smtClean="0">
+                          <a:latin typeface="Cambria Math" panose="02040503050406030204" pitchFamily="18" charset="0"/>
+                          <a:ea typeface="Cambria Math" panose="02040503050406030204" pitchFamily="18" charset="0"/>
+                        </a:rPr>
+                        <m:t>𝑥</m:t>
+                      </m:r>
+                      <m:r>
+                        <a:rPr lang="de-DE" b="0" i="1" smtClean="0">
+                          <a:latin typeface="Cambria Math" panose="02040503050406030204" pitchFamily="18" charset="0"/>
+                          <a:ea typeface="Cambria Math" panose="02040503050406030204" pitchFamily="18" charset="0"/>
+                        </a:rPr>
+                        <m:t>=</m:t>
+                      </m:r>
+                      <m:sSup>
+                        <m:sSupPr>
+                          <m:ctrlPr>
+                            <a:rPr lang="de-DE" b="0" i="1" smtClean="0">
+                              <a:latin typeface="Cambria Math" panose="02040503050406030204" pitchFamily="18" charset="0"/>
+                              <a:ea typeface="Cambria Math" panose="02040503050406030204" pitchFamily="18" charset="0"/>
+                            </a:rPr>
+                          </m:ctrlPr>
+                        </m:sSupPr>
+                        <m:e>
+                          <m:d>
+                            <m:dPr>
+                              <m:begChr m:val="["/>
+                              <m:endChr m:val="]"/>
+                              <m:ctrlPr>
+                                <a:rPr lang="de-DE" b="0" i="1" smtClean="0">
+                                  <a:latin typeface="Cambria Math" panose="02040503050406030204" pitchFamily="18" charset="0"/>
+                                  <a:ea typeface="Cambria Math" panose="02040503050406030204" pitchFamily="18" charset="0"/>
+                                </a:rPr>
+                              </m:ctrlPr>
+                            </m:dPr>
+                            <m:e>
+                              <m:m>
+                                <m:mPr>
+                                  <m:mcs>
+                                    <m:mc>
+                                      <m:mcPr>
+                                        <m:count m:val="3"/>
+                                        <m:mcJc m:val="center"/>
+                                      </m:mcPr>
+                                    </m:mc>
+                                  </m:mcs>
+                                  <m:ctrlPr>
+                                    <a:rPr lang="de-DE" b="0" i="1" smtClean="0">
+                                      <a:latin typeface="Cambria Math" panose="02040503050406030204" pitchFamily="18" charset="0"/>
+                                      <a:ea typeface="Cambria Math" panose="02040503050406030204" pitchFamily="18" charset="0"/>
+                                    </a:rPr>
+                                  </m:ctrlPr>
+                                </m:mPr>
+                                <m:mr>
+                                  <m:e>
+                                    <m:sSup>
+                                      <m:sSupPr>
+                                        <m:ctrlPr>
+                                          <a:rPr lang="de-DE" b="0" i="1" smtClean="0">
+                                            <a:latin typeface="Cambria Math" panose="02040503050406030204" pitchFamily="18" charset="0"/>
+                                            <a:ea typeface="Cambria Math" panose="02040503050406030204" pitchFamily="18" charset="0"/>
+                                          </a:rPr>
+                                        </m:ctrlPr>
+                                      </m:sSupPr>
+                                      <m:e>
+                                        <m:r>
+                                          <m:rPr>
+                                            <m:brk m:alnAt="7"/>
+                                          </m:rPr>
+                                          <a:rPr lang="de-DE" b="0" i="1" smtClean="0">
+                                            <a:latin typeface="Cambria Math" panose="02040503050406030204" pitchFamily="18" charset="0"/>
+                                            <a:ea typeface="Cambria Math" panose="02040503050406030204" pitchFamily="18" charset="0"/>
+                                          </a:rPr>
+                                          <m:t>𝑝</m:t>
+                                        </m:r>
+                                      </m:e>
+                                      <m:sup>
+                                        <m:r>
+                                          <m:rPr>
+                                            <m:brk m:alnAt="7"/>
+                                          </m:rPr>
+                                          <a:rPr lang="de-DE" b="0" i="1" smtClean="0">
+                                            <a:latin typeface="Cambria Math" panose="02040503050406030204" pitchFamily="18" charset="0"/>
+                                            <a:ea typeface="Cambria Math" panose="02040503050406030204" pitchFamily="18" charset="0"/>
+                                          </a:rPr>
+                                          <m:t>𝑛</m:t>
+                                        </m:r>
+                                      </m:sup>
+                                    </m:sSup>
+                                  </m:e>
+                                  <m:e>
+                                    <m:sSup>
+                                      <m:sSupPr>
+                                        <m:ctrlPr>
+                                          <a:rPr lang="de-DE" b="0" i="1" smtClean="0">
+                                            <a:latin typeface="Cambria Math" panose="02040503050406030204" pitchFamily="18" charset="0"/>
+                                            <a:ea typeface="Cambria Math" panose="02040503050406030204" pitchFamily="18" charset="0"/>
+                                          </a:rPr>
+                                        </m:ctrlPr>
+                                      </m:sSupPr>
+                                      <m:e>
+                                        <m:r>
+                                          <a:rPr lang="de-DE" b="0" i="1" smtClean="0">
+                                            <a:latin typeface="Cambria Math" panose="02040503050406030204" pitchFamily="18" charset="0"/>
+                                            <a:ea typeface="Cambria Math" panose="02040503050406030204" pitchFamily="18" charset="0"/>
+                                          </a:rPr>
+                                          <m:t>𝑣</m:t>
+                                        </m:r>
+                                      </m:e>
+                                      <m:sup>
+                                        <m:r>
+                                          <a:rPr lang="de-DE" b="0" i="1" smtClean="0">
+                                            <a:latin typeface="Cambria Math" panose="02040503050406030204" pitchFamily="18" charset="0"/>
+                                            <a:ea typeface="Cambria Math" panose="02040503050406030204" pitchFamily="18" charset="0"/>
+                                          </a:rPr>
+                                          <m:t>𝑛</m:t>
+                                        </m:r>
+                                      </m:sup>
+                                    </m:sSup>
+                                  </m:e>
+                                  <m:e>
+                                    <m:r>
+                                      <a:rPr lang="de-DE" b="0" i="1" smtClean="0">
+                                        <a:latin typeface="Cambria Math" panose="02040503050406030204" pitchFamily="18" charset="0"/>
+                                        <a:ea typeface="Cambria Math" panose="02040503050406030204" pitchFamily="18" charset="0"/>
+                                      </a:rPr>
+                                      <m:t>𝑏</m:t>
+                                    </m:r>
+                                  </m:e>
+                                </m:mr>
+                              </m:m>
+                            </m:e>
+                          </m:d>
+                        </m:e>
+                        <m:sup>
+                          <m:r>
+                            <a:rPr lang="de-DE" b="0" i="1" smtClean="0">
+                              <a:latin typeface="Cambria Math" panose="02040503050406030204" pitchFamily="18" charset="0"/>
+                              <a:ea typeface="Cambria Math" panose="02040503050406030204" pitchFamily="18" charset="0"/>
+                            </a:rPr>
+                            <m:t>𝑇</m:t>
+                          </m:r>
+                        </m:sup>
+                      </m:sSup>
+                    </m:oMath>
+                  </m:oMathPara>
+                </a14:m>
+                <a:endParaRPr lang="de-DE" b="0" dirty="0" smtClean="0">
+                  <a:ea typeface="Cambria Math" panose="02040503050406030204" pitchFamily="18" charset="0"/>
+                </a:endParaRPr>
+              </a:p>
+              <a:p>
+                <a:endParaRPr lang="de-DE" dirty="0"/>
+              </a:p>
+            </p:txBody>
+          </p:sp>
+        </mc:Choice>
+        <mc:Fallback>
+          <p:sp>
+            <p:nvSpPr>
+              <p:cNvPr id="3" name="Inhaltsplatzhalter 2"/>
+              <p:cNvSpPr>
+                <a:spLocks noGrp="1" noRot="1" noChangeAspect="1" noMove="1" noResize="1" noEditPoints="1" noAdjustHandles="1" noChangeArrowheads="1" noChangeShapeType="1" noTextEdit="1"/>
+              </p:cNvSpPr>
+              <p:nvPr>
+                <p:ph idx="1"/>
+              </p:nvPr>
+            </p:nvSpPr>
+            <p:spPr>
+              <a:xfrm>
+                <a:off x="466725" y="1773238"/>
+                <a:ext cx="3889251" cy="4248150"/>
+              </a:xfrm>
+              <a:blipFill rotWithShape="0">
+                <a:blip r:embed="rId2"/>
+                <a:stretch>
+                  <a:fillRect l="-3762" t="-1865"/>
+                </a:stretch>
+              </a:blipFill>
+            </p:spPr>
+            <p:txBody>
+              <a:bodyPr/>
+              <a:lstStyle/>
+              <a:p>
+                <a:r>
+                  <a:rPr lang="de-DE">
+                    <a:noFill/>
+                  </a:rPr>
+                  <a:t> </a:t>
+                </a:r>
+              </a:p>
+            </p:txBody>
+          </p:sp>
+        </mc:Fallback>
+      </mc:AlternateContent>
+      <p:sp>
+        <p:nvSpPr>
+          <p:cNvPr id="4" name="Datumsplatzhalter 3"/>
+          <p:cNvSpPr>
+            <a:spLocks noGrp="1"/>
+          </p:cNvSpPr>
+          <p:nvPr>
+            <p:ph type="dt" sz="half" idx="2"/>
+          </p:nvPr>
+        </p:nvSpPr>
+        <p:spPr/>
+        <p:txBody>
+          <a:bodyPr/>
+          <a:lstStyle/>
+          <a:p>
+            <a:fld id="{06779667-B4A8-4B7E-9ECB-6AC6BAAAF423}" type="datetime1">
+              <a:rPr lang="de-DE" smtClean="0"/>
+              <a:t>16.02.2015</a:t>
+            </a:fld>
+            <a:endParaRPr lang="de-DE" dirty="0"/>
+          </a:p>
+        </p:txBody>
+      </p:sp>
+      <p:sp>
+        <p:nvSpPr>
+          <p:cNvPr id="5" name="Foliennummernplatzhalter 4"/>
+          <p:cNvSpPr>
+            <a:spLocks noGrp="1"/>
+          </p:cNvSpPr>
+          <p:nvPr>
+            <p:ph type="sldNum" sz="quarter" idx="4"/>
+          </p:nvPr>
+        </p:nvSpPr>
+        <p:spPr/>
+        <p:txBody>
+          <a:bodyPr/>
+          <a:lstStyle/>
+          <a:p>
+            <a:fld id="{33C21464-E29C-4E31-8D40-E8CC0C45CD35}" type="slidenum">
+              <a:rPr lang="de-DE" smtClean="0"/>
+              <a:pPr/>
+              <a:t>38</a:t>
+            </a:fld>
+            <a:endParaRPr lang="de-DE" dirty="0"/>
+          </a:p>
+        </p:txBody>
+      </p:sp>
+      <mc:AlternateContent xmlns:mc="http://schemas.openxmlformats.org/markup-compatibility/2006">
+        <mc:Choice xmlns:a14="http://schemas.microsoft.com/office/drawing/2010/main" Requires="a14">
+          <p:sp>
+            <p:nvSpPr>
+              <p:cNvPr id="6" name="Inhaltsplatzhalter 2"/>
+              <p:cNvSpPr txBox="1">
+                <a:spLocks/>
+              </p:cNvSpPr>
+              <p:nvPr/>
+            </p:nvSpPr>
+            <p:spPr bwMode="auto">
+              <a:xfrm>
+                <a:off x="4303494" y="1768476"/>
+                <a:ext cx="4660994" cy="4036788"/>
+              </a:xfrm>
+              <a:prstGeom prst="rect">
+                <a:avLst/>
+              </a:prstGeom>
+              <a:noFill/>
+              <a:ln w="9525">
+                <a:noFill/>
+                <a:miter lim="800000"/>
+                <a:headEnd/>
+                <a:tailEnd/>
+              </a:ln>
+            </p:spPr>
+            <p:txBody>
+              <a:bodyPr vert="horz" wrap="square" lIns="0" tIns="0" rIns="0" bIns="0" numCol="1" anchor="t" anchorCtr="0" compatLnSpc="1">
+                <a:prstTxWarp prst="textNoShape">
+                  <a:avLst/>
+                </a:prstTxWarp>
+              </a:bodyPr>
+              <a:lstStyle>
+                <a:lvl1pPr marL="0" indent="0" algn="l" defTabSz="358775" rtl="0" fontAlgn="base">
+                  <a:spcBef>
+                    <a:spcPct val="0"/>
+                  </a:spcBef>
+                  <a:spcAft>
+                    <a:spcPts val="900"/>
+                  </a:spcAft>
+                  <a:buClr>
+                    <a:schemeClr val="tx2"/>
+                  </a:buClr>
+                  <a:buFont typeface="Wingdings" pitchFamily="2" charset="2"/>
+                  <a:buNone/>
+                  <a:defRPr>
+                    <a:solidFill>
+                      <a:schemeClr val="tx1"/>
+                    </a:solidFill>
+                    <a:latin typeface="+mn-lt"/>
+                    <a:ea typeface="+mn-ea"/>
+                    <a:cs typeface="+mn-cs"/>
+                  </a:defRPr>
+                </a:lvl1pPr>
+                <a:lvl2pPr marL="719138" indent="-358775" algn="l" defTabSz="358775" rtl="0" fontAlgn="base">
+                  <a:spcBef>
+                    <a:spcPct val="0"/>
+                  </a:spcBef>
+                  <a:spcAft>
+                    <a:spcPts val="900"/>
+                  </a:spcAft>
+                  <a:buClr>
+                    <a:schemeClr val="bg2"/>
+                  </a:buClr>
+                  <a:buFont typeface="Wingdings" pitchFamily="2" charset="2"/>
+                  <a:buChar char="n"/>
+                  <a:defRPr>
+                    <a:solidFill>
+                      <a:schemeClr val="tx1"/>
+                    </a:solidFill>
+                    <a:latin typeface="+mn-lt"/>
+                  </a:defRPr>
+                </a:lvl2pPr>
+                <a:lvl3pPr marL="1079500" indent="-358775" algn="l" defTabSz="358775" rtl="0" fontAlgn="base">
+                  <a:spcBef>
+                    <a:spcPct val="0"/>
+                  </a:spcBef>
+                  <a:spcAft>
+                    <a:spcPts val="900"/>
+                  </a:spcAft>
+                  <a:buClr>
+                    <a:schemeClr val="bg2"/>
+                  </a:buClr>
+                  <a:buFont typeface="Wingdings" pitchFamily="2" charset="2"/>
+                  <a:buChar char="n"/>
+                  <a:defRPr>
+                    <a:solidFill>
+                      <a:schemeClr val="tx1"/>
+                    </a:solidFill>
+                    <a:latin typeface="+mn-lt"/>
+                  </a:defRPr>
+                </a:lvl3pPr>
+                <a:lvl4pPr marL="1439863" indent="-358775" algn="l" defTabSz="358775" rtl="0" fontAlgn="base">
+                  <a:spcBef>
+                    <a:spcPct val="0"/>
+                  </a:spcBef>
+                  <a:spcAft>
+                    <a:spcPts val="900"/>
+                  </a:spcAft>
+                  <a:buClr>
+                    <a:schemeClr val="bg2"/>
+                  </a:buClr>
+                  <a:buFont typeface="Wingdings" pitchFamily="2" charset="2"/>
+                  <a:buChar char="n"/>
+                  <a:defRPr>
+                    <a:solidFill>
+                      <a:schemeClr val="tx1"/>
+                    </a:solidFill>
+                    <a:latin typeface="+mn-lt"/>
+                  </a:defRPr>
+                </a:lvl4pPr>
+                <a:lvl5pPr marL="1798638" indent="-358775" algn="l" defTabSz="358775" rtl="0" fontAlgn="base">
+                  <a:spcBef>
+                    <a:spcPct val="0"/>
+                  </a:spcBef>
+                  <a:spcAft>
+                    <a:spcPts val="900"/>
+                  </a:spcAft>
+                  <a:buClr>
+                    <a:schemeClr val="bg2"/>
+                  </a:buClr>
+                  <a:buFont typeface="Wingdings" pitchFamily="2" charset="2"/>
+                  <a:buChar char="n"/>
+                  <a:defRPr>
+                    <a:solidFill>
+                      <a:schemeClr val="tx1"/>
+                    </a:solidFill>
+                    <a:latin typeface="+mn-lt"/>
+                  </a:defRPr>
+                </a:lvl5pPr>
+                <a:lvl6pPr marL="1887538" indent="-358775" algn="l" rtl="0" eaLnBrk="1" fontAlgn="base" hangingPunct="1">
+                  <a:spcBef>
+                    <a:spcPct val="0"/>
+                  </a:spcBef>
+                  <a:spcAft>
+                    <a:spcPct val="40000"/>
+                  </a:spcAft>
+                  <a:buClr>
+                    <a:schemeClr val="bg2"/>
+                  </a:buClr>
+                  <a:buFont typeface="Wingdings" pitchFamily="2" charset="2"/>
+                  <a:buChar char="n"/>
+                  <a:defRPr>
+                    <a:solidFill>
+                      <a:schemeClr val="tx1"/>
+                    </a:solidFill>
+                    <a:latin typeface="+mn-lt"/>
+                  </a:defRPr>
+                </a:lvl6pPr>
+                <a:lvl7pPr marL="2344738" indent="-358775" algn="l" rtl="0" eaLnBrk="1" fontAlgn="base" hangingPunct="1">
+                  <a:spcBef>
+                    <a:spcPct val="0"/>
+                  </a:spcBef>
+                  <a:spcAft>
+                    <a:spcPct val="40000"/>
+                  </a:spcAft>
+                  <a:buClr>
+                    <a:schemeClr val="bg2"/>
+                  </a:buClr>
+                  <a:buFont typeface="Wingdings" pitchFamily="2" charset="2"/>
+                  <a:buChar char="n"/>
+                  <a:defRPr>
+                    <a:solidFill>
+                      <a:schemeClr val="tx1"/>
+                    </a:solidFill>
+                    <a:latin typeface="+mn-lt"/>
+                  </a:defRPr>
+                </a:lvl7pPr>
+                <a:lvl8pPr marL="2801938" indent="-358775" algn="l" rtl="0" eaLnBrk="1" fontAlgn="base" hangingPunct="1">
+                  <a:spcBef>
+                    <a:spcPct val="0"/>
+                  </a:spcBef>
+                  <a:spcAft>
+                    <a:spcPct val="40000"/>
+                  </a:spcAft>
+                  <a:buClr>
+                    <a:schemeClr val="bg2"/>
+                  </a:buClr>
+                  <a:buFont typeface="Wingdings" pitchFamily="2" charset="2"/>
+                  <a:buChar char="n"/>
+                  <a:defRPr>
+                    <a:solidFill>
+                      <a:schemeClr val="tx1"/>
+                    </a:solidFill>
+                    <a:latin typeface="+mn-lt"/>
+                  </a:defRPr>
+                </a:lvl8pPr>
+                <a:lvl9pPr marL="3259138" indent="-358775" algn="l" rtl="0" eaLnBrk="1" fontAlgn="base" hangingPunct="1">
+                  <a:spcBef>
+                    <a:spcPct val="0"/>
+                  </a:spcBef>
+                  <a:spcAft>
+                    <a:spcPct val="40000"/>
+                  </a:spcAft>
+                  <a:buClr>
+                    <a:schemeClr val="bg2"/>
+                  </a:buClr>
+                  <a:buFont typeface="Wingdings" pitchFamily="2" charset="2"/>
+                  <a:buChar char="n"/>
+                  <a:defRPr>
+                    <a:solidFill>
+                      <a:schemeClr val="tx1"/>
+                    </a:solidFill>
+                    <a:latin typeface="+mn-lt"/>
+                  </a:defRPr>
+                </a:lvl9pPr>
+              </a:lstStyle>
+              <a:p>
+                <a:r>
+                  <a:rPr lang="de-DE" dirty="0" smtClean="0"/>
+                  <a:t>Zstd</a:t>
+                </a:r>
+                <a:r>
+                  <a:rPr lang="de-DE" dirty="0"/>
+                  <a:t>.-Dgl. </a:t>
+                </a:r>
+                <a:r>
+                  <a:rPr lang="de-DE" dirty="0" smtClean="0"/>
+                  <a:t>Beobachter</a:t>
+                </a:r>
+              </a:p>
+              <a:p>
+                <a:endParaRPr lang="de-DE" dirty="0" smtClean="0"/>
+              </a:p>
+              <a:p>
+                <a14:m>
+                  <m:oMathPara xmlns:m="http://schemas.openxmlformats.org/officeDocument/2006/math">
+                    <m:oMathParaPr>
+                      <m:jc m:val="centerGroup"/>
+                    </m:oMathParaPr>
+                    <m:oMath xmlns:m="http://schemas.openxmlformats.org/officeDocument/2006/math">
+                      <m:acc>
+                        <m:accPr>
+                          <m:chr m:val="̇"/>
+                          <m:ctrlPr>
+                            <a:rPr lang="de-DE" i="1">
+                              <a:latin typeface="Cambria Math" panose="02040503050406030204" pitchFamily="18" charset="0"/>
+                            </a:rPr>
+                          </m:ctrlPr>
+                        </m:accPr>
+                        <m:e>
+                          <m:acc>
+                            <m:accPr>
+                              <m:chr m:val="̂"/>
+                              <m:ctrlPr>
+                                <a:rPr lang="de-DE" i="1" smtClean="0">
+                                  <a:latin typeface="Cambria Math" panose="02040503050406030204" pitchFamily="18" charset="0"/>
+                                </a:rPr>
+                              </m:ctrlPr>
+                            </m:accPr>
+                            <m:e>
+                              <m:r>
+                                <a:rPr lang="de-DE" b="0" i="1" smtClean="0">
+                                  <a:latin typeface="Cambria Math" panose="02040503050406030204" pitchFamily="18" charset="0"/>
+                                </a:rPr>
+                                <m:t>𝑥</m:t>
+                              </m:r>
+                            </m:e>
+                          </m:acc>
+                        </m:e>
+                      </m:acc>
+                      <m:r>
+                        <a:rPr lang="de-DE" i="1">
+                          <a:latin typeface="Cambria Math" panose="02040503050406030204" pitchFamily="18" charset="0"/>
+                        </a:rPr>
+                        <m:t>= </m:t>
+                      </m:r>
+                      <m:d>
+                        <m:dPr>
+                          <m:begChr m:val="["/>
+                          <m:endChr m:val="]"/>
+                          <m:ctrlPr>
+                            <a:rPr lang="de-DE" i="1">
+                              <a:latin typeface="Cambria Math" panose="02040503050406030204" pitchFamily="18" charset="0"/>
+                            </a:rPr>
+                          </m:ctrlPr>
+                        </m:dPr>
+                        <m:e>
+                          <m:m>
+                            <m:mPr>
+                              <m:mcs>
+                                <m:mc>
+                                  <m:mcPr>
+                                    <m:count m:val="3"/>
+                                    <m:mcJc m:val="center"/>
+                                  </m:mcPr>
+                                </m:mc>
+                              </m:mcs>
+                              <m:ctrlPr>
+                                <a:rPr lang="de-DE" i="1">
+                                  <a:latin typeface="Cambria Math" panose="02040503050406030204" pitchFamily="18" charset="0"/>
+                                </a:rPr>
+                              </m:ctrlPr>
+                            </m:mPr>
+                            <m:mr>
+                              <m:e>
+                                <m:r>
+                                  <m:rPr>
+                                    <m:brk m:alnAt="7"/>
+                                  </m:rPr>
+                                  <a:rPr lang="de-DE" i="1">
+                                    <a:latin typeface="Cambria Math" panose="02040503050406030204" pitchFamily="18" charset="0"/>
+                                  </a:rPr>
+                                  <m:t>0</m:t>
+                                </m:r>
+                              </m:e>
+                              <m:e>
+                                <m:r>
+                                  <a:rPr lang="de-DE" i="1">
+                                    <a:latin typeface="Cambria Math" panose="02040503050406030204" pitchFamily="18" charset="0"/>
+                                  </a:rPr>
+                                  <m:t>1</m:t>
+                                </m:r>
+                              </m:e>
+                              <m:e>
+                                <m:r>
+                                  <a:rPr lang="de-DE" i="1">
+                                    <a:latin typeface="Cambria Math" panose="02040503050406030204" pitchFamily="18" charset="0"/>
+                                  </a:rPr>
+                                  <m:t>0</m:t>
+                                </m:r>
+                              </m:e>
+                            </m:mr>
+                            <m:mr>
+                              <m:e>
+                                <m:r>
+                                  <a:rPr lang="de-DE" i="1">
+                                    <a:latin typeface="Cambria Math" panose="02040503050406030204" pitchFamily="18" charset="0"/>
+                                  </a:rPr>
+                                  <m:t>0</m:t>
+                                </m:r>
+                              </m:e>
+                              <m:e>
+                                <m:r>
+                                  <a:rPr lang="de-DE" i="1">
+                                    <a:latin typeface="Cambria Math" panose="02040503050406030204" pitchFamily="18" charset="0"/>
+                                  </a:rPr>
+                                  <m:t>0</m:t>
+                                </m:r>
+                              </m:e>
+                              <m:e>
+                                <m:r>
+                                  <a:rPr lang="de-DE" i="1">
+                                    <a:latin typeface="Cambria Math" panose="02040503050406030204" pitchFamily="18" charset="0"/>
+                                  </a:rPr>
+                                  <m:t>1</m:t>
+                                </m:r>
+                              </m:e>
+                            </m:mr>
+                            <m:mr>
+                              <m:e>
+                                <m:r>
+                                  <a:rPr lang="de-DE" i="1">
+                                    <a:latin typeface="Cambria Math" panose="02040503050406030204" pitchFamily="18" charset="0"/>
+                                  </a:rPr>
+                                  <m:t>0</m:t>
+                                </m:r>
+                              </m:e>
+                              <m:e>
+                                <m:r>
+                                  <a:rPr lang="de-DE" i="1">
+                                    <a:latin typeface="Cambria Math" panose="02040503050406030204" pitchFamily="18" charset="0"/>
+                                  </a:rPr>
+                                  <m:t>0</m:t>
+                                </m:r>
+                              </m:e>
+                              <m:e>
+                                <m:r>
+                                  <a:rPr lang="de-DE" i="1">
+                                    <a:latin typeface="Cambria Math" panose="02040503050406030204" pitchFamily="18" charset="0"/>
+                                  </a:rPr>
+                                  <m:t>0</m:t>
+                                </m:r>
+                              </m:e>
+                            </m:mr>
+                          </m:m>
+                        </m:e>
+                      </m:d>
+                      <m:r>
+                        <a:rPr lang="de-DE" i="1">
+                          <a:latin typeface="Cambria Math" panose="02040503050406030204" pitchFamily="18" charset="0"/>
+                          <a:ea typeface="Cambria Math" panose="02040503050406030204" pitchFamily="18" charset="0"/>
+                        </a:rPr>
+                        <m:t>∙</m:t>
+                      </m:r>
+                      <m:acc>
+                        <m:accPr>
+                          <m:chr m:val="̂"/>
+                          <m:ctrlPr>
+                            <a:rPr lang="de-DE" i="1">
+                              <a:latin typeface="Cambria Math" panose="02040503050406030204" pitchFamily="18" charset="0"/>
+                            </a:rPr>
+                          </m:ctrlPr>
+                        </m:accPr>
+                        <m:e>
+                          <m:r>
+                            <a:rPr lang="de-DE" i="1">
+                              <a:latin typeface="Cambria Math" panose="02040503050406030204" pitchFamily="18" charset="0"/>
+                            </a:rPr>
+                            <m:t>𝑥</m:t>
+                          </m:r>
+                        </m:e>
+                      </m:acc>
+                      <m:r>
+                        <a:rPr lang="de-DE" b="0" i="1" smtClean="0">
+                          <a:latin typeface="Cambria Math" panose="02040503050406030204" pitchFamily="18" charset="0"/>
+                        </a:rPr>
+                        <m:t>+</m:t>
+                      </m:r>
+                      <m:d>
+                        <m:dPr>
+                          <m:begChr m:val="["/>
+                          <m:endChr m:val="]"/>
+                          <m:ctrlPr>
+                            <a:rPr lang="de-DE" b="0" i="1" smtClean="0">
+                              <a:latin typeface="Cambria Math" panose="02040503050406030204" pitchFamily="18" charset="0"/>
+                            </a:rPr>
+                          </m:ctrlPr>
+                        </m:dPr>
+                        <m:e>
+                          <m:m>
+                            <m:mPr>
+                              <m:mcs>
+                                <m:mc>
+                                  <m:mcPr>
+                                    <m:count m:val="1"/>
+                                    <m:mcJc m:val="center"/>
+                                  </m:mcPr>
+                                </m:mc>
+                              </m:mcs>
+                              <m:ctrlPr>
+                                <a:rPr lang="de-DE" b="0" i="1" smtClean="0">
+                                  <a:latin typeface="Cambria Math" panose="02040503050406030204" pitchFamily="18" charset="0"/>
+                                </a:rPr>
+                              </m:ctrlPr>
+                            </m:mPr>
+                            <m:mr>
+                              <m:e>
+                                <m:sSub>
+                                  <m:sSubPr>
+                                    <m:ctrlPr>
+                                      <a:rPr lang="de-DE" b="0" i="1" smtClean="0">
+                                        <a:latin typeface="Cambria Math" panose="02040503050406030204" pitchFamily="18" charset="0"/>
+                                      </a:rPr>
+                                    </m:ctrlPr>
+                                  </m:sSubPr>
+                                  <m:e>
+                                    <m:r>
+                                      <m:rPr>
+                                        <m:brk m:alnAt="7"/>
+                                      </m:rPr>
+                                      <a:rPr lang="de-DE" b="0" i="1" smtClean="0">
+                                        <a:latin typeface="Cambria Math" panose="02040503050406030204" pitchFamily="18" charset="0"/>
+                                      </a:rPr>
+                                      <m:t>𝑙</m:t>
+                                    </m:r>
+                                  </m:e>
+                                  <m:sub>
+                                    <m:r>
+                                      <m:rPr>
+                                        <m:brk m:alnAt="7"/>
+                                      </m:rPr>
+                                      <a:rPr lang="de-DE" b="0" i="1" smtClean="0">
+                                        <a:latin typeface="Cambria Math" panose="02040503050406030204" pitchFamily="18" charset="0"/>
+                                      </a:rPr>
+                                      <m:t>1</m:t>
+                                    </m:r>
+                                  </m:sub>
+                                </m:sSub>
+                              </m:e>
+                            </m:mr>
+                            <m:mr>
+                              <m:e>
+                                <m:sSub>
+                                  <m:sSubPr>
+                                    <m:ctrlPr>
+                                      <a:rPr lang="de-DE" b="0" i="1" smtClean="0">
+                                        <a:latin typeface="Cambria Math" panose="02040503050406030204" pitchFamily="18" charset="0"/>
+                                      </a:rPr>
+                                    </m:ctrlPr>
+                                  </m:sSubPr>
+                                  <m:e>
+                                    <m:r>
+                                      <a:rPr lang="de-DE" b="0" i="1" smtClean="0">
+                                        <a:latin typeface="Cambria Math" panose="02040503050406030204" pitchFamily="18" charset="0"/>
+                                      </a:rPr>
+                                      <m:t>𝑙</m:t>
+                                    </m:r>
+                                  </m:e>
+                                  <m:sub>
+                                    <m:r>
+                                      <a:rPr lang="de-DE" b="0" i="1" smtClean="0">
+                                        <a:latin typeface="Cambria Math" panose="02040503050406030204" pitchFamily="18" charset="0"/>
+                                      </a:rPr>
+                                      <m:t>2</m:t>
+                                    </m:r>
+                                  </m:sub>
+                                </m:sSub>
+                              </m:e>
+                            </m:mr>
+                            <m:mr>
+                              <m:e>
+                                <m:sSub>
+                                  <m:sSubPr>
+                                    <m:ctrlPr>
+                                      <a:rPr lang="de-DE" b="0" i="1" smtClean="0">
+                                        <a:latin typeface="Cambria Math" panose="02040503050406030204" pitchFamily="18" charset="0"/>
+                                      </a:rPr>
+                                    </m:ctrlPr>
+                                  </m:sSubPr>
+                                  <m:e>
+                                    <m:r>
+                                      <a:rPr lang="de-DE" b="0" i="1" smtClean="0">
+                                        <a:latin typeface="Cambria Math" panose="02040503050406030204" pitchFamily="18" charset="0"/>
+                                      </a:rPr>
+                                      <m:t>𝑙</m:t>
+                                    </m:r>
+                                  </m:e>
+                                  <m:sub>
+                                    <m:r>
+                                      <a:rPr lang="de-DE" b="0" i="1" smtClean="0">
+                                        <a:latin typeface="Cambria Math" panose="02040503050406030204" pitchFamily="18" charset="0"/>
+                                      </a:rPr>
+                                      <m:t>3</m:t>
+                                    </m:r>
+                                  </m:sub>
+                                </m:sSub>
+                              </m:e>
+                            </m:mr>
+                          </m:m>
+                        </m:e>
+                      </m:d>
+                      <m:r>
+                        <a:rPr lang="de-DE" b="0" i="1" smtClean="0">
+                          <a:latin typeface="Cambria Math" panose="02040503050406030204" pitchFamily="18" charset="0"/>
+                          <a:ea typeface="Cambria Math" panose="02040503050406030204" pitchFamily="18" charset="0"/>
+                        </a:rPr>
+                        <m:t>∙</m:t>
+                      </m:r>
+                      <m:r>
+                        <a:rPr lang="de-DE" b="0" i="1" smtClean="0">
+                          <a:latin typeface="Cambria Math" panose="02040503050406030204" pitchFamily="18" charset="0"/>
+                        </a:rPr>
+                        <m:t>(</m:t>
+                      </m:r>
+                      <m:r>
+                        <a:rPr lang="de-DE" b="0" i="1" smtClean="0">
+                          <a:latin typeface="Cambria Math" panose="02040503050406030204" pitchFamily="18" charset="0"/>
+                        </a:rPr>
+                        <m:t>𝑦</m:t>
+                      </m:r>
+                      <m:r>
+                        <a:rPr lang="de-DE" b="0" i="1" smtClean="0">
+                          <a:latin typeface="Cambria Math" panose="02040503050406030204" pitchFamily="18" charset="0"/>
+                        </a:rPr>
+                        <m:t>−</m:t>
+                      </m:r>
+                      <m:acc>
+                        <m:accPr>
+                          <m:chr m:val="̂"/>
+                          <m:ctrlPr>
+                            <a:rPr lang="de-DE" b="0" i="1" smtClean="0">
+                              <a:latin typeface="Cambria Math" panose="02040503050406030204" pitchFamily="18" charset="0"/>
+                            </a:rPr>
+                          </m:ctrlPr>
+                        </m:accPr>
+                        <m:e>
+                          <m:r>
+                            <a:rPr lang="de-DE" b="0" i="1" smtClean="0">
+                              <a:latin typeface="Cambria Math" panose="02040503050406030204" pitchFamily="18" charset="0"/>
+                            </a:rPr>
+                            <m:t>𝑦</m:t>
+                          </m:r>
+                        </m:e>
+                      </m:acc>
+                      <m:r>
+                        <a:rPr lang="de-DE" b="0" i="1" smtClean="0">
+                          <a:latin typeface="Cambria Math" panose="02040503050406030204" pitchFamily="18" charset="0"/>
+                        </a:rPr>
+                        <m:t>)</m:t>
+                      </m:r>
+                      <m:r>
+                        <a:rPr lang="de-DE" i="1">
+                          <a:latin typeface="Cambria Math" panose="02040503050406030204" pitchFamily="18" charset="0"/>
+                          <a:ea typeface="Cambria Math" panose="02040503050406030204" pitchFamily="18" charset="0"/>
+                        </a:rPr>
+                        <m:t>+</m:t>
+                      </m:r>
+                      <m:d>
+                        <m:dPr>
+                          <m:begChr m:val="["/>
+                          <m:endChr m:val="]"/>
+                          <m:ctrlPr>
+                            <a:rPr lang="de-DE" i="1">
+                              <a:latin typeface="Cambria Math" panose="02040503050406030204" pitchFamily="18" charset="0"/>
+                              <a:ea typeface="Cambria Math" panose="02040503050406030204" pitchFamily="18" charset="0"/>
+                            </a:rPr>
+                          </m:ctrlPr>
+                        </m:dPr>
+                        <m:e>
+                          <m:m>
+                            <m:mPr>
+                              <m:mcs>
+                                <m:mc>
+                                  <m:mcPr>
+                                    <m:count m:val="1"/>
+                                    <m:mcJc m:val="center"/>
+                                  </m:mcPr>
+                                </m:mc>
+                              </m:mcs>
+                              <m:ctrlPr>
+                                <a:rPr lang="de-DE" i="1">
+                                  <a:latin typeface="Cambria Math" panose="02040503050406030204" pitchFamily="18" charset="0"/>
+                                  <a:ea typeface="Cambria Math" panose="02040503050406030204" pitchFamily="18" charset="0"/>
+                                </a:rPr>
+                              </m:ctrlPr>
+                            </m:mPr>
+                            <m:mr>
+                              <m:e>
+                                <m:r>
+                                  <m:rPr>
+                                    <m:brk m:alnAt="7"/>
+                                  </m:rPr>
+                                  <a:rPr lang="de-DE" i="1">
+                                    <a:latin typeface="Cambria Math" panose="02040503050406030204" pitchFamily="18" charset="0"/>
+                                    <a:ea typeface="Cambria Math" panose="02040503050406030204" pitchFamily="18" charset="0"/>
+                                  </a:rPr>
+                                  <m:t>0</m:t>
+                                </m:r>
+                              </m:e>
+                            </m:mr>
+                            <m:mr>
+                              <m:e>
+                                <m:r>
+                                  <a:rPr lang="de-DE" i="1">
+                                    <a:latin typeface="Cambria Math" panose="02040503050406030204" pitchFamily="18" charset="0"/>
+                                    <a:ea typeface="Cambria Math" panose="02040503050406030204" pitchFamily="18" charset="0"/>
+                                  </a:rPr>
+                                  <m:t>1</m:t>
+                                </m:r>
+                              </m:e>
+                            </m:mr>
+                            <m:mr>
+                              <m:e>
+                                <m:r>
+                                  <a:rPr lang="de-DE" i="1">
+                                    <a:latin typeface="Cambria Math" panose="02040503050406030204" pitchFamily="18" charset="0"/>
+                                    <a:ea typeface="Cambria Math" panose="02040503050406030204" pitchFamily="18" charset="0"/>
+                                  </a:rPr>
+                                  <m:t>0</m:t>
+                                </m:r>
+                              </m:e>
+                            </m:mr>
+                          </m:m>
+                        </m:e>
+                      </m:d>
+                      <m:r>
+                        <a:rPr lang="de-DE" i="1">
+                          <a:latin typeface="Cambria Math" panose="02040503050406030204" pitchFamily="18" charset="0"/>
+                          <a:ea typeface="Cambria Math" panose="02040503050406030204" pitchFamily="18" charset="0"/>
+                        </a:rPr>
+                        <m:t>∙</m:t>
+                      </m:r>
+                      <m:r>
+                        <a:rPr lang="de-DE" i="1">
+                          <a:latin typeface="Cambria Math" panose="02040503050406030204" pitchFamily="18" charset="0"/>
+                          <a:ea typeface="Cambria Math" panose="02040503050406030204" pitchFamily="18" charset="0"/>
+                        </a:rPr>
+                        <m:t>𝑢</m:t>
+                      </m:r>
+                    </m:oMath>
+                    <m:oMath xmlns:m="http://schemas.openxmlformats.org/officeDocument/2006/math">
+                      <m:acc>
+                        <m:accPr>
+                          <m:chr m:val="̂"/>
+                          <m:ctrlPr>
+                            <a:rPr lang="de-DE" i="1" smtClean="0">
+                              <a:latin typeface="Cambria Math" panose="02040503050406030204" pitchFamily="18" charset="0"/>
+                              <a:ea typeface="Cambria Math" panose="02040503050406030204" pitchFamily="18" charset="0"/>
+                            </a:rPr>
+                          </m:ctrlPr>
+                        </m:accPr>
+                        <m:e>
+                          <m:r>
+                            <a:rPr lang="de-DE" b="0" i="1" smtClean="0">
+                              <a:latin typeface="Cambria Math" panose="02040503050406030204" pitchFamily="18" charset="0"/>
+                              <a:ea typeface="Cambria Math" panose="02040503050406030204" pitchFamily="18" charset="0"/>
+                            </a:rPr>
+                            <m:t>𝑦</m:t>
+                          </m:r>
+                        </m:e>
+                      </m:acc>
+                      <m:r>
+                        <a:rPr lang="de-DE" i="1">
+                          <a:latin typeface="Cambria Math" panose="02040503050406030204" pitchFamily="18" charset="0"/>
+                          <a:ea typeface="Cambria Math" panose="02040503050406030204" pitchFamily="18" charset="0"/>
+                        </a:rPr>
+                        <m:t>= </m:t>
+                      </m:r>
+                      <m:d>
+                        <m:dPr>
+                          <m:begChr m:val="["/>
+                          <m:endChr m:val="]"/>
+                          <m:ctrlPr>
+                            <a:rPr lang="de-DE" i="1">
+                              <a:latin typeface="Cambria Math" panose="02040503050406030204" pitchFamily="18" charset="0"/>
+                              <a:ea typeface="Cambria Math" panose="02040503050406030204" pitchFamily="18" charset="0"/>
+                            </a:rPr>
+                          </m:ctrlPr>
+                        </m:dPr>
+                        <m:e>
+                          <m:m>
+                            <m:mPr>
+                              <m:mcs>
+                                <m:mc>
+                                  <m:mcPr>
+                                    <m:count m:val="3"/>
+                                    <m:mcJc m:val="center"/>
+                                  </m:mcPr>
+                                </m:mc>
+                              </m:mcs>
+                              <m:ctrlPr>
+                                <a:rPr lang="de-DE" i="1">
+                                  <a:latin typeface="Cambria Math" panose="02040503050406030204" pitchFamily="18" charset="0"/>
+                                  <a:ea typeface="Cambria Math" panose="02040503050406030204" pitchFamily="18" charset="0"/>
+                                </a:rPr>
+                              </m:ctrlPr>
+                            </m:mPr>
+                            <m:mr>
+                              <m:e>
+                                <m:r>
+                                  <m:rPr>
+                                    <m:brk m:alnAt="7"/>
+                                  </m:rPr>
+                                  <a:rPr lang="de-DE" i="1">
+                                    <a:latin typeface="Cambria Math" panose="02040503050406030204" pitchFamily="18" charset="0"/>
+                                    <a:ea typeface="Cambria Math" panose="02040503050406030204" pitchFamily="18" charset="0"/>
+                                  </a:rPr>
+                                  <m:t>1</m:t>
+                                </m:r>
+                              </m:e>
+                              <m:e>
+                                <m:r>
+                                  <a:rPr lang="de-DE" i="1">
+                                    <a:latin typeface="Cambria Math" panose="02040503050406030204" pitchFamily="18" charset="0"/>
+                                    <a:ea typeface="Cambria Math" panose="02040503050406030204" pitchFamily="18" charset="0"/>
+                                  </a:rPr>
+                                  <m:t>0</m:t>
+                                </m:r>
+                              </m:e>
+                              <m:e>
+                                <m:r>
+                                  <a:rPr lang="de-DE" i="1">
+                                    <a:latin typeface="Cambria Math" panose="02040503050406030204" pitchFamily="18" charset="0"/>
+                                    <a:ea typeface="Cambria Math" panose="02040503050406030204" pitchFamily="18" charset="0"/>
+                                  </a:rPr>
+                                  <m:t>0</m:t>
+                                </m:r>
+                              </m:e>
+                            </m:mr>
+                          </m:m>
+                        </m:e>
+                      </m:d>
+                      <m:r>
+                        <a:rPr lang="de-DE" i="1">
+                          <a:latin typeface="Cambria Math" panose="02040503050406030204" pitchFamily="18" charset="0"/>
+                          <a:ea typeface="Cambria Math" panose="02040503050406030204" pitchFamily="18" charset="0"/>
+                        </a:rPr>
+                        <m:t>∙</m:t>
+                      </m:r>
+                      <m:acc>
+                        <m:accPr>
+                          <m:chr m:val="̂"/>
+                          <m:ctrlPr>
+                            <a:rPr lang="de-DE" i="1">
+                              <a:latin typeface="Cambria Math" panose="02040503050406030204" pitchFamily="18" charset="0"/>
+                            </a:rPr>
+                          </m:ctrlPr>
+                        </m:accPr>
+                        <m:e>
+                          <m:r>
+                            <a:rPr lang="de-DE" i="1">
+                              <a:latin typeface="Cambria Math" panose="02040503050406030204" pitchFamily="18" charset="0"/>
+                            </a:rPr>
+                            <m:t>𝑥</m:t>
+                          </m:r>
+                        </m:e>
+                      </m:acc>
+                    </m:oMath>
+                    <m:oMath xmlns:m="http://schemas.openxmlformats.org/officeDocument/2006/math">
+                      <m:r>
+                        <a:rPr lang="de-DE" i="1">
+                          <a:latin typeface="Cambria Math" panose="02040503050406030204" pitchFamily="18" charset="0"/>
+                          <a:ea typeface="Cambria Math" panose="02040503050406030204" pitchFamily="18" charset="0"/>
+                        </a:rPr>
+                        <m:t>𝑚𝑖𝑡</m:t>
+                      </m:r>
+                    </m:oMath>
+                    <m:oMath xmlns:m="http://schemas.openxmlformats.org/officeDocument/2006/math">
+                      <m:acc>
+                        <m:accPr>
+                          <m:chr m:val="̂"/>
+                          <m:ctrlPr>
+                            <a:rPr lang="de-DE" i="1" smtClean="0">
+                              <a:latin typeface="Cambria Math" panose="02040503050406030204" pitchFamily="18" charset="0"/>
+                              <a:ea typeface="Cambria Math" panose="02040503050406030204" pitchFamily="18" charset="0"/>
+                            </a:rPr>
+                          </m:ctrlPr>
+                        </m:accPr>
+                        <m:e>
+                          <m:r>
+                            <a:rPr lang="de-DE" b="0" i="1" smtClean="0">
+                              <a:latin typeface="Cambria Math" panose="02040503050406030204" pitchFamily="18" charset="0"/>
+                              <a:ea typeface="Cambria Math" panose="02040503050406030204" pitchFamily="18" charset="0"/>
+                            </a:rPr>
+                            <m:t>𝑥</m:t>
+                          </m:r>
+                        </m:e>
+                      </m:acc>
+                      <m:r>
+                        <a:rPr lang="de-DE" i="1">
+                          <a:latin typeface="Cambria Math" panose="02040503050406030204" pitchFamily="18" charset="0"/>
+                          <a:ea typeface="Cambria Math" panose="02040503050406030204" pitchFamily="18" charset="0"/>
+                        </a:rPr>
+                        <m:t>=</m:t>
+                      </m:r>
+                      <m:sSup>
+                        <m:sSupPr>
+                          <m:ctrlPr>
+                            <a:rPr lang="de-DE" i="1">
+                              <a:latin typeface="Cambria Math" panose="02040503050406030204" pitchFamily="18" charset="0"/>
+                              <a:ea typeface="Cambria Math" panose="02040503050406030204" pitchFamily="18" charset="0"/>
+                            </a:rPr>
+                          </m:ctrlPr>
+                        </m:sSupPr>
+                        <m:e>
+                          <m:d>
+                            <m:dPr>
+                              <m:begChr m:val="["/>
+                              <m:endChr m:val="]"/>
+                              <m:ctrlPr>
+                                <a:rPr lang="de-DE" i="1">
+                                  <a:latin typeface="Cambria Math" panose="02040503050406030204" pitchFamily="18" charset="0"/>
+                                  <a:ea typeface="Cambria Math" panose="02040503050406030204" pitchFamily="18" charset="0"/>
+                                </a:rPr>
+                              </m:ctrlPr>
+                            </m:dPr>
+                            <m:e>
+                              <m:m>
+                                <m:mPr>
+                                  <m:mcs>
+                                    <m:mc>
+                                      <m:mcPr>
+                                        <m:count m:val="3"/>
+                                        <m:mcJc m:val="center"/>
+                                      </m:mcPr>
+                                    </m:mc>
+                                  </m:mcs>
+                                  <m:ctrlPr>
+                                    <a:rPr lang="de-DE" i="1">
+                                      <a:latin typeface="Cambria Math" panose="02040503050406030204" pitchFamily="18" charset="0"/>
+                                      <a:ea typeface="Cambria Math" panose="02040503050406030204" pitchFamily="18" charset="0"/>
+                                    </a:rPr>
+                                  </m:ctrlPr>
+                                </m:mPr>
+                                <m:mr>
+                                  <m:e>
+                                    <m:sSup>
+                                      <m:sSupPr>
+                                        <m:ctrlPr>
+                                          <a:rPr lang="de-DE" i="1">
+                                            <a:latin typeface="Cambria Math" panose="02040503050406030204" pitchFamily="18" charset="0"/>
+                                            <a:ea typeface="Cambria Math" panose="02040503050406030204" pitchFamily="18" charset="0"/>
+                                          </a:rPr>
+                                        </m:ctrlPr>
+                                      </m:sSupPr>
+                                      <m:e>
+                                        <m:acc>
+                                          <m:accPr>
+                                            <m:chr m:val="̂"/>
+                                            <m:ctrlPr>
+                                              <a:rPr lang="de-DE" i="1" smtClean="0">
+                                                <a:latin typeface="Cambria Math" panose="02040503050406030204" pitchFamily="18" charset="0"/>
+                                                <a:ea typeface="Cambria Math" panose="02040503050406030204" pitchFamily="18" charset="0"/>
+                                              </a:rPr>
+                                            </m:ctrlPr>
+                                          </m:accPr>
+                                          <m:e>
+                                            <m:r>
+                                              <a:rPr lang="de-DE" b="0" i="1" smtClean="0">
+                                                <a:latin typeface="Cambria Math" panose="02040503050406030204" pitchFamily="18" charset="0"/>
+                                                <a:ea typeface="Cambria Math" panose="02040503050406030204" pitchFamily="18" charset="0"/>
+                                              </a:rPr>
+                                              <m:t>𝑝</m:t>
+                                            </m:r>
+                                          </m:e>
+                                        </m:acc>
+                                      </m:e>
+                                      <m:sup>
+                                        <m:r>
+                                          <m:rPr>
+                                            <m:brk m:alnAt="7"/>
+                                          </m:rPr>
+                                          <a:rPr lang="de-DE" i="1">
+                                            <a:latin typeface="Cambria Math" panose="02040503050406030204" pitchFamily="18" charset="0"/>
+                                            <a:ea typeface="Cambria Math" panose="02040503050406030204" pitchFamily="18" charset="0"/>
+                                          </a:rPr>
+                                          <m:t>𝑛</m:t>
+                                        </m:r>
+                                      </m:sup>
+                                    </m:sSup>
+                                  </m:e>
+                                  <m:e>
+                                    <m:sSup>
+                                      <m:sSupPr>
+                                        <m:ctrlPr>
+                                          <a:rPr lang="de-DE" i="1">
+                                            <a:latin typeface="Cambria Math" panose="02040503050406030204" pitchFamily="18" charset="0"/>
+                                            <a:ea typeface="Cambria Math" panose="02040503050406030204" pitchFamily="18" charset="0"/>
+                                          </a:rPr>
+                                        </m:ctrlPr>
+                                      </m:sSupPr>
+                                      <m:e>
+                                        <m:acc>
+                                          <m:accPr>
+                                            <m:chr m:val="̂"/>
+                                            <m:ctrlPr>
+                                              <a:rPr lang="de-DE" i="1" smtClean="0">
+                                                <a:latin typeface="Cambria Math" panose="02040503050406030204" pitchFamily="18" charset="0"/>
+                                                <a:ea typeface="Cambria Math" panose="02040503050406030204" pitchFamily="18" charset="0"/>
+                                              </a:rPr>
+                                            </m:ctrlPr>
+                                          </m:accPr>
+                                          <m:e>
+                                            <m:r>
+                                              <a:rPr lang="de-DE" b="0" i="1" smtClean="0">
+                                                <a:latin typeface="Cambria Math" panose="02040503050406030204" pitchFamily="18" charset="0"/>
+                                                <a:ea typeface="Cambria Math" panose="02040503050406030204" pitchFamily="18" charset="0"/>
+                                              </a:rPr>
+                                              <m:t>𝑣</m:t>
+                                            </m:r>
+                                          </m:e>
+                                        </m:acc>
+                                      </m:e>
+                                      <m:sup>
+                                        <m:r>
+                                          <a:rPr lang="de-DE" i="1">
+                                            <a:latin typeface="Cambria Math" panose="02040503050406030204" pitchFamily="18" charset="0"/>
+                                            <a:ea typeface="Cambria Math" panose="02040503050406030204" pitchFamily="18" charset="0"/>
+                                          </a:rPr>
+                                          <m:t>𝑛</m:t>
+                                        </m:r>
+                                      </m:sup>
+                                    </m:sSup>
+                                  </m:e>
+                                  <m:e>
+                                    <m:acc>
+                                      <m:accPr>
+                                        <m:chr m:val="̂"/>
+                                        <m:ctrlPr>
+                                          <a:rPr lang="de-DE" i="1" smtClean="0">
+                                            <a:latin typeface="Cambria Math" panose="02040503050406030204" pitchFamily="18" charset="0"/>
+                                            <a:ea typeface="Cambria Math" panose="02040503050406030204" pitchFamily="18" charset="0"/>
+                                          </a:rPr>
+                                        </m:ctrlPr>
+                                      </m:accPr>
+                                      <m:e>
+                                        <m:r>
+                                          <a:rPr lang="de-DE" b="0" i="1" smtClean="0">
+                                            <a:latin typeface="Cambria Math" panose="02040503050406030204" pitchFamily="18" charset="0"/>
+                                            <a:ea typeface="Cambria Math" panose="02040503050406030204" pitchFamily="18" charset="0"/>
+                                          </a:rPr>
+                                          <m:t>𝑏</m:t>
+                                        </m:r>
+                                      </m:e>
+                                    </m:acc>
+                                  </m:e>
+                                </m:mr>
+                              </m:m>
+                            </m:e>
+                          </m:d>
+                        </m:e>
+                        <m:sup>
+                          <m:r>
+                            <a:rPr lang="de-DE" i="1">
+                              <a:latin typeface="Cambria Math" panose="02040503050406030204" pitchFamily="18" charset="0"/>
+                              <a:ea typeface="Cambria Math" panose="02040503050406030204" pitchFamily="18" charset="0"/>
+                            </a:rPr>
+                            <m:t>𝑇</m:t>
+                          </m:r>
+                        </m:sup>
+                      </m:sSup>
+                    </m:oMath>
+                  </m:oMathPara>
+                </a14:m>
+                <a:endParaRPr lang="de-DE" dirty="0"/>
+              </a:p>
+              <a:p>
+                <a:endParaRPr lang="de-DE" kern="0" dirty="0"/>
+              </a:p>
+            </p:txBody>
+          </p:sp>
+        </mc:Choice>
+        <mc:Fallback>
+          <p:sp>
+            <p:nvSpPr>
+              <p:cNvPr id="6" name="Inhaltsplatzhalter 2"/>
+              <p:cNvSpPr txBox="1">
+                <a:spLocks noRot="1" noChangeAspect="1" noMove="1" noResize="1" noEditPoints="1" noAdjustHandles="1" noChangeArrowheads="1" noChangeShapeType="1" noTextEdit="1"/>
+              </p:cNvSpPr>
+              <p:nvPr/>
+            </p:nvSpPr>
+            <p:spPr bwMode="auto">
+              <a:xfrm>
+                <a:off x="4303494" y="1768476"/>
+                <a:ext cx="4660994" cy="4036788"/>
+              </a:xfrm>
+              <a:prstGeom prst="rect">
+                <a:avLst/>
+              </a:prstGeom>
+              <a:blipFill rotWithShape="0">
+                <a:blip r:embed="rId3"/>
+                <a:stretch>
+                  <a:fillRect l="-3137" t="-1964"/>
+                </a:stretch>
+              </a:blipFill>
+              <a:ln w="9525">
+                <a:noFill/>
+                <a:miter lim="800000"/>
+                <a:headEnd/>
+                <a:tailEnd/>
+              </a:ln>
+            </p:spPr>
+            <p:txBody>
+              <a:bodyPr/>
+              <a:lstStyle/>
+              <a:p>
+                <a:r>
+                  <a:rPr lang="de-DE">
+                    <a:noFill/>
+                  </a:rPr>
+                  <a:t> </a:t>
+                </a:r>
+              </a:p>
+            </p:txBody>
+          </p:sp>
+        </mc:Fallback>
+      </mc:AlternateContent>
+      <mc:AlternateContent xmlns:mc="http://schemas.openxmlformats.org/markup-compatibility/2006">
+        <mc:Choice xmlns:a14="http://schemas.microsoft.com/office/drawing/2010/main" Requires="a14">
+          <p:sp>
+            <p:nvSpPr>
+              <p:cNvPr id="9" name="Textfeld 8"/>
+              <p:cNvSpPr txBox="1"/>
+              <p:nvPr/>
+            </p:nvSpPr>
+            <p:spPr>
+              <a:xfrm>
+                <a:off x="1979712" y="4750752"/>
+                <a:ext cx="4217179" cy="955903"/>
+              </a:xfrm>
+              <a:prstGeom prst="rect">
+                <a:avLst/>
+              </a:prstGeom>
+              <a:noFill/>
+            </p:spPr>
+            <p:txBody>
+              <a:bodyPr wrap="square" rtlCol="0">
+                <a:spAutoFit/>
+              </a:bodyPr>
+              <a:lstStyle/>
+              <a:p>
+                <a:r>
+                  <a:rPr lang="de-DE" dirty="0" smtClean="0"/>
+                  <a:t>Einschwingdynamik der </a:t>
+                </a:r>
+                <a:r>
+                  <a:rPr lang="de-DE" dirty="0" err="1" smtClean="0"/>
+                  <a:t>Zstd</a:t>
+                </a:r>
+                <a:r>
+                  <a:rPr lang="de-DE" dirty="0" smtClean="0"/>
+                  <a:t>.</a:t>
+                </a:r>
+              </a:p>
+              <a:p>
+                <a14:m>
+                  <m:oMathPara xmlns:m="http://schemas.openxmlformats.org/officeDocument/2006/math">
+                    <m:oMathParaPr>
+                      <m:jc m:val="centerGroup"/>
+                    </m:oMathParaPr>
+                    <m:oMath xmlns:m="http://schemas.openxmlformats.org/officeDocument/2006/math">
+                      <m:acc>
+                        <m:accPr>
+                          <m:chr m:val="̇"/>
+                          <m:ctrlPr>
+                            <a:rPr lang="de-DE" b="0" i="1" smtClean="0">
+                              <a:latin typeface="Cambria Math" panose="02040503050406030204" pitchFamily="18" charset="0"/>
+                            </a:rPr>
+                          </m:ctrlPr>
+                        </m:accPr>
+                        <m:e>
+                          <m:acc>
+                            <m:accPr>
+                              <m:chr m:val="̃"/>
+                              <m:ctrlPr>
+                                <a:rPr lang="de-DE" b="0" i="1" smtClean="0">
+                                  <a:latin typeface="Cambria Math" panose="02040503050406030204" pitchFamily="18" charset="0"/>
+                                </a:rPr>
+                              </m:ctrlPr>
+                            </m:accPr>
+                            <m:e>
+                              <m:r>
+                                <a:rPr lang="de-DE" b="0" i="1" smtClean="0">
+                                  <a:latin typeface="Cambria Math" panose="02040503050406030204" pitchFamily="18" charset="0"/>
+                                </a:rPr>
+                                <m:t>𝑥</m:t>
+                              </m:r>
+                            </m:e>
+                          </m:acc>
+                        </m:e>
+                      </m:acc>
+                      <m:r>
+                        <a:rPr lang="de-DE" b="0" i="1" smtClean="0">
+                          <a:latin typeface="Cambria Math" panose="02040503050406030204" pitchFamily="18" charset="0"/>
+                        </a:rPr>
+                        <m:t>=</m:t>
+                      </m:r>
+                      <m:acc>
+                        <m:accPr>
+                          <m:chr m:val="̇"/>
+                          <m:ctrlPr>
+                            <a:rPr lang="de-DE" b="0" i="1" smtClean="0">
+                              <a:latin typeface="Cambria Math" panose="02040503050406030204" pitchFamily="18" charset="0"/>
+                            </a:rPr>
+                          </m:ctrlPr>
+                        </m:accPr>
+                        <m:e>
+                          <m:r>
+                            <a:rPr lang="de-DE" b="0" i="1" smtClean="0">
+                              <a:latin typeface="Cambria Math" panose="02040503050406030204" pitchFamily="18" charset="0"/>
+                            </a:rPr>
+                            <m:t>𝑥</m:t>
+                          </m:r>
+                        </m:e>
+                      </m:acc>
+                      <m:r>
+                        <a:rPr lang="de-DE" b="0" i="1" smtClean="0">
+                          <a:latin typeface="Cambria Math" panose="02040503050406030204" pitchFamily="18" charset="0"/>
+                        </a:rPr>
+                        <m:t>−</m:t>
+                      </m:r>
+                      <m:acc>
+                        <m:accPr>
+                          <m:chr m:val="̇"/>
+                          <m:ctrlPr>
+                            <a:rPr lang="de-DE" b="0" i="1" smtClean="0">
+                              <a:latin typeface="Cambria Math" panose="02040503050406030204" pitchFamily="18" charset="0"/>
+                            </a:rPr>
+                          </m:ctrlPr>
+                        </m:accPr>
+                        <m:e>
+                          <m:acc>
+                            <m:accPr>
+                              <m:chr m:val="̂"/>
+                              <m:ctrlPr>
+                                <a:rPr lang="de-DE" b="0" i="1" smtClean="0">
+                                  <a:latin typeface="Cambria Math" panose="02040503050406030204" pitchFamily="18" charset="0"/>
+                                </a:rPr>
+                              </m:ctrlPr>
+                            </m:accPr>
+                            <m:e>
+                              <m:r>
+                                <a:rPr lang="de-DE" b="0" i="1" smtClean="0">
+                                  <a:latin typeface="Cambria Math" panose="02040503050406030204" pitchFamily="18" charset="0"/>
+                                </a:rPr>
+                                <m:t>𝑥</m:t>
+                              </m:r>
+                            </m:e>
+                          </m:acc>
+                        </m:e>
+                      </m:acc>
+                      <m:r>
+                        <a:rPr lang="de-DE" b="0" i="1" smtClean="0">
+                          <a:latin typeface="Cambria Math" panose="02040503050406030204" pitchFamily="18" charset="0"/>
+                        </a:rPr>
+                        <m:t>=</m:t>
+                      </m:r>
+                      <m:d>
+                        <m:dPr>
+                          <m:ctrlPr>
+                            <a:rPr lang="de-DE" b="0" i="1" smtClean="0">
+                              <a:latin typeface="Cambria Math" panose="02040503050406030204" pitchFamily="18" charset="0"/>
+                            </a:rPr>
+                          </m:ctrlPr>
+                        </m:dPr>
+                        <m:e>
+                          <m:r>
+                            <a:rPr lang="de-DE" b="0" i="1" smtClean="0">
+                              <a:latin typeface="Cambria Math" panose="02040503050406030204" pitchFamily="18" charset="0"/>
+                            </a:rPr>
+                            <m:t>𝐴</m:t>
+                          </m:r>
+                          <m:r>
+                            <a:rPr lang="de-DE" b="0" i="1" smtClean="0">
+                              <a:latin typeface="Cambria Math" panose="02040503050406030204" pitchFamily="18" charset="0"/>
+                            </a:rPr>
+                            <m:t>−</m:t>
+                          </m:r>
+                          <m:r>
+                            <a:rPr lang="de-DE" b="0" i="1" smtClean="0">
+                              <a:latin typeface="Cambria Math" panose="02040503050406030204" pitchFamily="18" charset="0"/>
+                            </a:rPr>
+                            <m:t>𝐿𝐶</m:t>
+                          </m:r>
+                        </m:e>
+                      </m:d>
+                      <m:r>
+                        <a:rPr lang="de-DE" i="1">
+                          <a:latin typeface="Cambria Math" panose="02040503050406030204" pitchFamily="18" charset="0"/>
+                          <a:ea typeface="Cambria Math" panose="02040503050406030204" pitchFamily="18" charset="0"/>
+                        </a:rPr>
+                        <m:t>∙</m:t>
+                      </m:r>
+                      <m:acc>
+                        <m:accPr>
+                          <m:chr m:val="̃"/>
+                          <m:ctrlPr>
+                            <a:rPr lang="de-DE" b="0" i="1" smtClean="0">
+                              <a:latin typeface="Cambria Math" panose="02040503050406030204" pitchFamily="18" charset="0"/>
+                              <a:ea typeface="Cambria Math" panose="02040503050406030204" pitchFamily="18" charset="0"/>
+                            </a:rPr>
+                          </m:ctrlPr>
+                        </m:accPr>
+                        <m:e>
+                          <m:r>
+                            <a:rPr lang="de-DE" b="0" i="1" smtClean="0">
+                              <a:latin typeface="Cambria Math" panose="02040503050406030204" pitchFamily="18" charset="0"/>
+                              <a:ea typeface="Cambria Math" panose="02040503050406030204" pitchFamily="18" charset="0"/>
+                            </a:rPr>
+                            <m:t>𝑥</m:t>
+                          </m:r>
+                        </m:e>
+                      </m:acc>
+                    </m:oMath>
+                  </m:oMathPara>
+                </a14:m>
+                <a:endParaRPr lang="de-DE" dirty="0" smtClean="0"/>
+              </a:p>
+              <a:p>
+                <a:r>
+                  <a:rPr lang="de-DE" dirty="0" smtClean="0"/>
+                  <a:t> </a:t>
+                </a:r>
+                <a:endParaRPr lang="de-DE" dirty="0"/>
+              </a:p>
+            </p:txBody>
+          </p:sp>
+        </mc:Choice>
+        <mc:Fallback>
+          <p:sp>
+            <p:nvSpPr>
+              <p:cNvPr id="9" name="Textfeld 8"/>
+              <p:cNvSpPr txBox="1">
+                <a:spLocks noRot="1" noChangeAspect="1" noMove="1" noResize="1" noEditPoints="1" noAdjustHandles="1" noChangeArrowheads="1" noChangeShapeType="1" noTextEdit="1"/>
+              </p:cNvSpPr>
+              <p:nvPr/>
+            </p:nvSpPr>
+            <p:spPr>
+              <a:xfrm>
+                <a:off x="1979712" y="4750752"/>
+                <a:ext cx="4217179" cy="955903"/>
+              </a:xfrm>
+              <a:prstGeom prst="rect">
+                <a:avLst/>
+              </a:prstGeom>
+              <a:blipFill rotWithShape="0">
+                <a:blip r:embed="rId4"/>
+                <a:stretch>
+                  <a:fillRect l="-1301" t="-3185"/>
+                </a:stretch>
+              </a:blipFill>
+            </p:spPr>
+            <p:txBody>
+              <a:bodyPr/>
+              <a:lstStyle/>
+              <a:p>
+                <a:r>
+                  <a:rPr lang="de-DE">
+                    <a:noFill/>
+                  </a:rPr>
+                  <a:t> </a:t>
+                </a:r>
+              </a:p>
+            </p:txBody>
+          </p:sp>
+        </mc:Fallback>
+      </mc:AlternateContent>
+    </p:spTree>
+    <p:extLst>
+      <p:ext uri="{BB962C8B-B14F-4D97-AF65-F5344CB8AC3E}">
+        <p14:creationId xmlns:p14="http://schemas.microsoft.com/office/powerpoint/2010/main" val="3083975523"/>
+      </p:ext>
+    </p:extLst>
+  </p:cSld>
+  <p:clrMapOvr>
+    <a:masterClrMapping/>
+  </p:clrMapOvr>
+</p:sld>
+</file>
+
 <file path=ppt/slides/slide4.xml><?xml version="1.0" encoding="utf-8"?>
 <p:sld xmlns:a="http://schemas.openxmlformats.org/drawingml/2006/main" xmlns:r="http://schemas.openxmlformats.org/officeDocument/2006/relationships" xmlns:p="http://schemas.openxmlformats.org/presentationml/2006/main">
   <p:cSld>
@@ -13523,7 +20412,7 @@
           <a:p>
             <a:fld id="{06779667-B4A8-4B7E-9ECB-6AC6BAAAF423}" type="datetime1">
               <a:rPr lang="de-DE" smtClean="0"/>
-              <a:t>15.02.2015</a:t>
+              <a:t>16.02.2015</a:t>
             </a:fld>
             <a:endParaRPr lang="de-DE" dirty="0"/>
           </a:p>
@@ -13716,7 +20605,7 @@
           <a:p>
             <a:fld id="{06779667-B4A8-4B7E-9ECB-6AC6BAAAF423}" type="datetime1">
               <a:rPr lang="de-DE" smtClean="0"/>
-              <a:t>15.02.2015</a:t>
+              <a:t>16.02.2015</a:t>
             </a:fld>
             <a:endParaRPr lang="de-DE" dirty="0"/>
           </a:p>
@@ -13924,7 +20813,7 @@
           <a:p>
             <a:fld id="{06779667-B4A8-4B7E-9ECB-6AC6BAAAF423}" type="datetime1">
               <a:rPr lang="de-DE" smtClean="0"/>
-              <a:t>15.02.2015</a:t>
+              <a:t>16.02.2015</a:t>
             </a:fld>
             <a:endParaRPr lang="de-DE" dirty="0"/>
           </a:p>
@@ -14138,25 +21027,231 @@
           </a:p>
         </p:txBody>
       </p:sp>
-      <p:sp>
-        <p:nvSpPr>
-          <p:cNvPr id="3" name="Inhaltsplatzhalter 2"/>
-          <p:cNvSpPr>
-            <a:spLocks noGrp="1"/>
-          </p:cNvSpPr>
-          <p:nvPr>
-            <p:ph idx="1"/>
-          </p:nvPr>
-        </p:nvSpPr>
-        <p:spPr/>
-        <p:txBody>
-          <a:bodyPr/>
-          <a:lstStyle/>
-          <a:p>
-            <a:endParaRPr lang="de-DE" dirty="0"/>
-          </a:p>
-        </p:txBody>
-      </p:sp>
+      <mc:AlternateContent xmlns:mc="http://schemas.openxmlformats.org/markup-compatibility/2006">
+        <mc:Choice xmlns:a14="http://schemas.microsoft.com/office/drawing/2010/main" Requires="a14">
+          <p:sp>
+            <p:nvSpPr>
+              <p:cNvPr id="3" name="Inhaltsplatzhalter 2"/>
+              <p:cNvSpPr>
+                <a:spLocks noGrp="1"/>
+              </p:cNvSpPr>
+              <p:nvPr>
+                <p:ph idx="1"/>
+              </p:nvPr>
+            </p:nvSpPr>
+            <p:spPr>
+              <a:xfrm>
+                <a:off x="2555366" y="5276800"/>
+                <a:ext cx="4030717" cy="936204"/>
+              </a:xfrm>
+            </p:spPr>
+            <p:txBody>
+              <a:bodyPr/>
+              <a:lstStyle/>
+              <a:p>
+                <a14:m>
+                  <m:oMathPara xmlns:m="http://schemas.openxmlformats.org/officeDocument/2006/math">
+                    <m:oMathParaPr>
+                      <m:jc m:val="centerGroup"/>
+                    </m:oMathParaPr>
+                    <m:oMath xmlns:m="http://schemas.openxmlformats.org/officeDocument/2006/math">
+                      <m:sSub>
+                        <m:sSubPr>
+                          <m:ctrlPr>
+                            <a:rPr lang="de-DE" b="0" i="1" smtClean="0">
+                              <a:latin typeface="Cambria Math" panose="02040503050406030204" pitchFamily="18" charset="0"/>
+                            </a:rPr>
+                          </m:ctrlPr>
+                        </m:sSubPr>
+                        <m:e>
+                          <m:r>
+                            <a:rPr lang="de-DE" b="0" i="1" smtClean="0">
+                              <a:latin typeface="Cambria Math" panose="02040503050406030204" pitchFamily="18" charset="0"/>
+                            </a:rPr>
+                            <m:t>𝑃</m:t>
+                          </m:r>
+                        </m:e>
+                        <m:sub>
+                          <m:r>
+                            <a:rPr lang="de-DE" b="0" i="1" smtClean="0">
+                              <a:latin typeface="Cambria Math" panose="02040503050406030204" pitchFamily="18" charset="0"/>
+                            </a:rPr>
+                            <m:t>𝑛𝑒𝑢</m:t>
+                          </m:r>
+                        </m:sub>
+                      </m:sSub>
+                      <m:r>
+                        <a:rPr lang="de-DE" b="0" i="1" smtClean="0">
+                          <a:latin typeface="Cambria Math" panose="02040503050406030204" pitchFamily="18" charset="0"/>
+                        </a:rPr>
+                        <m:t>=</m:t>
+                      </m:r>
+                      <m:sSub>
+                        <m:sSubPr>
+                          <m:ctrlPr>
+                            <a:rPr lang="de-DE" b="0" i="1" smtClean="0">
+                              <a:latin typeface="Cambria Math" panose="02040503050406030204" pitchFamily="18" charset="0"/>
+                            </a:rPr>
+                          </m:ctrlPr>
+                        </m:sSubPr>
+                        <m:e>
+                          <m:r>
+                            <a:rPr lang="de-DE" b="0" i="1" smtClean="0">
+                              <a:latin typeface="Cambria Math" panose="02040503050406030204" pitchFamily="18" charset="0"/>
+                            </a:rPr>
+                            <m:t>𝑃</m:t>
+                          </m:r>
+                        </m:e>
+                        <m:sub>
+                          <m:r>
+                            <a:rPr lang="de-DE" b="0" i="1" smtClean="0">
+                              <a:latin typeface="Cambria Math" panose="02040503050406030204" pitchFamily="18" charset="0"/>
+                            </a:rPr>
+                            <m:t>𝑟𝑒𝑓</m:t>
+                          </m:r>
+                        </m:sub>
+                      </m:sSub>
+                      <m:r>
+                        <a:rPr lang="de-DE" b="0" i="1" smtClean="0">
+                          <a:latin typeface="Cambria Math" panose="02040503050406030204" pitchFamily="18" charset="0"/>
+                        </a:rPr>
+                        <m:t>+</m:t>
+                      </m:r>
+                      <m:r>
+                        <a:rPr lang="de-DE" b="0" i="1" smtClean="0">
+                          <a:latin typeface="Cambria Math" panose="02040503050406030204" pitchFamily="18" charset="0"/>
+                        </a:rPr>
+                        <m:t>𝑇</m:t>
+                      </m:r>
+                    </m:oMath>
+                    <m:oMath xmlns:m="http://schemas.openxmlformats.org/officeDocument/2006/math">
+                      <m:sSub>
+                        <m:sSubPr>
+                          <m:ctrlPr>
+                            <a:rPr lang="de-DE" b="0" i="1" smtClean="0">
+                              <a:latin typeface="Cambria Math" panose="02040503050406030204" pitchFamily="18" charset="0"/>
+                              <a:sym typeface="Symbol" panose="05050102010706020507" pitchFamily="18" charset="2"/>
+                            </a:rPr>
+                          </m:ctrlPr>
+                        </m:sSubPr>
+                        <m:e>
+                          <m:r>
+                            <a:rPr lang="de-DE" b="0" i="1" smtClean="0">
+                              <a:latin typeface="Cambria Math" panose="02040503050406030204" pitchFamily="18" charset="0"/>
+                              <a:sym typeface="Symbol" panose="05050102010706020507" pitchFamily="18" charset="2"/>
+                            </a:rPr>
+                            <m:t></m:t>
+                          </m:r>
+                        </m:e>
+                        <m:sub>
+                          <m:r>
+                            <a:rPr lang="de-DE" b="0" i="1" smtClean="0">
+                              <a:latin typeface="Cambria Math" panose="02040503050406030204" pitchFamily="18" charset="0"/>
+                              <a:sym typeface="Symbol" panose="05050102010706020507" pitchFamily="18" charset="2"/>
+                            </a:rPr>
+                            <m:t>𝑛𝑒𝑢</m:t>
+                          </m:r>
+                        </m:sub>
+                      </m:sSub>
+                      <m:r>
+                        <a:rPr lang="de-DE" b="0" i="1" smtClean="0">
+                          <a:latin typeface="Cambria Math" panose="02040503050406030204" pitchFamily="18" charset="0"/>
+                          <a:sym typeface="Symbol" panose="05050102010706020507" pitchFamily="18" charset="2"/>
+                        </a:rPr>
+                        <m:t>= </m:t>
+                      </m:r>
+                      <m:sSub>
+                        <m:sSubPr>
+                          <m:ctrlPr>
+                            <a:rPr lang="de-DE" b="0" i="1" smtClean="0">
+                              <a:latin typeface="Cambria Math" panose="02040503050406030204" pitchFamily="18" charset="0"/>
+                              <a:sym typeface="Symbol" panose="05050102010706020507" pitchFamily="18" charset="2"/>
+                            </a:rPr>
+                          </m:ctrlPr>
+                        </m:sSubPr>
+                        <m:e>
+                          <m:r>
+                            <a:rPr lang="de-DE" b="0" i="1" smtClean="0">
+                              <a:latin typeface="Cambria Math" panose="02040503050406030204" pitchFamily="18" charset="0"/>
+                              <a:sym typeface="Symbol" panose="05050102010706020507" pitchFamily="18" charset="2"/>
+                            </a:rPr>
+                            <m:t></m:t>
+                          </m:r>
+                        </m:e>
+                        <m:sub>
+                          <m:r>
+                            <a:rPr lang="de-DE" b="0" i="1" smtClean="0">
+                              <a:latin typeface="Cambria Math" panose="02040503050406030204" pitchFamily="18" charset="0"/>
+                              <a:sym typeface="Symbol" panose="05050102010706020507" pitchFamily="18" charset="2"/>
+                            </a:rPr>
+                            <m:t>𝑟𝑒𝑓</m:t>
+                          </m:r>
+                        </m:sub>
+                      </m:sSub>
+                      <m:r>
+                        <a:rPr lang="de-DE" b="0" i="1" smtClean="0">
+                          <a:latin typeface="Cambria Math" panose="02040503050406030204" pitchFamily="18" charset="0"/>
+                          <a:sym typeface="Symbol" panose="05050102010706020507" pitchFamily="18" charset="2"/>
+                        </a:rPr>
+                        <m:t>+</m:t>
+                      </m:r>
+                      <m:r>
+                        <a:rPr lang="de-DE" b="0" i="1" smtClean="0">
+                          <a:latin typeface="Cambria Math" panose="02040503050406030204" pitchFamily="18" charset="0"/>
+                          <a:ea typeface="Cambria Math" panose="02040503050406030204" pitchFamily="18" charset="0"/>
+                          <a:sym typeface="Symbol" panose="05050102010706020507" pitchFamily="18" charset="2"/>
+                        </a:rPr>
+                        <m:t>∆</m:t>
+                      </m:r>
+                    </m:oMath>
+                  </m:oMathPara>
+                </a14:m>
+                <a:endParaRPr lang="de-DE" b="0" dirty="0" smtClean="0"/>
+              </a:p>
+              <a:p>
+                <a:endParaRPr lang="de-DE" dirty="0"/>
+              </a:p>
+            </p:txBody>
+          </p:sp>
+        </mc:Choice>
+        <mc:Fallback>
+          <p:sp>
+            <p:nvSpPr>
+              <p:cNvPr id="3" name="Inhaltsplatzhalter 2"/>
+              <p:cNvSpPr>
+                <a:spLocks noGrp="1" noRot="1" noChangeAspect="1" noMove="1" noResize="1" noEditPoints="1" noAdjustHandles="1" noChangeArrowheads="1" noChangeShapeType="1" noTextEdit="1"/>
+              </p:cNvSpPr>
+              <p:nvPr>
+                <p:ph idx="1"/>
+              </p:nvPr>
+            </p:nvSpPr>
+            <p:spPr>
+              <a:xfrm>
+                <a:off x="2555366" y="5276800"/>
+                <a:ext cx="4030717" cy="936204"/>
+              </a:xfrm>
+              <a:blipFill rotWithShape="0">
+                <a:blip r:embed="rId2"/>
+                <a:stretch>
+                  <a:fillRect/>
+                </a:stretch>
+              </a:blipFill>
+            </p:spPr>
+            <p:txBody>
+              <a:bodyPr/>
+              <a:lstStyle/>
+              <a:p>
+                <a:r>
+                  <a:rPr lang="de-DE">
+                    <a:noFill/>
+                  </a:rPr>
+                  <a:t> </a:t>
+                </a:r>
+              </a:p>
+            </p:txBody>
+          </p:sp>
+        </mc:Fallback>
+      </mc:AlternateContent>
       <p:sp>
         <p:nvSpPr>
           <p:cNvPr id="4" name="Datumsplatzhalter 3"/>
@@ -14174,7 +21269,7 @@
           <a:p>
             <a:fld id="{06779667-B4A8-4B7E-9ECB-6AC6BAAAF423}" type="datetime1">
               <a:rPr lang="de-DE" smtClean="0"/>
-              <a:t>15.02.2015</a:t>
+              <a:t>16.02.2015</a:t>
             </a:fld>
             <a:endParaRPr lang="de-DE" dirty="0"/>
           </a:p>
@@ -14213,13 +21308,13 @@
           <p:nvPr/>
         </p:nvPicPr>
         <p:blipFill rotWithShape="1">
-          <a:blip r:embed="rId2"/>
+          <a:blip r:embed="rId3"/>
           <a:srcRect l="41696"/>
           <a:stretch/>
         </p:blipFill>
         <p:spPr>
           <a:xfrm>
-            <a:off x="469897" y="2129775"/>
+            <a:off x="469897" y="1818177"/>
             <a:ext cx="3312368" cy="3535076"/>
           </a:xfrm>
           <a:prstGeom prst="rect">
@@ -14236,13 +21331,13 @@
           <p:nvPr/>
         </p:nvPicPr>
         <p:blipFill rotWithShape="1">
-          <a:blip r:embed="rId3"/>
+          <a:blip r:embed="rId4"/>
           <a:srcRect l="40560" t="20947"/>
           <a:stretch/>
         </p:blipFill>
         <p:spPr>
           <a:xfrm>
-            <a:off x="5017222" y="1940398"/>
+            <a:off x="5017222" y="1628800"/>
             <a:ext cx="3657503" cy="3782179"/>
           </a:xfrm>
           <a:prstGeom prst="rect">
@@ -14343,7 +21438,7 @@
           <a:p>
             <a:fld id="{06779667-B4A8-4B7E-9ECB-6AC6BAAAF423}" type="datetime1">
               <a:rPr lang="de-DE" smtClean="0"/>
-              <a:t>15.02.2015</a:t>
+              <a:t>16.02.2015</a:t>
             </a:fld>
             <a:endParaRPr lang="de-DE" dirty="0"/>
           </a:p>
@@ -14526,7 +21621,7 @@
           <a:p>
             <a:fld id="{06779667-B4A8-4B7E-9ECB-6AC6BAAAF423}" type="datetime1">
               <a:rPr lang="de-DE" smtClean="0"/>
-              <a:t>15.02.2015</a:t>
+              <a:t>16.02.2015</a:t>
             </a:fld>
             <a:endParaRPr lang="de-DE" dirty="0"/>
           </a:p>

--- a/Abschlusspräsentation.pptx
+++ b/Abschlusspräsentation.pptx
@@ -2919,7 +2919,7 @@
               <a:rPr lang="de-DE" sz="3200" b="1" dirty="0" err="1" smtClean="0">
                 <a:latin typeface="Frutiger LT Com 45 Light" panose="020B0303030504020204" pitchFamily="34" charset="0"/>
               </a:rPr>
-              <a:t>Quadrocopterds</a:t>
+              <a:t>Quadrocopters</a:t>
             </a:r>
             <a:r>
               <a:rPr lang="de-DE" sz="3200" b="1" dirty="0" smtClean="0">
@@ -2931,7 +2931,19 @@
               <a:rPr lang="de-DE" sz="3200" b="1" dirty="0" smtClean="0">
                 <a:latin typeface="Frutiger LT Com 45 Light" panose="020B0303030504020204" pitchFamily="34" charset="0"/>
               </a:rPr>
-              <a:t>basierend auf einem 2D-Lasersanners</a:t>
+              <a:t>basierend auf </a:t>
+            </a:r>
+            <a:r>
+              <a:rPr lang="de-DE" sz="3200" b="1" smtClean="0">
+                <a:latin typeface="Frutiger LT Com 45 Light" panose="020B0303030504020204" pitchFamily="34" charset="0"/>
+              </a:rPr>
+              <a:t>einem </a:t>
+            </a:r>
+            <a:r>
+              <a:rPr lang="de-DE" sz="3200" b="1" smtClean="0">
+                <a:latin typeface="Frutiger LT Com 45 Light" panose="020B0303030504020204" pitchFamily="34" charset="0"/>
+              </a:rPr>
+              <a:t>2D-Laserscanner</a:t>
             </a:r>
             <a:endParaRPr lang="de-DE" sz="3200" b="1" dirty="0">
               <a:latin typeface="Frutiger LT Com 45 Light" panose="020B0303030504020204" pitchFamily="34" charset="0"/>
@@ -10585,7 +10597,14 @@
                           <a:latin typeface="Cambria Math" panose="02040503050406030204" pitchFamily="18" charset="0"/>
                           <a:ea typeface="Cambria Math" panose="02040503050406030204" pitchFamily="18" charset="0"/>
                         </a:rPr>
-                        <m:t>= 0</m:t>
+                        <m:t>= </m:t>
+                      </m:r>
+                      <m:r>
+                        <a:rPr lang="de-DE" b="0" i="1" smtClean="0">
+                          <a:latin typeface="Cambria Math" panose="02040503050406030204" pitchFamily="18" charset="0"/>
+                          <a:ea typeface="Cambria Math" panose="02040503050406030204" pitchFamily="18" charset="0"/>
+                        </a:rPr>
+                        <m:t>0</m:t>
                       </m:r>
                     </m:oMath>
                   </m:oMathPara>
@@ -12568,13 +12587,7 @@
                           <a:rPr lang="de-DE" b="0" i="1" smtClean="0">
                             <a:latin typeface="Cambria Math" panose="02040503050406030204" pitchFamily="18" charset="0"/>
                           </a:rPr>
-                          <m:t>−</m:t>
-                        </m:r>
-                        <m:r>
-                          <a:rPr lang="de-DE" b="0" i="1" smtClean="0">
-                            <a:latin typeface="Cambria Math" panose="02040503050406030204" pitchFamily="18" charset="0"/>
-                          </a:rPr>
-                          <m:t>1</m:t>
+                          <m:t>−1</m:t>
                         </m:r>
                       </m:sub>
                     </m:sSub>
@@ -13061,7 +13074,7 @@
         </p:blipFill>
         <p:spPr>
           <a:xfrm>
-            <a:off x="4355975" y="2951212"/>
+            <a:off x="4355975" y="2519164"/>
             <a:ext cx="4350975" cy="2926060"/>
           </a:xfrm>
         </p:spPr>
@@ -13088,7 +13101,7 @@
         </p:blipFill>
         <p:spPr>
           <a:xfrm>
-            <a:off x="251520" y="2924944"/>
+            <a:off x="251520" y="2492896"/>
             <a:ext cx="4390035" cy="2952328"/>
           </a:xfrm>
           <a:prstGeom prst="rect">
@@ -14697,8 +14710,25 @@
             </a:r>
             <a:r>
               <a:rPr lang="de-DE" dirty="0" smtClean="0"/>
-              <a:t>-Servers womit sich mehrere Positionen im Raum anfliegen lassen können</a:t>
+              <a:t>-Servers, über denn </a:t>
             </a:r>
+            <a:r>
+              <a:rPr lang="de-DE" dirty="0" smtClean="0"/>
+              <a:t>sich mehrere Positionen im </a:t>
+            </a:r>
+            <a:r>
+              <a:rPr lang="de-DE" dirty="0" smtClean="0"/>
+              <a:t>Raum nacheinander </a:t>
+            </a:r>
+            <a:r>
+              <a:rPr lang="de-DE" dirty="0" smtClean="0"/>
+              <a:t>anfliegen </a:t>
+            </a:r>
+            <a:r>
+              <a:rPr lang="de-DE" dirty="0" smtClean="0"/>
+              <a:t>lassen</a:t>
+            </a:r>
+            <a:endParaRPr lang="de-DE" dirty="0" smtClean="0"/>
           </a:p>
           <a:p>
             <a:pPr lvl="1">
@@ -15780,6 +15810,13 @@
   <p:clrMapOvr>
     <a:masterClrMapping/>
   </p:clrMapOvr>
+  <p:timing>
+    <p:tnLst>
+      <p:par>
+        <p:cTn id="1" dur="indefinite" restart="never" nodeType="tmRoot"/>
+      </p:par>
+    </p:tnLst>
+  </p:timing>
 </p:sld>
 </file>
 
@@ -16397,6 +16434,13 @@
   <p:clrMapOvr>
     <a:masterClrMapping/>
   </p:clrMapOvr>
+  <p:timing>
+    <p:tnLst>
+      <p:par>
+        <p:cTn id="1" dur="indefinite" restart="never" nodeType="tmRoot"/>
+      </p:par>
+    </p:tnLst>
+  </p:timing>
 </p:sld>
 </file>
 
@@ -18331,6 +18375,13 @@
   <p:clrMapOvr>
     <a:masterClrMapping/>
   </p:clrMapOvr>
+  <p:timing>
+    <p:tnLst>
+      <p:par>
+        <p:cTn id="1" dur="indefinite" restart="never" nodeType="tmRoot"/>
+      </p:par>
+    </p:tnLst>
+  </p:timing>
 </p:sld>
 </file>
 
